--- a/presentation.pptx
+++ b/presentation.pptx
@@ -1,6 +1,6 @@
 
 <file path=ppt/presentation.xml><?xml version="1.0" encoding="utf-8"?>
-<p:presentation xmlns:a="http://schemas.openxmlformats.org/drawingml/2006/main" xmlns:r="http://schemas.openxmlformats.org/officeDocument/2006/relationships" xmlns:mc="http://schemas.openxmlformats.org/markup-compatibility/2006" xmlns:mv="urn:schemas-microsoft-com:mac:vml" xmlns:p="http://schemas.openxmlformats.org/presentationml/2006/main" xmlns:c="http://schemas.openxmlformats.org/drawingml/2006/chart" xmlns:dgm="http://schemas.openxmlformats.org/drawingml/2006/diagram" xmlns:o="urn:schemas-microsoft-com:office:office" xmlns:v="urn:schemas-microsoft-com:vml" xmlns:pvml="urn:schemas-microsoft-com:office:powerpoint" xmlns:com="http://schemas.openxmlformats.org/drawingml/2006/compatibility" xmlns:p14="http://schemas.microsoft.com/office/powerpoint/2010/main" xmlns:p15="http://schemas.microsoft.com/office/powerpoint/2012/main" xmlns:ahyp="http://schemas.microsoft.com/office/drawing/2018/hyperlinkcolor" autoCompressPictures="0" embedTrueTypeFonts="1" strictFirstAndLastChars="0" saveSubsetFonts="1">
+<p:presentation xmlns:a="http://schemas.openxmlformats.org/drawingml/2006/main" xmlns:r="http://schemas.openxmlformats.org/officeDocument/2006/relationships" xmlns:mc="http://schemas.openxmlformats.org/markup-compatibility/2006" xmlns:mv="urn:schemas-microsoft-com:mac:vml" xmlns:p="http://schemas.openxmlformats.org/presentationml/2006/main" xmlns:c="http://schemas.openxmlformats.org/drawingml/2006/chart" xmlns:dgm="http://schemas.openxmlformats.org/drawingml/2006/diagram" xmlns:o="urn:schemas-microsoft-com:office:office" xmlns:v="urn:schemas-microsoft-com:vml" xmlns:pvml="urn:schemas-microsoft-com:office:powerpoint" xmlns:com="http://schemas.openxmlformats.org/drawingml/2006/compatibility" xmlns:p14="http://schemas.microsoft.com/office/powerpoint/2010/main" xmlns:p15="http://schemas.microsoft.com/office/powerpoint/2012/main" xmlns:ahyp="http://schemas.microsoft.com/office/drawing/2018/hyperlinkcolor" autoCompressPictures="0" embedTrueTypeFonts="1" strictFirstAndLastChars="0" saveSubsetFonts="1" showSpecialPlsOnTitleSld="0">
   <p:sldMasterIdLst>
     <p:sldMasterId id="2147483672" r:id="rId3"/>
     <p:sldMasterId id="2147483673" r:id="rId4"/>
@@ -20,19 +20,26 @@
     <p:sldId id="264" r:id="rId14"/>
     <p:sldId id="265" r:id="rId15"/>
     <p:sldId id="266" r:id="rId16"/>
+    <p:sldId id="267" r:id="rId17"/>
+    <p:sldId id="268" r:id="rId18"/>
+    <p:sldId id="269" r:id="rId19"/>
+    <p:sldId id="270" r:id="rId20"/>
+    <p:sldId id="271" r:id="rId21"/>
+    <p:sldId id="272" r:id="rId22"/>
+    <p:sldId id="273" r:id="rId23"/>
   </p:sldIdLst>
   <p:sldSz cy="6858000" cx="12192000"/>
   <p:notesSz cx="7559675" cy="10691800"/>
   <p:embeddedFontLst>
     <p:embeddedFont>
       <p:font typeface="Caveat"/>
-      <p:regular r:id="rId17"/>
-      <p:bold r:id="rId18"/>
+      <p:regular r:id="rId24"/>
+      <p:bold r:id="rId25"/>
     </p:embeddedFont>
     <p:embeddedFont>
       <p:font typeface="Tahoma"/>
-      <p:regular r:id="rId19"/>
-      <p:bold r:id="rId20"/>
+      <p:regular r:id="rId26"/>
+      <p:bold r:id="rId27"/>
     </p:embeddedFont>
   </p:embeddedFontLst>
   <p:defaultTextStyle>
@@ -698,7 +705,7 @@
   <p:cSld>
     <p:spTree>
       <p:nvGrpSpPr>
-        <p:cNvPr id="110" name="Shape 110"/>
+        <p:cNvPr id="136" name="Shape 136"/>
         <p:cNvGrpSpPr/>
         <p:nvPr/>
       </p:nvGrpSpPr>
@@ -712,7 +719,7 @@
       </p:grpSpPr>
       <p:sp>
         <p:nvSpPr>
-          <p:cNvPr id="111" name="Google Shape;111;p1:notes"/>
+          <p:cNvPr id="137" name="Google Shape;137;p1:notes"/>
           <p:cNvSpPr txBox="1"/>
           <p:nvPr>
             <p:ph idx="1" type="body"/>
@@ -751,7 +758,7 @@
       </p:sp>
       <p:sp>
         <p:nvSpPr>
-          <p:cNvPr id="112" name="Google Shape;112;p1:notes"/>
+          <p:cNvPr id="138" name="Google Shape;138;p1:notes"/>
           <p:cNvSpPr/>
           <p:nvPr>
             <p:ph idx="2" type="sldImg"/>
@@ -797,7 +804,7 @@
   <p:cSld>
     <p:spTree>
       <p:nvGrpSpPr>
-        <p:cNvPr id="177" name="Shape 177"/>
+        <p:cNvPr id="217" name="Shape 217"/>
         <p:cNvGrpSpPr/>
         <p:nvPr/>
       </p:nvGrpSpPr>
@@ -811,7 +818,7 @@
       </p:grpSpPr>
       <p:sp>
         <p:nvSpPr>
-          <p:cNvPr id="178" name="Google Shape;178;p10:notes"/>
+          <p:cNvPr id="218" name="Google Shape;218;p10:notes"/>
           <p:cNvSpPr txBox="1"/>
           <p:nvPr>
             <p:ph idx="1" type="body"/>
@@ -850,7 +857,7 @@
       </p:sp>
       <p:sp>
         <p:nvSpPr>
-          <p:cNvPr id="179" name="Google Shape;179;p10:notes"/>
+          <p:cNvPr id="219" name="Google Shape;219;p10:notes"/>
           <p:cNvSpPr/>
           <p:nvPr>
             <p:ph idx="2" type="sldImg"/>
@@ -896,7 +903,7 @@
   <p:cSld>
     <p:spTree>
       <p:nvGrpSpPr>
-        <p:cNvPr id="183" name="Shape 183"/>
+        <p:cNvPr id="237" name="Shape 237"/>
         <p:cNvGrpSpPr/>
         <p:nvPr/>
       </p:nvGrpSpPr>
@@ -910,7 +917,7 @@
       </p:grpSpPr>
       <p:sp>
         <p:nvSpPr>
-          <p:cNvPr id="184" name="Google Shape;184;p11:notes"/>
+          <p:cNvPr id="238" name="Google Shape;238;p9:notes"/>
           <p:cNvSpPr txBox="1"/>
           <p:nvPr>
             <p:ph idx="1" type="body"/>
@@ -949,7 +956,7 @@
       </p:sp>
       <p:sp>
         <p:nvSpPr>
-          <p:cNvPr id="185" name="Google Shape;185;p11:notes"/>
+          <p:cNvPr id="239" name="Google Shape;239;p9:notes"/>
           <p:cNvSpPr/>
           <p:nvPr>
             <p:ph idx="2" type="sldImg"/>
@@ -990,12 +997,12 @@
 </p:notes>
 </file>
 
-<file path=ppt/notesSlides/notesSlide2.xml><?xml version="1.0" encoding="utf-8"?>
+<file path=ppt/notesSlides/notesSlide12.xml><?xml version="1.0" encoding="utf-8"?>
 <p:notes xmlns:a="http://schemas.openxmlformats.org/drawingml/2006/main" xmlns:r="http://schemas.openxmlformats.org/officeDocument/2006/relationships" xmlns:mc="http://schemas.openxmlformats.org/markup-compatibility/2006" xmlns:mv="urn:schemas-microsoft-com:mac:vml" xmlns:p="http://schemas.openxmlformats.org/presentationml/2006/main" xmlns:c="http://schemas.openxmlformats.org/drawingml/2006/chart" xmlns:dgm="http://schemas.openxmlformats.org/drawingml/2006/diagram" xmlns:o="urn:schemas-microsoft-com:office:office" xmlns:v="urn:schemas-microsoft-com:vml" xmlns:pvml="urn:schemas-microsoft-com:office:powerpoint" xmlns:com="http://schemas.openxmlformats.org/drawingml/2006/compatibility" xmlns:p14="http://schemas.microsoft.com/office/powerpoint/2010/main" xmlns:p15="http://schemas.microsoft.com/office/powerpoint/2012/main" xmlns:ahyp="http://schemas.microsoft.com/office/drawing/2018/hyperlinkcolor" showMasterPhAnim="0" showMasterSp="0">
   <p:cSld>
     <p:spTree>
       <p:nvGrpSpPr>
-        <p:cNvPr id="116" name="Shape 116"/>
+        <p:cNvPr id="246" name="Shape 246"/>
         <p:cNvGrpSpPr/>
         <p:nvPr/>
       </p:nvGrpSpPr>
@@ -1009,7 +1016,106 @@
       </p:grpSpPr>
       <p:sp>
         <p:nvSpPr>
-          <p:cNvPr id="117" name="Google Shape;117;p2:notes"/>
+          <p:cNvPr id="247" name="Google Shape;247;g115af4a5e42_0_88:notes"/>
+          <p:cNvSpPr txBox="1"/>
+          <p:nvPr>
+            <p:ph idx="1" type="body"/>
+          </p:nvPr>
+        </p:nvSpPr>
+        <p:spPr>
+          <a:xfrm>
+            <a:off x="755950" y="5078600"/>
+            <a:ext cx="6047700" cy="4811400"/>
+          </a:xfrm>
+          <a:prstGeom prst="rect">
+            <a:avLst/>
+          </a:prstGeom>
+        </p:spPr>
+        <p:txBody>
+          <a:bodyPr anchorCtr="0" anchor="t" bIns="91425" lIns="91425" spcFirstLastPara="1" rIns="91425" wrap="square" tIns="91425">
+            <a:noAutofit/>
+          </a:bodyPr>
+          <a:lstStyle/>
+          <a:p>
+            <a:pPr indent="0" lvl="0" marL="0" rtl="0" algn="l">
+              <a:spcBef>
+                <a:spcPts val="0"/>
+              </a:spcBef>
+              <a:spcAft>
+                <a:spcPts val="0"/>
+              </a:spcAft>
+              <a:buNone/>
+            </a:pPr>
+            <a:r>
+              <a:t/>
+            </a:r>
+            <a:endParaRPr/>
+          </a:p>
+        </p:txBody>
+      </p:sp>
+      <p:sp>
+        <p:nvSpPr>
+          <p:cNvPr id="248" name="Google Shape;248;g115af4a5e42_0_88:notes"/>
+          <p:cNvSpPr/>
+          <p:nvPr>
+            <p:ph idx="2" type="sldImg"/>
+          </p:nvPr>
+        </p:nvSpPr>
+        <p:spPr>
+          <a:xfrm>
+            <a:off x="1260175" y="801875"/>
+            <a:ext cx="5040000" cy="4009500"/>
+          </a:xfrm>
+          <a:custGeom>
+            <a:rect b="b" l="l" r="r" t="t"/>
+            <a:pathLst>
+              <a:path extrusionOk="0" h="120000" w="120000">
+                <a:moveTo>
+                  <a:pt x="0" y="0"/>
+                </a:moveTo>
+                <a:lnTo>
+                  <a:pt x="120000" y="0"/>
+                </a:lnTo>
+                <a:lnTo>
+                  <a:pt x="120000" y="120000"/>
+                </a:lnTo>
+                <a:lnTo>
+                  <a:pt x="0" y="120000"/>
+                </a:lnTo>
+                <a:close/>
+              </a:path>
+            </a:pathLst>
+          </a:custGeom>
+        </p:spPr>
+      </p:sp>
+    </p:spTree>
+  </p:cSld>
+  <p:clrMapOvr>
+    <a:masterClrMapping/>
+  </p:clrMapOvr>
+</p:notes>
+</file>
+
+<file path=ppt/notesSlides/notesSlide13.xml><?xml version="1.0" encoding="utf-8"?>
+<p:notes xmlns:a="http://schemas.openxmlformats.org/drawingml/2006/main" xmlns:r="http://schemas.openxmlformats.org/officeDocument/2006/relationships" xmlns:mc="http://schemas.openxmlformats.org/markup-compatibility/2006" xmlns:mv="urn:schemas-microsoft-com:mac:vml" xmlns:p="http://schemas.openxmlformats.org/presentationml/2006/main" xmlns:c="http://schemas.openxmlformats.org/drawingml/2006/chart" xmlns:dgm="http://schemas.openxmlformats.org/drawingml/2006/diagram" xmlns:o="urn:schemas-microsoft-com:office:office" xmlns:v="urn:schemas-microsoft-com:vml" xmlns:pvml="urn:schemas-microsoft-com:office:powerpoint" xmlns:com="http://schemas.openxmlformats.org/drawingml/2006/compatibility" xmlns:p14="http://schemas.microsoft.com/office/powerpoint/2010/main" xmlns:p15="http://schemas.microsoft.com/office/powerpoint/2012/main" xmlns:ahyp="http://schemas.microsoft.com/office/drawing/2018/hyperlinkcolor" showMasterPhAnim="0" showMasterSp="0">
+  <p:cSld>
+    <p:spTree>
+      <p:nvGrpSpPr>
+        <p:cNvPr id="259" name="Shape 259"/>
+        <p:cNvGrpSpPr/>
+        <p:nvPr/>
+      </p:nvGrpSpPr>
+      <p:grpSpPr>
+        <a:xfrm>
+          <a:off x="0" y="0"/>
+          <a:ext cx="0" cy="0"/>
+          <a:chOff x="0" y="0"/>
+          <a:chExt cx="0" cy="0"/>
+        </a:xfrm>
+      </p:grpSpPr>
+      <p:sp>
+        <p:nvSpPr>
+          <p:cNvPr id="260" name="Google Shape;260;p11:notes"/>
           <p:cNvSpPr txBox="1"/>
           <p:nvPr>
             <p:ph idx="1" type="body"/>
@@ -1040,6 +1146,600 @@
               <a:buNone/>
             </a:pPr>
             <a:r>
+              <a:t/>
+            </a:r>
+            <a:endParaRPr/>
+          </a:p>
+        </p:txBody>
+      </p:sp>
+      <p:sp>
+        <p:nvSpPr>
+          <p:cNvPr id="261" name="Google Shape;261;p11:notes"/>
+          <p:cNvSpPr/>
+          <p:nvPr>
+            <p:ph idx="2" type="sldImg"/>
+          </p:nvPr>
+        </p:nvSpPr>
+        <p:spPr>
+          <a:xfrm>
+            <a:off x="1260175" y="801875"/>
+            <a:ext cx="5040025" cy="4009425"/>
+          </a:xfrm>
+          <a:custGeom>
+            <a:rect b="b" l="l" r="r" t="t"/>
+            <a:pathLst>
+              <a:path extrusionOk="0" h="120000" w="120000">
+                <a:moveTo>
+                  <a:pt x="0" y="0"/>
+                </a:moveTo>
+                <a:lnTo>
+                  <a:pt x="120000" y="0"/>
+                </a:lnTo>
+                <a:lnTo>
+                  <a:pt x="120000" y="120000"/>
+                </a:lnTo>
+                <a:lnTo>
+                  <a:pt x="0" y="120000"/>
+                </a:lnTo>
+                <a:close/>
+              </a:path>
+            </a:pathLst>
+          </a:custGeom>
+        </p:spPr>
+      </p:sp>
+    </p:spTree>
+  </p:cSld>
+  <p:clrMapOvr>
+    <a:masterClrMapping/>
+  </p:clrMapOvr>
+</p:notes>
+</file>
+
+<file path=ppt/notesSlides/notesSlide14.xml><?xml version="1.0" encoding="utf-8"?>
+<p:notes xmlns:a="http://schemas.openxmlformats.org/drawingml/2006/main" xmlns:r="http://schemas.openxmlformats.org/officeDocument/2006/relationships" xmlns:mc="http://schemas.openxmlformats.org/markup-compatibility/2006" xmlns:mv="urn:schemas-microsoft-com:mac:vml" xmlns:p="http://schemas.openxmlformats.org/presentationml/2006/main" xmlns:c="http://schemas.openxmlformats.org/drawingml/2006/chart" xmlns:dgm="http://schemas.openxmlformats.org/drawingml/2006/diagram" xmlns:o="urn:schemas-microsoft-com:office:office" xmlns:v="urn:schemas-microsoft-com:vml" xmlns:pvml="urn:schemas-microsoft-com:office:powerpoint" xmlns:com="http://schemas.openxmlformats.org/drawingml/2006/compatibility" xmlns:p14="http://schemas.microsoft.com/office/powerpoint/2010/main" xmlns:p15="http://schemas.microsoft.com/office/powerpoint/2012/main" xmlns:ahyp="http://schemas.microsoft.com/office/drawing/2018/hyperlinkcolor" showMasterPhAnim="0" showMasterSp="0">
+  <p:cSld>
+    <p:spTree>
+      <p:nvGrpSpPr>
+        <p:cNvPr id="267" name="Shape 267"/>
+        <p:cNvGrpSpPr/>
+        <p:nvPr/>
+      </p:nvGrpSpPr>
+      <p:grpSpPr>
+        <a:xfrm>
+          <a:off x="0" y="0"/>
+          <a:ext cx="0" cy="0"/>
+          <a:chOff x="0" y="0"/>
+          <a:chExt cx="0" cy="0"/>
+        </a:xfrm>
+      </p:grpSpPr>
+      <p:sp>
+        <p:nvSpPr>
+          <p:cNvPr id="268" name="Google Shape;268;g115af4a5e42_0_16:notes"/>
+          <p:cNvSpPr txBox="1"/>
+          <p:nvPr>
+            <p:ph idx="1" type="body"/>
+          </p:nvPr>
+        </p:nvSpPr>
+        <p:spPr>
+          <a:xfrm>
+            <a:off x="755950" y="5078600"/>
+            <a:ext cx="6047700" cy="4811400"/>
+          </a:xfrm>
+          <a:prstGeom prst="rect">
+            <a:avLst/>
+          </a:prstGeom>
+        </p:spPr>
+        <p:txBody>
+          <a:bodyPr anchorCtr="0" anchor="t" bIns="91425" lIns="91425" spcFirstLastPara="1" rIns="91425" wrap="square" tIns="91425">
+            <a:noAutofit/>
+          </a:bodyPr>
+          <a:lstStyle/>
+          <a:p>
+            <a:pPr indent="0" lvl="0" marL="0" rtl="0" algn="l">
+              <a:spcBef>
+                <a:spcPts val="0"/>
+              </a:spcBef>
+              <a:spcAft>
+                <a:spcPts val="0"/>
+              </a:spcAft>
+              <a:buNone/>
+            </a:pPr>
+            <a:r>
+              <a:t/>
+            </a:r>
+            <a:endParaRPr/>
+          </a:p>
+        </p:txBody>
+      </p:sp>
+      <p:sp>
+        <p:nvSpPr>
+          <p:cNvPr id="269" name="Google Shape;269;g115af4a5e42_0_16:notes"/>
+          <p:cNvSpPr/>
+          <p:nvPr>
+            <p:ph idx="2" type="sldImg"/>
+          </p:nvPr>
+        </p:nvSpPr>
+        <p:spPr>
+          <a:xfrm>
+            <a:off x="1260175" y="801875"/>
+            <a:ext cx="5040000" cy="4009500"/>
+          </a:xfrm>
+          <a:custGeom>
+            <a:rect b="b" l="l" r="r" t="t"/>
+            <a:pathLst>
+              <a:path extrusionOk="0" h="120000" w="120000">
+                <a:moveTo>
+                  <a:pt x="0" y="0"/>
+                </a:moveTo>
+                <a:lnTo>
+                  <a:pt x="120000" y="0"/>
+                </a:lnTo>
+                <a:lnTo>
+                  <a:pt x="120000" y="120000"/>
+                </a:lnTo>
+                <a:lnTo>
+                  <a:pt x="0" y="120000"/>
+                </a:lnTo>
+                <a:close/>
+              </a:path>
+            </a:pathLst>
+          </a:custGeom>
+        </p:spPr>
+      </p:sp>
+    </p:spTree>
+  </p:cSld>
+  <p:clrMapOvr>
+    <a:masterClrMapping/>
+  </p:clrMapOvr>
+</p:notes>
+</file>
+
+<file path=ppt/notesSlides/notesSlide15.xml><?xml version="1.0" encoding="utf-8"?>
+<p:notes xmlns:a="http://schemas.openxmlformats.org/drawingml/2006/main" xmlns:r="http://schemas.openxmlformats.org/officeDocument/2006/relationships" xmlns:mc="http://schemas.openxmlformats.org/markup-compatibility/2006" xmlns:mv="urn:schemas-microsoft-com:mac:vml" xmlns:p="http://schemas.openxmlformats.org/presentationml/2006/main" xmlns:c="http://schemas.openxmlformats.org/drawingml/2006/chart" xmlns:dgm="http://schemas.openxmlformats.org/drawingml/2006/diagram" xmlns:o="urn:schemas-microsoft-com:office:office" xmlns:v="urn:schemas-microsoft-com:vml" xmlns:pvml="urn:schemas-microsoft-com:office:powerpoint" xmlns:com="http://schemas.openxmlformats.org/drawingml/2006/compatibility" xmlns:p14="http://schemas.microsoft.com/office/powerpoint/2010/main" xmlns:p15="http://schemas.microsoft.com/office/powerpoint/2012/main" xmlns:ahyp="http://schemas.microsoft.com/office/drawing/2018/hyperlinkcolor" showMasterPhAnim="0" showMasterSp="0">
+  <p:cSld>
+    <p:spTree>
+      <p:nvGrpSpPr>
+        <p:cNvPr id="276" name="Shape 276"/>
+        <p:cNvGrpSpPr/>
+        <p:nvPr/>
+      </p:nvGrpSpPr>
+      <p:grpSpPr>
+        <a:xfrm>
+          <a:off x="0" y="0"/>
+          <a:ext cx="0" cy="0"/>
+          <a:chOff x="0" y="0"/>
+          <a:chExt cx="0" cy="0"/>
+        </a:xfrm>
+      </p:grpSpPr>
+      <p:sp>
+        <p:nvSpPr>
+          <p:cNvPr id="277" name="Google Shape;277;g115af4a5e42_0_23:notes"/>
+          <p:cNvSpPr txBox="1"/>
+          <p:nvPr>
+            <p:ph idx="1" type="body"/>
+          </p:nvPr>
+        </p:nvSpPr>
+        <p:spPr>
+          <a:xfrm>
+            <a:off x="755950" y="5078600"/>
+            <a:ext cx="6047700" cy="4811400"/>
+          </a:xfrm>
+          <a:prstGeom prst="rect">
+            <a:avLst/>
+          </a:prstGeom>
+        </p:spPr>
+        <p:txBody>
+          <a:bodyPr anchorCtr="0" anchor="t" bIns="91425" lIns="91425" spcFirstLastPara="1" rIns="91425" wrap="square" tIns="91425">
+            <a:noAutofit/>
+          </a:bodyPr>
+          <a:lstStyle/>
+          <a:p>
+            <a:pPr indent="0" lvl="0" marL="0" rtl="0" algn="l">
+              <a:spcBef>
+                <a:spcPts val="0"/>
+              </a:spcBef>
+              <a:spcAft>
+                <a:spcPts val="0"/>
+              </a:spcAft>
+              <a:buNone/>
+            </a:pPr>
+            <a:r>
+              <a:t/>
+            </a:r>
+            <a:endParaRPr/>
+          </a:p>
+        </p:txBody>
+      </p:sp>
+      <p:sp>
+        <p:nvSpPr>
+          <p:cNvPr id="278" name="Google Shape;278;g115af4a5e42_0_23:notes"/>
+          <p:cNvSpPr/>
+          <p:nvPr>
+            <p:ph idx="2" type="sldImg"/>
+          </p:nvPr>
+        </p:nvSpPr>
+        <p:spPr>
+          <a:xfrm>
+            <a:off x="1260175" y="801875"/>
+            <a:ext cx="5040000" cy="4009500"/>
+          </a:xfrm>
+          <a:custGeom>
+            <a:rect b="b" l="l" r="r" t="t"/>
+            <a:pathLst>
+              <a:path extrusionOk="0" h="120000" w="120000">
+                <a:moveTo>
+                  <a:pt x="0" y="0"/>
+                </a:moveTo>
+                <a:lnTo>
+                  <a:pt x="120000" y="0"/>
+                </a:lnTo>
+                <a:lnTo>
+                  <a:pt x="120000" y="120000"/>
+                </a:lnTo>
+                <a:lnTo>
+                  <a:pt x="0" y="120000"/>
+                </a:lnTo>
+                <a:close/>
+              </a:path>
+            </a:pathLst>
+          </a:custGeom>
+        </p:spPr>
+      </p:sp>
+    </p:spTree>
+  </p:cSld>
+  <p:clrMapOvr>
+    <a:masterClrMapping/>
+  </p:clrMapOvr>
+</p:notes>
+</file>
+
+<file path=ppt/notesSlides/notesSlide16.xml><?xml version="1.0" encoding="utf-8"?>
+<p:notes xmlns:a="http://schemas.openxmlformats.org/drawingml/2006/main" xmlns:r="http://schemas.openxmlformats.org/officeDocument/2006/relationships" xmlns:mc="http://schemas.openxmlformats.org/markup-compatibility/2006" xmlns:mv="urn:schemas-microsoft-com:mac:vml" xmlns:p="http://schemas.openxmlformats.org/presentationml/2006/main" xmlns:c="http://schemas.openxmlformats.org/drawingml/2006/chart" xmlns:dgm="http://schemas.openxmlformats.org/drawingml/2006/diagram" xmlns:o="urn:schemas-microsoft-com:office:office" xmlns:v="urn:schemas-microsoft-com:vml" xmlns:pvml="urn:schemas-microsoft-com:office:powerpoint" xmlns:com="http://schemas.openxmlformats.org/drawingml/2006/compatibility" xmlns:p14="http://schemas.microsoft.com/office/powerpoint/2010/main" xmlns:p15="http://schemas.microsoft.com/office/powerpoint/2012/main" xmlns:ahyp="http://schemas.microsoft.com/office/drawing/2018/hyperlinkcolor" showMasterPhAnim="0" showMasterSp="0">
+  <p:cSld>
+    <p:spTree>
+      <p:nvGrpSpPr>
+        <p:cNvPr id="290" name="Shape 290"/>
+        <p:cNvGrpSpPr/>
+        <p:nvPr/>
+      </p:nvGrpSpPr>
+      <p:grpSpPr>
+        <a:xfrm>
+          <a:off x="0" y="0"/>
+          <a:ext cx="0" cy="0"/>
+          <a:chOff x="0" y="0"/>
+          <a:chExt cx="0" cy="0"/>
+        </a:xfrm>
+      </p:grpSpPr>
+      <p:sp>
+        <p:nvSpPr>
+          <p:cNvPr id="291" name="Google Shape;291;g115af4a5e42_0_110:notes"/>
+          <p:cNvSpPr txBox="1"/>
+          <p:nvPr>
+            <p:ph idx="1" type="body"/>
+          </p:nvPr>
+        </p:nvSpPr>
+        <p:spPr>
+          <a:xfrm>
+            <a:off x="755950" y="5078600"/>
+            <a:ext cx="6047700" cy="4811400"/>
+          </a:xfrm>
+          <a:prstGeom prst="rect">
+            <a:avLst/>
+          </a:prstGeom>
+        </p:spPr>
+        <p:txBody>
+          <a:bodyPr anchorCtr="0" anchor="t" bIns="91425" lIns="91425" spcFirstLastPara="1" rIns="91425" wrap="square" tIns="91425">
+            <a:noAutofit/>
+          </a:bodyPr>
+          <a:lstStyle/>
+          <a:p>
+            <a:pPr indent="0" lvl="0" marL="0" rtl="0" algn="l">
+              <a:spcBef>
+                <a:spcPts val="0"/>
+              </a:spcBef>
+              <a:spcAft>
+                <a:spcPts val="0"/>
+              </a:spcAft>
+              <a:buNone/>
+            </a:pPr>
+            <a:r>
+              <a:t/>
+            </a:r>
+            <a:endParaRPr/>
+          </a:p>
+        </p:txBody>
+      </p:sp>
+      <p:sp>
+        <p:nvSpPr>
+          <p:cNvPr id="292" name="Google Shape;292;g115af4a5e42_0_110:notes"/>
+          <p:cNvSpPr/>
+          <p:nvPr>
+            <p:ph idx="2" type="sldImg"/>
+          </p:nvPr>
+        </p:nvSpPr>
+        <p:spPr>
+          <a:xfrm>
+            <a:off x="1260175" y="801875"/>
+            <a:ext cx="5040000" cy="4009500"/>
+          </a:xfrm>
+          <a:custGeom>
+            <a:rect b="b" l="l" r="r" t="t"/>
+            <a:pathLst>
+              <a:path extrusionOk="0" h="120000" w="120000">
+                <a:moveTo>
+                  <a:pt x="0" y="0"/>
+                </a:moveTo>
+                <a:lnTo>
+                  <a:pt x="120000" y="0"/>
+                </a:lnTo>
+                <a:lnTo>
+                  <a:pt x="120000" y="120000"/>
+                </a:lnTo>
+                <a:lnTo>
+                  <a:pt x="0" y="120000"/>
+                </a:lnTo>
+                <a:close/>
+              </a:path>
+            </a:pathLst>
+          </a:custGeom>
+        </p:spPr>
+      </p:sp>
+    </p:spTree>
+  </p:cSld>
+  <p:clrMapOvr>
+    <a:masterClrMapping/>
+  </p:clrMapOvr>
+</p:notes>
+</file>
+
+<file path=ppt/notesSlides/notesSlide17.xml><?xml version="1.0" encoding="utf-8"?>
+<p:notes xmlns:a="http://schemas.openxmlformats.org/drawingml/2006/main" xmlns:r="http://schemas.openxmlformats.org/officeDocument/2006/relationships" xmlns:mc="http://schemas.openxmlformats.org/markup-compatibility/2006" xmlns:mv="urn:schemas-microsoft-com:mac:vml" xmlns:p="http://schemas.openxmlformats.org/presentationml/2006/main" xmlns:c="http://schemas.openxmlformats.org/drawingml/2006/chart" xmlns:dgm="http://schemas.openxmlformats.org/drawingml/2006/diagram" xmlns:o="urn:schemas-microsoft-com:office:office" xmlns:v="urn:schemas-microsoft-com:vml" xmlns:pvml="urn:schemas-microsoft-com:office:powerpoint" xmlns:com="http://schemas.openxmlformats.org/drawingml/2006/compatibility" xmlns:p14="http://schemas.microsoft.com/office/powerpoint/2010/main" xmlns:p15="http://schemas.microsoft.com/office/powerpoint/2012/main" xmlns:ahyp="http://schemas.microsoft.com/office/drawing/2018/hyperlinkcolor" showMasterPhAnim="0" showMasterSp="0">
+  <p:cSld>
+    <p:spTree>
+      <p:nvGrpSpPr>
+        <p:cNvPr id="298" name="Shape 298"/>
+        <p:cNvGrpSpPr/>
+        <p:nvPr/>
+      </p:nvGrpSpPr>
+      <p:grpSpPr>
+        <a:xfrm>
+          <a:off x="0" y="0"/>
+          <a:ext cx="0" cy="0"/>
+          <a:chOff x="0" y="0"/>
+          <a:chExt cx="0" cy="0"/>
+        </a:xfrm>
+      </p:grpSpPr>
+      <p:sp>
+        <p:nvSpPr>
+          <p:cNvPr id="299" name="Google Shape;299;g115af4a5e42_0_118:notes"/>
+          <p:cNvSpPr txBox="1"/>
+          <p:nvPr>
+            <p:ph idx="1" type="body"/>
+          </p:nvPr>
+        </p:nvSpPr>
+        <p:spPr>
+          <a:xfrm>
+            <a:off x="755950" y="5078600"/>
+            <a:ext cx="6047700" cy="4811400"/>
+          </a:xfrm>
+          <a:prstGeom prst="rect">
+            <a:avLst/>
+          </a:prstGeom>
+        </p:spPr>
+        <p:txBody>
+          <a:bodyPr anchorCtr="0" anchor="t" bIns="91425" lIns="91425" spcFirstLastPara="1" rIns="91425" wrap="square" tIns="91425">
+            <a:noAutofit/>
+          </a:bodyPr>
+          <a:lstStyle/>
+          <a:p>
+            <a:pPr indent="0" lvl="0" marL="0" rtl="0" algn="l">
+              <a:spcBef>
+                <a:spcPts val="0"/>
+              </a:spcBef>
+              <a:spcAft>
+                <a:spcPts val="0"/>
+              </a:spcAft>
+              <a:buNone/>
+            </a:pPr>
+            <a:r>
+              <a:t/>
+            </a:r>
+            <a:endParaRPr/>
+          </a:p>
+        </p:txBody>
+      </p:sp>
+      <p:sp>
+        <p:nvSpPr>
+          <p:cNvPr id="300" name="Google Shape;300;g115af4a5e42_0_118:notes"/>
+          <p:cNvSpPr/>
+          <p:nvPr>
+            <p:ph idx="2" type="sldImg"/>
+          </p:nvPr>
+        </p:nvSpPr>
+        <p:spPr>
+          <a:xfrm>
+            <a:off x="1260175" y="801875"/>
+            <a:ext cx="5040000" cy="4009500"/>
+          </a:xfrm>
+          <a:custGeom>
+            <a:rect b="b" l="l" r="r" t="t"/>
+            <a:pathLst>
+              <a:path extrusionOk="0" h="120000" w="120000">
+                <a:moveTo>
+                  <a:pt x="0" y="0"/>
+                </a:moveTo>
+                <a:lnTo>
+                  <a:pt x="120000" y="0"/>
+                </a:lnTo>
+                <a:lnTo>
+                  <a:pt x="120000" y="120000"/>
+                </a:lnTo>
+                <a:lnTo>
+                  <a:pt x="0" y="120000"/>
+                </a:lnTo>
+                <a:close/>
+              </a:path>
+            </a:pathLst>
+          </a:custGeom>
+        </p:spPr>
+      </p:sp>
+    </p:spTree>
+  </p:cSld>
+  <p:clrMapOvr>
+    <a:masterClrMapping/>
+  </p:clrMapOvr>
+</p:notes>
+</file>
+
+<file path=ppt/notesSlides/notesSlide18.xml><?xml version="1.0" encoding="utf-8"?>
+<p:notes xmlns:a="http://schemas.openxmlformats.org/drawingml/2006/main" xmlns:r="http://schemas.openxmlformats.org/officeDocument/2006/relationships" xmlns:mc="http://schemas.openxmlformats.org/markup-compatibility/2006" xmlns:mv="urn:schemas-microsoft-com:mac:vml" xmlns:p="http://schemas.openxmlformats.org/presentationml/2006/main" xmlns:c="http://schemas.openxmlformats.org/drawingml/2006/chart" xmlns:dgm="http://schemas.openxmlformats.org/drawingml/2006/diagram" xmlns:o="urn:schemas-microsoft-com:office:office" xmlns:v="urn:schemas-microsoft-com:vml" xmlns:pvml="urn:schemas-microsoft-com:office:powerpoint" xmlns:com="http://schemas.openxmlformats.org/drawingml/2006/compatibility" xmlns:p14="http://schemas.microsoft.com/office/powerpoint/2010/main" xmlns:p15="http://schemas.microsoft.com/office/powerpoint/2012/main" xmlns:ahyp="http://schemas.microsoft.com/office/drawing/2018/hyperlinkcolor" showMasterPhAnim="0" showMasterSp="0">
+  <p:cSld>
+    <p:spTree>
+      <p:nvGrpSpPr>
+        <p:cNvPr id="304" name="Shape 304"/>
+        <p:cNvGrpSpPr/>
+        <p:nvPr/>
+      </p:nvGrpSpPr>
+      <p:grpSpPr>
+        <a:xfrm>
+          <a:off x="0" y="0"/>
+          <a:ext cx="0" cy="0"/>
+          <a:chOff x="0" y="0"/>
+          <a:chExt cx="0" cy="0"/>
+        </a:xfrm>
+      </p:grpSpPr>
+      <p:sp>
+        <p:nvSpPr>
+          <p:cNvPr id="305" name="Google Shape;305;g115af4a5e42_0_132:notes"/>
+          <p:cNvSpPr txBox="1"/>
+          <p:nvPr>
+            <p:ph idx="1" type="body"/>
+          </p:nvPr>
+        </p:nvSpPr>
+        <p:spPr>
+          <a:xfrm>
+            <a:off x="755950" y="5078600"/>
+            <a:ext cx="6047700" cy="4811400"/>
+          </a:xfrm>
+          <a:prstGeom prst="rect">
+            <a:avLst/>
+          </a:prstGeom>
+        </p:spPr>
+        <p:txBody>
+          <a:bodyPr anchorCtr="0" anchor="t" bIns="91425" lIns="91425" spcFirstLastPara="1" rIns="91425" wrap="square" tIns="91425">
+            <a:noAutofit/>
+          </a:bodyPr>
+          <a:lstStyle/>
+          <a:p>
+            <a:pPr indent="0" lvl="0" marL="0" rtl="0" algn="l">
+              <a:spcBef>
+                <a:spcPts val="0"/>
+              </a:spcBef>
+              <a:spcAft>
+                <a:spcPts val="0"/>
+              </a:spcAft>
+              <a:buNone/>
+            </a:pPr>
+            <a:r>
+              <a:t/>
+            </a:r>
+            <a:endParaRPr/>
+          </a:p>
+        </p:txBody>
+      </p:sp>
+      <p:sp>
+        <p:nvSpPr>
+          <p:cNvPr id="306" name="Google Shape;306;g115af4a5e42_0_132:notes"/>
+          <p:cNvSpPr/>
+          <p:nvPr>
+            <p:ph idx="2" type="sldImg"/>
+          </p:nvPr>
+        </p:nvSpPr>
+        <p:spPr>
+          <a:xfrm>
+            <a:off x="1260175" y="801875"/>
+            <a:ext cx="5040000" cy="4009500"/>
+          </a:xfrm>
+          <a:custGeom>
+            <a:rect b="b" l="l" r="r" t="t"/>
+            <a:pathLst>
+              <a:path extrusionOk="0" h="120000" w="120000">
+                <a:moveTo>
+                  <a:pt x="0" y="0"/>
+                </a:moveTo>
+                <a:lnTo>
+                  <a:pt x="120000" y="0"/>
+                </a:lnTo>
+                <a:lnTo>
+                  <a:pt x="120000" y="120000"/>
+                </a:lnTo>
+                <a:lnTo>
+                  <a:pt x="0" y="120000"/>
+                </a:lnTo>
+                <a:close/>
+              </a:path>
+            </a:pathLst>
+          </a:custGeom>
+        </p:spPr>
+      </p:sp>
+    </p:spTree>
+  </p:cSld>
+  <p:clrMapOvr>
+    <a:masterClrMapping/>
+  </p:clrMapOvr>
+</p:notes>
+</file>
+
+<file path=ppt/notesSlides/notesSlide2.xml><?xml version="1.0" encoding="utf-8"?>
+<p:notes xmlns:a="http://schemas.openxmlformats.org/drawingml/2006/main" xmlns:r="http://schemas.openxmlformats.org/officeDocument/2006/relationships" xmlns:mc="http://schemas.openxmlformats.org/markup-compatibility/2006" xmlns:mv="urn:schemas-microsoft-com:mac:vml" xmlns:p="http://schemas.openxmlformats.org/presentationml/2006/main" xmlns:c="http://schemas.openxmlformats.org/drawingml/2006/chart" xmlns:dgm="http://schemas.openxmlformats.org/drawingml/2006/diagram" xmlns:o="urn:schemas-microsoft-com:office:office" xmlns:v="urn:schemas-microsoft-com:vml" xmlns:pvml="urn:schemas-microsoft-com:office:powerpoint" xmlns:com="http://schemas.openxmlformats.org/drawingml/2006/compatibility" xmlns:p14="http://schemas.microsoft.com/office/powerpoint/2010/main" xmlns:p15="http://schemas.microsoft.com/office/powerpoint/2012/main" xmlns:ahyp="http://schemas.microsoft.com/office/drawing/2018/hyperlinkcolor" showMasterPhAnim="0" showMasterSp="0">
+  <p:cSld>
+    <p:spTree>
+      <p:nvGrpSpPr>
+        <p:cNvPr id="143" name="Shape 143"/>
+        <p:cNvGrpSpPr/>
+        <p:nvPr/>
+      </p:nvGrpSpPr>
+      <p:grpSpPr>
+        <a:xfrm>
+          <a:off x="0" y="0"/>
+          <a:ext cx="0" cy="0"/>
+          <a:chOff x="0" y="0"/>
+          <a:chExt cx="0" cy="0"/>
+        </a:xfrm>
+      </p:grpSpPr>
+      <p:sp>
+        <p:nvSpPr>
+          <p:cNvPr id="144" name="Google Shape;144;p2:notes"/>
+          <p:cNvSpPr txBox="1"/>
+          <p:nvPr>
+            <p:ph idx="1" type="body"/>
+          </p:nvPr>
+        </p:nvSpPr>
+        <p:spPr>
+          <a:xfrm>
+            <a:off x="755950" y="5078600"/>
+            <a:ext cx="6047725" cy="4811300"/>
+          </a:xfrm>
+          <a:prstGeom prst="rect">
+            <a:avLst/>
+          </a:prstGeom>
+        </p:spPr>
+        <p:txBody>
+          <a:bodyPr anchorCtr="0" anchor="t" bIns="91425" lIns="91425" spcFirstLastPara="1" rIns="91425" wrap="square" tIns="91425">
+            <a:noAutofit/>
+          </a:bodyPr>
+          <a:lstStyle/>
+          <a:p>
+            <a:pPr indent="0" lvl="0" marL="0" rtl="0" algn="l">
+              <a:spcBef>
+                <a:spcPts val="0"/>
+              </a:spcBef>
+              <a:spcAft>
+                <a:spcPts val="0"/>
+              </a:spcAft>
+              <a:buNone/>
+            </a:pPr>
+            <a:r>
               <a:rPr lang="en-US"/>
               <a:t>point 1 and 2- Give a short intro on what neural networks are</a:t>
             </a:r>
@@ -1081,7 +1781,7 @@
       </p:sp>
       <p:sp>
         <p:nvSpPr>
-          <p:cNvPr id="118" name="Google Shape;118;p2:notes"/>
+          <p:cNvPr id="145" name="Google Shape;145;p2:notes"/>
           <p:cNvSpPr/>
           <p:nvPr>
             <p:ph idx="2" type="sldImg"/>
@@ -1127,7 +1827,7 @@
   <p:cSld>
     <p:spTree>
       <p:nvGrpSpPr>
-        <p:cNvPr id="123" name="Shape 123"/>
+        <p:cNvPr id="152" name="Shape 152"/>
         <p:cNvGrpSpPr/>
         <p:nvPr/>
       </p:nvGrpSpPr>
@@ -1141,7 +1841,7 @@
       </p:grpSpPr>
       <p:sp>
         <p:nvSpPr>
-          <p:cNvPr id="124" name="Google Shape;124;p3:notes"/>
+          <p:cNvPr id="153" name="Google Shape;153;p3:notes"/>
           <p:cNvSpPr txBox="1"/>
           <p:nvPr>
             <p:ph idx="1" type="body"/>
@@ -1180,7 +1880,7 @@
       </p:sp>
       <p:sp>
         <p:nvSpPr>
-          <p:cNvPr id="125" name="Google Shape;125;p3:notes"/>
+          <p:cNvPr id="154" name="Google Shape;154;p3:notes"/>
           <p:cNvSpPr/>
           <p:nvPr>
             <p:ph idx="2" type="sldImg"/>
@@ -1226,7 +1926,7 @@
   <p:cSld>
     <p:spTree>
       <p:nvGrpSpPr>
-        <p:cNvPr id="130" name="Shape 130"/>
+        <p:cNvPr id="160" name="Shape 160"/>
         <p:cNvGrpSpPr/>
         <p:nvPr/>
       </p:nvGrpSpPr>
@@ -1240,7 +1940,7 @@
       </p:grpSpPr>
       <p:sp>
         <p:nvSpPr>
-          <p:cNvPr id="131" name="Google Shape;131;p4:notes"/>
+          <p:cNvPr id="161" name="Google Shape;161;p4:notes"/>
           <p:cNvSpPr txBox="1"/>
           <p:nvPr>
             <p:ph idx="1" type="body"/>
@@ -1279,7 +1979,7 @@
       </p:sp>
       <p:sp>
         <p:nvSpPr>
-          <p:cNvPr id="132" name="Google Shape;132;p4:notes"/>
+          <p:cNvPr id="162" name="Google Shape;162;p4:notes"/>
           <p:cNvSpPr/>
           <p:nvPr>
             <p:ph idx="2" type="sldImg"/>
@@ -1325,7 +2025,7 @@
   <p:cSld>
     <p:spTree>
       <p:nvGrpSpPr>
-        <p:cNvPr id="138" name="Shape 138"/>
+        <p:cNvPr id="169" name="Shape 169"/>
         <p:cNvGrpSpPr/>
         <p:nvPr/>
       </p:nvGrpSpPr>
@@ -1339,7 +2039,7 @@
       </p:grpSpPr>
       <p:sp>
         <p:nvSpPr>
-          <p:cNvPr id="139" name="Google Shape;139;g11117800269_1_5:notes"/>
+          <p:cNvPr id="170" name="Google Shape;170;g11117800269_1_5:notes"/>
           <p:cNvSpPr txBox="1"/>
           <p:nvPr>
             <p:ph idx="1" type="body"/>
@@ -1378,7 +2078,7 @@
       </p:sp>
       <p:sp>
         <p:nvSpPr>
-          <p:cNvPr id="140" name="Google Shape;140;g11117800269_1_5:notes"/>
+          <p:cNvPr id="171" name="Google Shape;171;g11117800269_1_5:notes"/>
           <p:cNvSpPr/>
           <p:nvPr>
             <p:ph idx="2" type="sldImg"/>
@@ -1424,7 +2124,7 @@
   <p:cSld>
     <p:spTree>
       <p:nvGrpSpPr>
-        <p:cNvPr id="144" name="Shape 144"/>
+        <p:cNvPr id="176" name="Shape 176"/>
         <p:cNvGrpSpPr/>
         <p:nvPr/>
       </p:nvGrpSpPr>
@@ -1438,7 +2138,7 @@
       </p:grpSpPr>
       <p:sp>
         <p:nvSpPr>
-          <p:cNvPr id="145" name="Google Shape;145;p6:notes"/>
+          <p:cNvPr id="177" name="Google Shape;177;p6:notes"/>
           <p:cNvSpPr txBox="1"/>
           <p:nvPr>
             <p:ph idx="1" type="body"/>
@@ -1477,7 +2177,7 @@
       </p:sp>
       <p:sp>
         <p:nvSpPr>
-          <p:cNvPr id="146" name="Google Shape;146;p6:notes"/>
+          <p:cNvPr id="178" name="Google Shape;178;p6:notes"/>
           <p:cNvSpPr/>
           <p:nvPr>
             <p:ph idx="2" type="sldImg"/>
@@ -1523,7 +2223,7 @@
   <p:cSld>
     <p:spTree>
       <p:nvGrpSpPr>
-        <p:cNvPr id="152" name="Shape 152"/>
+        <p:cNvPr id="185" name="Shape 185"/>
         <p:cNvGrpSpPr/>
         <p:nvPr/>
       </p:nvGrpSpPr>
@@ -1537,7 +2237,7 @@
       </p:grpSpPr>
       <p:sp>
         <p:nvSpPr>
-          <p:cNvPr id="153" name="Google Shape;153;p8:notes"/>
+          <p:cNvPr id="186" name="Google Shape;186;p8:notes"/>
           <p:cNvSpPr txBox="1"/>
           <p:nvPr>
             <p:ph idx="1" type="body"/>
@@ -1576,7 +2276,7 @@
       </p:sp>
       <p:sp>
         <p:nvSpPr>
-          <p:cNvPr id="154" name="Google Shape;154;p8:notes"/>
+          <p:cNvPr id="187" name="Google Shape;187;p8:notes"/>
           <p:cNvSpPr/>
           <p:nvPr>
             <p:ph idx="2" type="sldImg"/>
@@ -1622,7 +2322,7 @@
   <p:cSld>
     <p:spTree>
       <p:nvGrpSpPr>
-        <p:cNvPr id="162" name="Shape 162"/>
+        <p:cNvPr id="197" name="Shape 197"/>
         <p:cNvGrpSpPr/>
         <p:nvPr/>
       </p:nvGrpSpPr>
@@ -1636,7 +2336,7 @@
       </p:grpSpPr>
       <p:sp>
         <p:nvSpPr>
-          <p:cNvPr id="163" name="Google Shape;163;g110232114c6_0_3:notes"/>
+          <p:cNvPr id="198" name="Google Shape;198;g110232114c6_0_3:notes"/>
           <p:cNvSpPr txBox="1"/>
           <p:nvPr>
             <p:ph idx="1" type="body"/>
@@ -1675,7 +2375,7 @@
       </p:sp>
       <p:sp>
         <p:nvSpPr>
-          <p:cNvPr id="164" name="Google Shape;164;g110232114c6_0_3:notes"/>
+          <p:cNvPr id="199" name="Google Shape;199;g110232114c6_0_3:notes"/>
           <p:cNvSpPr/>
           <p:nvPr>
             <p:ph idx="2" type="sldImg"/>
@@ -1721,7 +2421,7 @@
   <p:cSld>
     <p:spTree>
       <p:nvGrpSpPr>
-        <p:cNvPr id="171" name="Shape 171"/>
+        <p:cNvPr id="207" name="Shape 207"/>
         <p:cNvGrpSpPr/>
         <p:nvPr/>
       </p:nvGrpSpPr>
@@ -1735,7 +2435,7 @@
       </p:grpSpPr>
       <p:sp>
         <p:nvSpPr>
-          <p:cNvPr id="172" name="Google Shape;172;p9:notes"/>
+          <p:cNvPr id="208" name="Google Shape;208;g7c69412267bbc9dc_1:notes"/>
           <p:cNvSpPr txBox="1"/>
           <p:nvPr>
             <p:ph idx="1" type="body"/>
@@ -1744,7 +2444,7 @@
         <p:spPr>
           <a:xfrm>
             <a:off x="755950" y="5078600"/>
-            <a:ext cx="6047725" cy="4811300"/>
+            <a:ext cx="6047700" cy="4811400"/>
           </a:xfrm>
           <a:prstGeom prst="rect">
             <a:avLst/>
@@ -1774,7 +2474,7 @@
       </p:sp>
       <p:sp>
         <p:nvSpPr>
-          <p:cNvPr id="173" name="Google Shape;173;p9:notes"/>
+          <p:cNvPr id="209" name="Google Shape;209;g7c69412267bbc9dc_1:notes"/>
           <p:cNvSpPr/>
           <p:nvPr>
             <p:ph idx="2" type="sldImg"/>
@@ -1783,7 +2483,7 @@
         <p:spPr>
           <a:xfrm>
             <a:off x="1260175" y="801875"/>
-            <a:ext cx="5040025" cy="4009425"/>
+            <a:ext cx="5040000" cy="4009500"/>
           </a:xfrm>
           <a:custGeom>
             <a:rect b="b" l="l" r="r" t="t"/>
@@ -1820,7 +2520,7 @@
   <p:cSld name="TITLE_AND_BODY">
     <p:spTree>
       <p:nvGrpSpPr>
-        <p:cNvPr id="10" name="Shape 10"/>
+        <p:cNvPr id="11" name="Shape 11"/>
         <p:cNvGrpSpPr/>
         <p:nvPr/>
       </p:nvGrpSpPr>
@@ -1834,7 +2534,7 @@
       </p:grpSpPr>
       <p:sp>
         <p:nvSpPr>
-          <p:cNvPr id="11" name="Google Shape;11;p2"/>
+          <p:cNvPr id="12" name="Google Shape;12;p2"/>
           <p:cNvSpPr txBox="1"/>
           <p:nvPr>
             <p:ph type="title"/>
@@ -1963,7 +2663,7 @@
       </p:sp>
       <p:sp>
         <p:nvSpPr>
-          <p:cNvPr id="12" name="Google Shape;12;p2"/>
+          <p:cNvPr id="13" name="Google Shape;13;p2"/>
           <p:cNvSpPr txBox="1"/>
           <p:nvPr>
             <p:ph idx="1" type="subTitle"/>
@@ -2090,6 +2790,83 @@
           <a:p/>
         </p:txBody>
       </p:sp>
+      <p:sp>
+        <p:nvSpPr>
+          <p:cNvPr id="14" name="Google Shape;14;p2"/>
+          <p:cNvSpPr txBox="1"/>
+          <p:nvPr>
+            <p:ph idx="12" type="sldNum"/>
+          </p:nvPr>
+        </p:nvSpPr>
+        <p:spPr>
+          <a:xfrm>
+            <a:off x="11409045" y="6333134"/>
+            <a:ext cx="731700" cy="525000"/>
+          </a:xfrm>
+          <a:prstGeom prst="rect">
+            <a:avLst/>
+          </a:prstGeom>
+        </p:spPr>
+        <p:txBody>
+          <a:bodyPr anchorCtr="0" anchor="t" bIns="91425" lIns="91425" spcFirstLastPara="1" rIns="91425" wrap="square" tIns="91425">
+            <a:noAutofit/>
+          </a:bodyPr>
+          <a:lstStyle>
+            <a:lvl1pPr lvl="0">
+              <a:buNone/>
+              <a:defRPr/>
+            </a:lvl1pPr>
+            <a:lvl2pPr lvl="1">
+              <a:buNone/>
+              <a:defRPr/>
+            </a:lvl2pPr>
+            <a:lvl3pPr lvl="2">
+              <a:buNone/>
+              <a:defRPr/>
+            </a:lvl3pPr>
+            <a:lvl4pPr lvl="3">
+              <a:buNone/>
+              <a:defRPr/>
+            </a:lvl4pPr>
+            <a:lvl5pPr lvl="4">
+              <a:buNone/>
+              <a:defRPr/>
+            </a:lvl5pPr>
+            <a:lvl6pPr lvl="5">
+              <a:buNone/>
+              <a:defRPr/>
+            </a:lvl6pPr>
+            <a:lvl7pPr lvl="6">
+              <a:buNone/>
+              <a:defRPr/>
+            </a:lvl7pPr>
+            <a:lvl8pPr lvl="7">
+              <a:buNone/>
+              <a:defRPr/>
+            </a:lvl8pPr>
+            <a:lvl9pPr lvl="8">
+              <a:buNone/>
+              <a:defRPr/>
+            </a:lvl9pPr>
+          </a:lstStyle>
+          <a:p>
+            <a:pPr indent="0" lvl="0" marL="0" rtl="0" algn="r">
+              <a:spcBef>
+                <a:spcPts val="0"/>
+              </a:spcBef>
+              <a:spcAft>
+                <a:spcPts val="0"/>
+              </a:spcAft>
+              <a:buNone/>
+            </a:pPr>
+            <a:fld id="{00000000-1234-1234-1234-123412341234}" type="slidenum">
+              <a:rPr lang="en-US"/>
+              <a:t>‹#›</a:t>
+            </a:fld>
+            <a:endParaRPr/>
+          </a:p>
+        </p:txBody>
+      </p:sp>
     </p:spTree>
   </p:cSld>
   <p:clrMapOvr>
@@ -2103,7 +2880,7 @@
   <p:cSld name="OBJECT_OVER_TEXT">
     <p:spTree>
       <p:nvGrpSpPr>
-        <p:cNvPr id="40" name="Shape 40"/>
+        <p:cNvPr id="50" name="Shape 50"/>
         <p:cNvGrpSpPr/>
         <p:nvPr/>
       </p:nvGrpSpPr>
@@ -2117,7 +2894,7 @@
       </p:grpSpPr>
       <p:sp>
         <p:nvSpPr>
-          <p:cNvPr id="41" name="Google Shape;41;p11"/>
+          <p:cNvPr id="51" name="Google Shape;51;p11"/>
           <p:cNvSpPr txBox="1"/>
           <p:nvPr>
             <p:ph type="title"/>
@@ -2246,7 +3023,7 @@
       </p:sp>
       <p:sp>
         <p:nvSpPr>
-          <p:cNvPr id="42" name="Google Shape;42;p11"/>
+          <p:cNvPr id="52" name="Google Shape;52;p11"/>
           <p:cNvSpPr txBox="1"/>
           <p:nvPr>
             <p:ph idx="1" type="body"/>
@@ -2375,7 +3152,7 @@
       </p:sp>
       <p:sp>
         <p:nvSpPr>
-          <p:cNvPr id="43" name="Google Shape;43;p11"/>
+          <p:cNvPr id="53" name="Google Shape;53;p11"/>
           <p:cNvSpPr txBox="1"/>
           <p:nvPr>
             <p:ph idx="2" type="body"/>
@@ -2502,6 +3279,83 @@
           <a:p/>
         </p:txBody>
       </p:sp>
+      <p:sp>
+        <p:nvSpPr>
+          <p:cNvPr id="54" name="Google Shape;54;p11"/>
+          <p:cNvSpPr txBox="1"/>
+          <p:nvPr>
+            <p:ph idx="12" type="sldNum"/>
+          </p:nvPr>
+        </p:nvSpPr>
+        <p:spPr>
+          <a:xfrm>
+            <a:off x="11409045" y="6333134"/>
+            <a:ext cx="731700" cy="525000"/>
+          </a:xfrm>
+          <a:prstGeom prst="rect">
+            <a:avLst/>
+          </a:prstGeom>
+        </p:spPr>
+        <p:txBody>
+          <a:bodyPr anchorCtr="0" anchor="t" bIns="91425" lIns="91425" spcFirstLastPara="1" rIns="91425" wrap="square" tIns="91425">
+            <a:noAutofit/>
+          </a:bodyPr>
+          <a:lstStyle>
+            <a:lvl1pPr lvl="0">
+              <a:buNone/>
+              <a:defRPr/>
+            </a:lvl1pPr>
+            <a:lvl2pPr lvl="1">
+              <a:buNone/>
+              <a:defRPr/>
+            </a:lvl2pPr>
+            <a:lvl3pPr lvl="2">
+              <a:buNone/>
+              <a:defRPr/>
+            </a:lvl3pPr>
+            <a:lvl4pPr lvl="3">
+              <a:buNone/>
+              <a:defRPr/>
+            </a:lvl4pPr>
+            <a:lvl5pPr lvl="4">
+              <a:buNone/>
+              <a:defRPr/>
+            </a:lvl5pPr>
+            <a:lvl6pPr lvl="5">
+              <a:buNone/>
+              <a:defRPr/>
+            </a:lvl6pPr>
+            <a:lvl7pPr lvl="6">
+              <a:buNone/>
+              <a:defRPr/>
+            </a:lvl7pPr>
+            <a:lvl8pPr lvl="7">
+              <a:buNone/>
+              <a:defRPr/>
+            </a:lvl8pPr>
+            <a:lvl9pPr lvl="8">
+              <a:buNone/>
+              <a:defRPr/>
+            </a:lvl9pPr>
+          </a:lstStyle>
+          <a:p>
+            <a:pPr indent="0" lvl="0" marL="0" rtl="0" algn="r">
+              <a:spcBef>
+                <a:spcPts val="0"/>
+              </a:spcBef>
+              <a:spcAft>
+                <a:spcPts val="0"/>
+              </a:spcAft>
+              <a:buNone/>
+            </a:pPr>
+            <a:fld id="{00000000-1234-1234-1234-123412341234}" type="slidenum">
+              <a:rPr lang="en-US"/>
+              <a:t>‹#›</a:t>
+            </a:fld>
+            <a:endParaRPr/>
+          </a:p>
+        </p:txBody>
+      </p:sp>
     </p:spTree>
   </p:cSld>
   <p:clrMapOvr>
@@ -2515,7 +3369,7 @@
   <p:cSld name="FOUR_OBJECTS">
     <p:spTree>
       <p:nvGrpSpPr>
-        <p:cNvPr id="44" name="Shape 44"/>
+        <p:cNvPr id="55" name="Shape 55"/>
         <p:cNvGrpSpPr/>
         <p:nvPr/>
       </p:nvGrpSpPr>
@@ -2529,7 +3383,7 @@
       </p:grpSpPr>
       <p:sp>
         <p:nvSpPr>
-          <p:cNvPr id="45" name="Google Shape;45;p12"/>
+          <p:cNvPr id="56" name="Google Shape;56;p12"/>
           <p:cNvSpPr txBox="1"/>
           <p:nvPr>
             <p:ph type="title"/>
@@ -2658,7 +3512,7 @@
       </p:sp>
       <p:sp>
         <p:nvSpPr>
-          <p:cNvPr id="46" name="Google Shape;46;p12"/>
+          <p:cNvPr id="57" name="Google Shape;57;p12"/>
           <p:cNvSpPr txBox="1"/>
           <p:nvPr>
             <p:ph idx="1" type="body"/>
@@ -2787,7 +3641,7 @@
       </p:sp>
       <p:sp>
         <p:nvSpPr>
-          <p:cNvPr id="47" name="Google Shape;47;p12"/>
+          <p:cNvPr id="58" name="Google Shape;58;p12"/>
           <p:cNvSpPr txBox="1"/>
           <p:nvPr>
             <p:ph idx="2" type="body"/>
@@ -2916,7 +3770,7 @@
       </p:sp>
       <p:sp>
         <p:nvSpPr>
-          <p:cNvPr id="48" name="Google Shape;48;p12"/>
+          <p:cNvPr id="59" name="Google Shape;59;p12"/>
           <p:cNvSpPr txBox="1"/>
           <p:nvPr>
             <p:ph idx="3" type="body"/>
@@ -3045,7 +3899,7 @@
       </p:sp>
       <p:sp>
         <p:nvSpPr>
-          <p:cNvPr id="49" name="Google Shape;49;p12"/>
+          <p:cNvPr id="60" name="Google Shape;60;p12"/>
           <p:cNvSpPr txBox="1"/>
           <p:nvPr>
             <p:ph idx="4" type="body"/>
@@ -3172,6 +4026,83 @@
           <a:p/>
         </p:txBody>
       </p:sp>
+      <p:sp>
+        <p:nvSpPr>
+          <p:cNvPr id="61" name="Google Shape;61;p12"/>
+          <p:cNvSpPr txBox="1"/>
+          <p:nvPr>
+            <p:ph idx="12" type="sldNum"/>
+          </p:nvPr>
+        </p:nvSpPr>
+        <p:spPr>
+          <a:xfrm>
+            <a:off x="11409045" y="6333134"/>
+            <a:ext cx="731700" cy="525000"/>
+          </a:xfrm>
+          <a:prstGeom prst="rect">
+            <a:avLst/>
+          </a:prstGeom>
+        </p:spPr>
+        <p:txBody>
+          <a:bodyPr anchorCtr="0" anchor="t" bIns="91425" lIns="91425" spcFirstLastPara="1" rIns="91425" wrap="square" tIns="91425">
+            <a:noAutofit/>
+          </a:bodyPr>
+          <a:lstStyle>
+            <a:lvl1pPr lvl="0">
+              <a:buNone/>
+              <a:defRPr/>
+            </a:lvl1pPr>
+            <a:lvl2pPr lvl="1">
+              <a:buNone/>
+              <a:defRPr/>
+            </a:lvl2pPr>
+            <a:lvl3pPr lvl="2">
+              <a:buNone/>
+              <a:defRPr/>
+            </a:lvl3pPr>
+            <a:lvl4pPr lvl="3">
+              <a:buNone/>
+              <a:defRPr/>
+            </a:lvl4pPr>
+            <a:lvl5pPr lvl="4">
+              <a:buNone/>
+              <a:defRPr/>
+            </a:lvl5pPr>
+            <a:lvl6pPr lvl="5">
+              <a:buNone/>
+              <a:defRPr/>
+            </a:lvl6pPr>
+            <a:lvl7pPr lvl="6">
+              <a:buNone/>
+              <a:defRPr/>
+            </a:lvl7pPr>
+            <a:lvl8pPr lvl="7">
+              <a:buNone/>
+              <a:defRPr/>
+            </a:lvl8pPr>
+            <a:lvl9pPr lvl="8">
+              <a:buNone/>
+              <a:defRPr/>
+            </a:lvl9pPr>
+          </a:lstStyle>
+          <a:p>
+            <a:pPr indent="0" lvl="0" marL="0" rtl="0" algn="r">
+              <a:spcBef>
+                <a:spcPts val="0"/>
+              </a:spcBef>
+              <a:spcAft>
+                <a:spcPts val="0"/>
+              </a:spcAft>
+              <a:buNone/>
+            </a:pPr>
+            <a:fld id="{00000000-1234-1234-1234-123412341234}" type="slidenum">
+              <a:rPr lang="en-US"/>
+              <a:t>‹#›</a:t>
+            </a:fld>
+            <a:endParaRPr/>
+          </a:p>
+        </p:txBody>
+      </p:sp>
     </p:spTree>
   </p:cSld>
   <p:clrMapOvr>
@@ -3185,7 +4116,7 @@
   <p:cSld name="Title, 6 Content">
     <p:spTree>
       <p:nvGrpSpPr>
-        <p:cNvPr id="50" name="Shape 50"/>
+        <p:cNvPr id="62" name="Shape 62"/>
         <p:cNvGrpSpPr/>
         <p:nvPr/>
       </p:nvGrpSpPr>
@@ -3199,7 +4130,7 @@
       </p:grpSpPr>
       <p:sp>
         <p:nvSpPr>
-          <p:cNvPr id="51" name="Google Shape;51;p13"/>
+          <p:cNvPr id="63" name="Google Shape;63;p13"/>
           <p:cNvSpPr txBox="1"/>
           <p:nvPr>
             <p:ph type="title"/>
@@ -3328,7 +4259,7 @@
       </p:sp>
       <p:sp>
         <p:nvSpPr>
-          <p:cNvPr id="52" name="Google Shape;52;p13"/>
+          <p:cNvPr id="64" name="Google Shape;64;p13"/>
           <p:cNvSpPr txBox="1"/>
           <p:nvPr>
             <p:ph idx="1" type="body"/>
@@ -3457,7 +4388,7 @@
       </p:sp>
       <p:sp>
         <p:nvSpPr>
-          <p:cNvPr id="53" name="Google Shape;53;p13"/>
+          <p:cNvPr id="65" name="Google Shape;65;p13"/>
           <p:cNvSpPr txBox="1"/>
           <p:nvPr>
             <p:ph idx="2" type="body"/>
@@ -3586,7 +4517,7 @@
       </p:sp>
       <p:sp>
         <p:nvSpPr>
-          <p:cNvPr id="54" name="Google Shape;54;p13"/>
+          <p:cNvPr id="66" name="Google Shape;66;p13"/>
           <p:cNvSpPr txBox="1"/>
           <p:nvPr>
             <p:ph idx="3" type="body"/>
@@ -3715,7 +4646,7 @@
       </p:sp>
       <p:sp>
         <p:nvSpPr>
-          <p:cNvPr id="55" name="Google Shape;55;p13"/>
+          <p:cNvPr id="67" name="Google Shape;67;p13"/>
           <p:cNvSpPr txBox="1"/>
           <p:nvPr>
             <p:ph idx="4" type="body"/>
@@ -3844,7 +4775,7 @@
       </p:sp>
       <p:sp>
         <p:nvSpPr>
-          <p:cNvPr id="56" name="Google Shape;56;p13"/>
+          <p:cNvPr id="68" name="Google Shape;68;p13"/>
           <p:cNvSpPr txBox="1"/>
           <p:nvPr>
             <p:ph idx="5" type="body"/>
@@ -3973,7 +4904,7 @@
       </p:sp>
       <p:sp>
         <p:nvSpPr>
-          <p:cNvPr id="57" name="Google Shape;57;p13"/>
+          <p:cNvPr id="69" name="Google Shape;69;p13"/>
           <p:cNvSpPr txBox="1"/>
           <p:nvPr>
             <p:ph idx="6" type="body"/>
@@ -4100,6 +5031,83 @@
           <a:p/>
         </p:txBody>
       </p:sp>
+      <p:sp>
+        <p:nvSpPr>
+          <p:cNvPr id="70" name="Google Shape;70;p13"/>
+          <p:cNvSpPr txBox="1"/>
+          <p:nvPr>
+            <p:ph idx="12" type="sldNum"/>
+          </p:nvPr>
+        </p:nvSpPr>
+        <p:spPr>
+          <a:xfrm>
+            <a:off x="11409045" y="6333134"/>
+            <a:ext cx="731700" cy="525000"/>
+          </a:xfrm>
+          <a:prstGeom prst="rect">
+            <a:avLst/>
+          </a:prstGeom>
+        </p:spPr>
+        <p:txBody>
+          <a:bodyPr anchorCtr="0" anchor="t" bIns="91425" lIns="91425" spcFirstLastPara="1" rIns="91425" wrap="square" tIns="91425">
+            <a:noAutofit/>
+          </a:bodyPr>
+          <a:lstStyle>
+            <a:lvl1pPr lvl="0">
+              <a:buNone/>
+              <a:defRPr/>
+            </a:lvl1pPr>
+            <a:lvl2pPr lvl="1">
+              <a:buNone/>
+              <a:defRPr/>
+            </a:lvl2pPr>
+            <a:lvl3pPr lvl="2">
+              <a:buNone/>
+              <a:defRPr/>
+            </a:lvl3pPr>
+            <a:lvl4pPr lvl="3">
+              <a:buNone/>
+              <a:defRPr/>
+            </a:lvl4pPr>
+            <a:lvl5pPr lvl="4">
+              <a:buNone/>
+              <a:defRPr/>
+            </a:lvl5pPr>
+            <a:lvl6pPr lvl="5">
+              <a:buNone/>
+              <a:defRPr/>
+            </a:lvl6pPr>
+            <a:lvl7pPr lvl="6">
+              <a:buNone/>
+              <a:defRPr/>
+            </a:lvl7pPr>
+            <a:lvl8pPr lvl="7">
+              <a:buNone/>
+              <a:defRPr/>
+            </a:lvl8pPr>
+            <a:lvl9pPr lvl="8">
+              <a:buNone/>
+              <a:defRPr/>
+            </a:lvl9pPr>
+          </a:lstStyle>
+          <a:p>
+            <a:pPr indent="0" lvl="0" marL="0" rtl="0" algn="r">
+              <a:spcBef>
+                <a:spcPts val="0"/>
+              </a:spcBef>
+              <a:spcAft>
+                <a:spcPts val="0"/>
+              </a:spcAft>
+              <a:buNone/>
+            </a:pPr>
+            <a:fld id="{00000000-1234-1234-1234-123412341234}" type="slidenum">
+              <a:rPr lang="en-US"/>
+              <a:t>‹#›</a:t>
+            </a:fld>
+            <a:endParaRPr/>
+          </a:p>
+        </p:txBody>
+      </p:sp>
     </p:spTree>
   </p:cSld>
   <p:clrMapOvr>
@@ -4113,7 +5121,7 @@
   <p:cSld name="BLANK">
     <p:spTree>
       <p:nvGrpSpPr>
-        <p:cNvPr id="62" name="Shape 62"/>
+        <p:cNvPr id="76" name="Shape 76"/>
         <p:cNvGrpSpPr/>
         <p:nvPr/>
       </p:nvGrpSpPr>
@@ -4125,6 +5133,83 @@
           <a:chExt cx="0" cy="0"/>
         </a:xfrm>
       </p:grpSpPr>
+      <p:sp>
+        <p:nvSpPr>
+          <p:cNvPr id="77" name="Google Shape;77;p15"/>
+          <p:cNvSpPr txBox="1"/>
+          <p:nvPr>
+            <p:ph idx="12" type="sldNum"/>
+          </p:nvPr>
+        </p:nvSpPr>
+        <p:spPr>
+          <a:xfrm>
+            <a:off x="11409045" y="6333134"/>
+            <a:ext cx="731700" cy="525000"/>
+          </a:xfrm>
+          <a:prstGeom prst="rect">
+            <a:avLst/>
+          </a:prstGeom>
+        </p:spPr>
+        <p:txBody>
+          <a:bodyPr anchorCtr="0" anchor="t" bIns="91425" lIns="91425" spcFirstLastPara="1" rIns="91425" wrap="square" tIns="91425">
+            <a:noAutofit/>
+          </a:bodyPr>
+          <a:lstStyle>
+            <a:lvl1pPr lvl="0">
+              <a:buNone/>
+              <a:defRPr/>
+            </a:lvl1pPr>
+            <a:lvl2pPr lvl="1">
+              <a:buNone/>
+              <a:defRPr/>
+            </a:lvl2pPr>
+            <a:lvl3pPr lvl="2">
+              <a:buNone/>
+              <a:defRPr/>
+            </a:lvl3pPr>
+            <a:lvl4pPr lvl="3">
+              <a:buNone/>
+              <a:defRPr/>
+            </a:lvl4pPr>
+            <a:lvl5pPr lvl="4">
+              <a:buNone/>
+              <a:defRPr/>
+            </a:lvl5pPr>
+            <a:lvl6pPr lvl="5">
+              <a:buNone/>
+              <a:defRPr/>
+            </a:lvl6pPr>
+            <a:lvl7pPr lvl="6">
+              <a:buNone/>
+              <a:defRPr/>
+            </a:lvl7pPr>
+            <a:lvl8pPr lvl="7">
+              <a:buNone/>
+              <a:defRPr/>
+            </a:lvl8pPr>
+            <a:lvl9pPr lvl="8">
+              <a:buNone/>
+              <a:defRPr/>
+            </a:lvl9pPr>
+          </a:lstStyle>
+          <a:p>
+            <a:pPr indent="0" lvl="0" marL="0" rtl="0" algn="r">
+              <a:spcBef>
+                <a:spcPts val="0"/>
+              </a:spcBef>
+              <a:spcAft>
+                <a:spcPts val="0"/>
+              </a:spcAft>
+              <a:buNone/>
+            </a:pPr>
+            <a:fld id="{00000000-1234-1234-1234-123412341234}" type="slidenum">
+              <a:rPr lang="en-US"/>
+              <a:t>‹#›</a:t>
+            </a:fld>
+            <a:endParaRPr/>
+          </a:p>
+        </p:txBody>
+      </p:sp>
     </p:spTree>
   </p:cSld>
   <p:clrMapOvr>
@@ -4138,7 +5223,7 @@
   <p:cSld name="TITLE_AND_BODY">
     <p:spTree>
       <p:nvGrpSpPr>
-        <p:cNvPr id="63" name="Shape 63"/>
+        <p:cNvPr id="78" name="Shape 78"/>
         <p:cNvGrpSpPr/>
         <p:nvPr/>
       </p:nvGrpSpPr>
@@ -4152,7 +5237,7 @@
       </p:grpSpPr>
       <p:sp>
         <p:nvSpPr>
-          <p:cNvPr id="64" name="Google Shape;64;p16"/>
+          <p:cNvPr id="79" name="Google Shape;79;p16"/>
           <p:cNvSpPr txBox="1"/>
           <p:nvPr>
             <p:ph type="title"/>
@@ -4281,7 +5366,7 @@
       </p:sp>
       <p:sp>
         <p:nvSpPr>
-          <p:cNvPr id="65" name="Google Shape;65;p16"/>
+          <p:cNvPr id="80" name="Google Shape;80;p16"/>
           <p:cNvSpPr txBox="1"/>
           <p:nvPr>
             <p:ph idx="1" type="subTitle"/>
@@ -4408,6 +5493,83 @@
           <a:p/>
         </p:txBody>
       </p:sp>
+      <p:sp>
+        <p:nvSpPr>
+          <p:cNvPr id="81" name="Google Shape;81;p16"/>
+          <p:cNvSpPr txBox="1"/>
+          <p:nvPr>
+            <p:ph idx="12" type="sldNum"/>
+          </p:nvPr>
+        </p:nvSpPr>
+        <p:spPr>
+          <a:xfrm>
+            <a:off x="11409045" y="6333134"/>
+            <a:ext cx="731700" cy="525000"/>
+          </a:xfrm>
+          <a:prstGeom prst="rect">
+            <a:avLst/>
+          </a:prstGeom>
+        </p:spPr>
+        <p:txBody>
+          <a:bodyPr anchorCtr="0" anchor="t" bIns="91425" lIns="91425" spcFirstLastPara="1" rIns="91425" wrap="square" tIns="91425">
+            <a:noAutofit/>
+          </a:bodyPr>
+          <a:lstStyle>
+            <a:lvl1pPr lvl="0">
+              <a:buNone/>
+              <a:defRPr/>
+            </a:lvl1pPr>
+            <a:lvl2pPr lvl="1">
+              <a:buNone/>
+              <a:defRPr/>
+            </a:lvl2pPr>
+            <a:lvl3pPr lvl="2">
+              <a:buNone/>
+              <a:defRPr/>
+            </a:lvl3pPr>
+            <a:lvl4pPr lvl="3">
+              <a:buNone/>
+              <a:defRPr/>
+            </a:lvl4pPr>
+            <a:lvl5pPr lvl="4">
+              <a:buNone/>
+              <a:defRPr/>
+            </a:lvl5pPr>
+            <a:lvl6pPr lvl="5">
+              <a:buNone/>
+              <a:defRPr/>
+            </a:lvl6pPr>
+            <a:lvl7pPr lvl="6">
+              <a:buNone/>
+              <a:defRPr/>
+            </a:lvl7pPr>
+            <a:lvl8pPr lvl="7">
+              <a:buNone/>
+              <a:defRPr/>
+            </a:lvl8pPr>
+            <a:lvl9pPr lvl="8">
+              <a:buNone/>
+              <a:defRPr/>
+            </a:lvl9pPr>
+          </a:lstStyle>
+          <a:p>
+            <a:pPr indent="0" lvl="0" marL="0" rtl="0" algn="r">
+              <a:spcBef>
+                <a:spcPts val="0"/>
+              </a:spcBef>
+              <a:spcAft>
+                <a:spcPts val="0"/>
+              </a:spcAft>
+              <a:buNone/>
+            </a:pPr>
+            <a:fld id="{00000000-1234-1234-1234-123412341234}" type="slidenum">
+              <a:rPr lang="en-US"/>
+              <a:t>‹#›</a:t>
+            </a:fld>
+            <a:endParaRPr/>
+          </a:p>
+        </p:txBody>
+      </p:sp>
     </p:spTree>
   </p:cSld>
   <p:clrMapOvr>
@@ -4421,7 +5583,7 @@
   <p:cSld name="OBJECT">
     <p:spTree>
       <p:nvGrpSpPr>
-        <p:cNvPr id="66" name="Shape 66"/>
+        <p:cNvPr id="82" name="Shape 82"/>
         <p:cNvGrpSpPr/>
         <p:nvPr/>
       </p:nvGrpSpPr>
@@ -4435,7 +5597,7 @@
       </p:grpSpPr>
       <p:sp>
         <p:nvSpPr>
-          <p:cNvPr id="67" name="Google Shape;67;p17"/>
+          <p:cNvPr id="83" name="Google Shape;83;p17"/>
           <p:cNvSpPr txBox="1"/>
           <p:nvPr>
             <p:ph type="title"/>
@@ -4564,7 +5726,7 @@
       </p:sp>
       <p:sp>
         <p:nvSpPr>
-          <p:cNvPr id="68" name="Google Shape;68;p17"/>
+          <p:cNvPr id="84" name="Google Shape;84;p17"/>
           <p:cNvSpPr txBox="1"/>
           <p:nvPr>
             <p:ph idx="1" type="body"/>
@@ -4691,6 +5853,83 @@
           <a:p/>
         </p:txBody>
       </p:sp>
+      <p:sp>
+        <p:nvSpPr>
+          <p:cNvPr id="85" name="Google Shape;85;p17"/>
+          <p:cNvSpPr txBox="1"/>
+          <p:nvPr>
+            <p:ph idx="12" type="sldNum"/>
+          </p:nvPr>
+        </p:nvSpPr>
+        <p:spPr>
+          <a:xfrm>
+            <a:off x="11409045" y="6333134"/>
+            <a:ext cx="731700" cy="525000"/>
+          </a:xfrm>
+          <a:prstGeom prst="rect">
+            <a:avLst/>
+          </a:prstGeom>
+        </p:spPr>
+        <p:txBody>
+          <a:bodyPr anchorCtr="0" anchor="t" bIns="91425" lIns="91425" spcFirstLastPara="1" rIns="91425" wrap="square" tIns="91425">
+            <a:noAutofit/>
+          </a:bodyPr>
+          <a:lstStyle>
+            <a:lvl1pPr lvl="0">
+              <a:buNone/>
+              <a:defRPr/>
+            </a:lvl1pPr>
+            <a:lvl2pPr lvl="1">
+              <a:buNone/>
+              <a:defRPr/>
+            </a:lvl2pPr>
+            <a:lvl3pPr lvl="2">
+              <a:buNone/>
+              <a:defRPr/>
+            </a:lvl3pPr>
+            <a:lvl4pPr lvl="3">
+              <a:buNone/>
+              <a:defRPr/>
+            </a:lvl4pPr>
+            <a:lvl5pPr lvl="4">
+              <a:buNone/>
+              <a:defRPr/>
+            </a:lvl5pPr>
+            <a:lvl6pPr lvl="5">
+              <a:buNone/>
+              <a:defRPr/>
+            </a:lvl6pPr>
+            <a:lvl7pPr lvl="6">
+              <a:buNone/>
+              <a:defRPr/>
+            </a:lvl7pPr>
+            <a:lvl8pPr lvl="7">
+              <a:buNone/>
+              <a:defRPr/>
+            </a:lvl8pPr>
+            <a:lvl9pPr lvl="8">
+              <a:buNone/>
+              <a:defRPr/>
+            </a:lvl9pPr>
+          </a:lstStyle>
+          <a:p>
+            <a:pPr indent="0" lvl="0" marL="0" rtl="0" algn="r">
+              <a:spcBef>
+                <a:spcPts val="0"/>
+              </a:spcBef>
+              <a:spcAft>
+                <a:spcPts val="0"/>
+              </a:spcAft>
+              <a:buNone/>
+            </a:pPr>
+            <a:fld id="{00000000-1234-1234-1234-123412341234}" type="slidenum">
+              <a:rPr lang="en-US"/>
+              <a:t>‹#›</a:t>
+            </a:fld>
+            <a:endParaRPr/>
+          </a:p>
+        </p:txBody>
+      </p:sp>
     </p:spTree>
   </p:cSld>
   <p:clrMapOvr>
@@ -4704,7 +5943,7 @@
   <p:cSld name="TWO_OBJECTS">
     <p:spTree>
       <p:nvGrpSpPr>
-        <p:cNvPr id="69" name="Shape 69"/>
+        <p:cNvPr id="86" name="Shape 86"/>
         <p:cNvGrpSpPr/>
         <p:nvPr/>
       </p:nvGrpSpPr>
@@ -4718,7 +5957,7 @@
       </p:grpSpPr>
       <p:sp>
         <p:nvSpPr>
-          <p:cNvPr id="70" name="Google Shape;70;p18"/>
+          <p:cNvPr id="87" name="Google Shape;87;p18"/>
           <p:cNvSpPr txBox="1"/>
           <p:nvPr>
             <p:ph type="title"/>
@@ -4847,7 +6086,7 @@
       </p:sp>
       <p:sp>
         <p:nvSpPr>
-          <p:cNvPr id="71" name="Google Shape;71;p18"/>
+          <p:cNvPr id="88" name="Google Shape;88;p18"/>
           <p:cNvSpPr txBox="1"/>
           <p:nvPr>
             <p:ph idx="1" type="body"/>
@@ -4976,7 +6215,7 @@
       </p:sp>
       <p:sp>
         <p:nvSpPr>
-          <p:cNvPr id="72" name="Google Shape;72;p18"/>
+          <p:cNvPr id="89" name="Google Shape;89;p18"/>
           <p:cNvSpPr txBox="1"/>
           <p:nvPr>
             <p:ph idx="2" type="body"/>
@@ -5103,6 +6342,83 @@
           <a:p/>
         </p:txBody>
       </p:sp>
+      <p:sp>
+        <p:nvSpPr>
+          <p:cNvPr id="90" name="Google Shape;90;p18"/>
+          <p:cNvSpPr txBox="1"/>
+          <p:nvPr>
+            <p:ph idx="12" type="sldNum"/>
+          </p:nvPr>
+        </p:nvSpPr>
+        <p:spPr>
+          <a:xfrm>
+            <a:off x="11409045" y="6333134"/>
+            <a:ext cx="731700" cy="525000"/>
+          </a:xfrm>
+          <a:prstGeom prst="rect">
+            <a:avLst/>
+          </a:prstGeom>
+        </p:spPr>
+        <p:txBody>
+          <a:bodyPr anchorCtr="0" anchor="t" bIns="91425" lIns="91425" spcFirstLastPara="1" rIns="91425" wrap="square" tIns="91425">
+            <a:noAutofit/>
+          </a:bodyPr>
+          <a:lstStyle>
+            <a:lvl1pPr lvl="0">
+              <a:buNone/>
+              <a:defRPr/>
+            </a:lvl1pPr>
+            <a:lvl2pPr lvl="1">
+              <a:buNone/>
+              <a:defRPr/>
+            </a:lvl2pPr>
+            <a:lvl3pPr lvl="2">
+              <a:buNone/>
+              <a:defRPr/>
+            </a:lvl3pPr>
+            <a:lvl4pPr lvl="3">
+              <a:buNone/>
+              <a:defRPr/>
+            </a:lvl4pPr>
+            <a:lvl5pPr lvl="4">
+              <a:buNone/>
+              <a:defRPr/>
+            </a:lvl5pPr>
+            <a:lvl6pPr lvl="5">
+              <a:buNone/>
+              <a:defRPr/>
+            </a:lvl6pPr>
+            <a:lvl7pPr lvl="6">
+              <a:buNone/>
+              <a:defRPr/>
+            </a:lvl7pPr>
+            <a:lvl8pPr lvl="7">
+              <a:buNone/>
+              <a:defRPr/>
+            </a:lvl8pPr>
+            <a:lvl9pPr lvl="8">
+              <a:buNone/>
+              <a:defRPr/>
+            </a:lvl9pPr>
+          </a:lstStyle>
+          <a:p>
+            <a:pPr indent="0" lvl="0" marL="0" rtl="0" algn="r">
+              <a:spcBef>
+                <a:spcPts val="0"/>
+              </a:spcBef>
+              <a:spcAft>
+                <a:spcPts val="0"/>
+              </a:spcAft>
+              <a:buNone/>
+            </a:pPr>
+            <a:fld id="{00000000-1234-1234-1234-123412341234}" type="slidenum">
+              <a:rPr lang="en-US"/>
+              <a:t>‹#›</a:t>
+            </a:fld>
+            <a:endParaRPr/>
+          </a:p>
+        </p:txBody>
+      </p:sp>
     </p:spTree>
   </p:cSld>
   <p:clrMapOvr>
@@ -5116,7 +6432,7 @@
   <p:cSld name="TITLE_ONLY">
     <p:spTree>
       <p:nvGrpSpPr>
-        <p:cNvPr id="73" name="Shape 73"/>
+        <p:cNvPr id="91" name="Shape 91"/>
         <p:cNvGrpSpPr/>
         <p:nvPr/>
       </p:nvGrpSpPr>
@@ -5130,7 +6446,7 @@
       </p:grpSpPr>
       <p:sp>
         <p:nvSpPr>
-          <p:cNvPr id="74" name="Google Shape;74;p19"/>
+          <p:cNvPr id="92" name="Google Shape;92;p19"/>
           <p:cNvSpPr txBox="1"/>
           <p:nvPr>
             <p:ph type="title"/>
@@ -5257,6 +6573,83 @@
           <a:p/>
         </p:txBody>
       </p:sp>
+      <p:sp>
+        <p:nvSpPr>
+          <p:cNvPr id="93" name="Google Shape;93;p19"/>
+          <p:cNvSpPr txBox="1"/>
+          <p:nvPr>
+            <p:ph idx="12" type="sldNum"/>
+          </p:nvPr>
+        </p:nvSpPr>
+        <p:spPr>
+          <a:xfrm>
+            <a:off x="11409045" y="6333134"/>
+            <a:ext cx="731700" cy="525000"/>
+          </a:xfrm>
+          <a:prstGeom prst="rect">
+            <a:avLst/>
+          </a:prstGeom>
+        </p:spPr>
+        <p:txBody>
+          <a:bodyPr anchorCtr="0" anchor="t" bIns="91425" lIns="91425" spcFirstLastPara="1" rIns="91425" wrap="square" tIns="91425">
+            <a:noAutofit/>
+          </a:bodyPr>
+          <a:lstStyle>
+            <a:lvl1pPr lvl="0">
+              <a:buNone/>
+              <a:defRPr/>
+            </a:lvl1pPr>
+            <a:lvl2pPr lvl="1">
+              <a:buNone/>
+              <a:defRPr/>
+            </a:lvl2pPr>
+            <a:lvl3pPr lvl="2">
+              <a:buNone/>
+              <a:defRPr/>
+            </a:lvl3pPr>
+            <a:lvl4pPr lvl="3">
+              <a:buNone/>
+              <a:defRPr/>
+            </a:lvl4pPr>
+            <a:lvl5pPr lvl="4">
+              <a:buNone/>
+              <a:defRPr/>
+            </a:lvl5pPr>
+            <a:lvl6pPr lvl="5">
+              <a:buNone/>
+              <a:defRPr/>
+            </a:lvl6pPr>
+            <a:lvl7pPr lvl="6">
+              <a:buNone/>
+              <a:defRPr/>
+            </a:lvl7pPr>
+            <a:lvl8pPr lvl="7">
+              <a:buNone/>
+              <a:defRPr/>
+            </a:lvl8pPr>
+            <a:lvl9pPr lvl="8">
+              <a:buNone/>
+              <a:defRPr/>
+            </a:lvl9pPr>
+          </a:lstStyle>
+          <a:p>
+            <a:pPr indent="0" lvl="0" marL="0" rtl="0" algn="r">
+              <a:spcBef>
+                <a:spcPts val="0"/>
+              </a:spcBef>
+              <a:spcAft>
+                <a:spcPts val="0"/>
+              </a:spcAft>
+              <a:buNone/>
+            </a:pPr>
+            <a:fld id="{00000000-1234-1234-1234-123412341234}" type="slidenum">
+              <a:rPr lang="en-US"/>
+              <a:t>‹#›</a:t>
+            </a:fld>
+            <a:endParaRPr/>
+          </a:p>
+        </p:txBody>
+      </p:sp>
     </p:spTree>
   </p:cSld>
   <p:clrMapOvr>
@@ -5270,7 +6663,7 @@
   <p:cSld name="OBJECT_ONLY">
     <p:spTree>
       <p:nvGrpSpPr>
-        <p:cNvPr id="75" name="Shape 75"/>
+        <p:cNvPr id="94" name="Shape 94"/>
         <p:cNvGrpSpPr/>
         <p:nvPr/>
       </p:nvGrpSpPr>
@@ -5284,7 +6677,7 @@
       </p:grpSpPr>
       <p:sp>
         <p:nvSpPr>
-          <p:cNvPr id="76" name="Google Shape;76;p20"/>
+          <p:cNvPr id="95" name="Google Shape;95;p20"/>
           <p:cNvSpPr txBox="1"/>
           <p:nvPr>
             <p:ph idx="1" type="subTitle"/>
@@ -5411,6 +6804,83 @@
           <a:p/>
         </p:txBody>
       </p:sp>
+      <p:sp>
+        <p:nvSpPr>
+          <p:cNvPr id="96" name="Google Shape;96;p20"/>
+          <p:cNvSpPr txBox="1"/>
+          <p:nvPr>
+            <p:ph idx="12" type="sldNum"/>
+          </p:nvPr>
+        </p:nvSpPr>
+        <p:spPr>
+          <a:xfrm>
+            <a:off x="11409045" y="6333134"/>
+            <a:ext cx="731700" cy="525000"/>
+          </a:xfrm>
+          <a:prstGeom prst="rect">
+            <a:avLst/>
+          </a:prstGeom>
+        </p:spPr>
+        <p:txBody>
+          <a:bodyPr anchorCtr="0" anchor="t" bIns="91425" lIns="91425" spcFirstLastPara="1" rIns="91425" wrap="square" tIns="91425">
+            <a:noAutofit/>
+          </a:bodyPr>
+          <a:lstStyle>
+            <a:lvl1pPr lvl="0">
+              <a:buNone/>
+              <a:defRPr/>
+            </a:lvl1pPr>
+            <a:lvl2pPr lvl="1">
+              <a:buNone/>
+              <a:defRPr/>
+            </a:lvl2pPr>
+            <a:lvl3pPr lvl="2">
+              <a:buNone/>
+              <a:defRPr/>
+            </a:lvl3pPr>
+            <a:lvl4pPr lvl="3">
+              <a:buNone/>
+              <a:defRPr/>
+            </a:lvl4pPr>
+            <a:lvl5pPr lvl="4">
+              <a:buNone/>
+              <a:defRPr/>
+            </a:lvl5pPr>
+            <a:lvl6pPr lvl="5">
+              <a:buNone/>
+              <a:defRPr/>
+            </a:lvl6pPr>
+            <a:lvl7pPr lvl="6">
+              <a:buNone/>
+              <a:defRPr/>
+            </a:lvl7pPr>
+            <a:lvl8pPr lvl="7">
+              <a:buNone/>
+              <a:defRPr/>
+            </a:lvl8pPr>
+            <a:lvl9pPr lvl="8">
+              <a:buNone/>
+              <a:defRPr/>
+            </a:lvl9pPr>
+          </a:lstStyle>
+          <a:p>
+            <a:pPr indent="0" lvl="0" marL="0" rtl="0" algn="r">
+              <a:spcBef>
+                <a:spcPts val="0"/>
+              </a:spcBef>
+              <a:spcAft>
+                <a:spcPts val="0"/>
+              </a:spcAft>
+              <a:buNone/>
+            </a:pPr>
+            <a:fld id="{00000000-1234-1234-1234-123412341234}" type="slidenum">
+              <a:rPr lang="en-US"/>
+              <a:t>‹#›</a:t>
+            </a:fld>
+            <a:endParaRPr/>
+          </a:p>
+        </p:txBody>
+      </p:sp>
     </p:spTree>
   </p:cSld>
   <p:clrMapOvr>
@@ -5424,7 +6894,7 @@
   <p:cSld name="TWO_OBJECTS_AND_OBJECT">
     <p:spTree>
       <p:nvGrpSpPr>
-        <p:cNvPr id="77" name="Shape 77"/>
+        <p:cNvPr id="97" name="Shape 97"/>
         <p:cNvGrpSpPr/>
         <p:nvPr/>
       </p:nvGrpSpPr>
@@ -5438,7 +6908,7 @@
       </p:grpSpPr>
       <p:sp>
         <p:nvSpPr>
-          <p:cNvPr id="78" name="Google Shape;78;p21"/>
+          <p:cNvPr id="98" name="Google Shape;98;p21"/>
           <p:cNvSpPr txBox="1"/>
           <p:nvPr>
             <p:ph type="title"/>
@@ -5567,7 +7037,7 @@
       </p:sp>
       <p:sp>
         <p:nvSpPr>
-          <p:cNvPr id="79" name="Google Shape;79;p21"/>
+          <p:cNvPr id="99" name="Google Shape;99;p21"/>
           <p:cNvSpPr txBox="1"/>
           <p:nvPr>
             <p:ph idx="1" type="body"/>
@@ -5696,7 +7166,7 @@
       </p:sp>
       <p:sp>
         <p:nvSpPr>
-          <p:cNvPr id="80" name="Google Shape;80;p21"/>
+          <p:cNvPr id="100" name="Google Shape;100;p21"/>
           <p:cNvSpPr txBox="1"/>
           <p:nvPr>
             <p:ph idx="2" type="body"/>
@@ -5825,7 +7295,7 @@
       </p:sp>
       <p:sp>
         <p:nvSpPr>
-          <p:cNvPr id="81" name="Google Shape;81;p21"/>
+          <p:cNvPr id="101" name="Google Shape;101;p21"/>
           <p:cNvSpPr txBox="1"/>
           <p:nvPr>
             <p:ph idx="3" type="body"/>
@@ -5952,6 +7422,83 @@
           <a:p/>
         </p:txBody>
       </p:sp>
+      <p:sp>
+        <p:nvSpPr>
+          <p:cNvPr id="102" name="Google Shape;102;p21"/>
+          <p:cNvSpPr txBox="1"/>
+          <p:nvPr>
+            <p:ph idx="12" type="sldNum"/>
+          </p:nvPr>
+        </p:nvSpPr>
+        <p:spPr>
+          <a:xfrm>
+            <a:off x="11409045" y="6333134"/>
+            <a:ext cx="731700" cy="525000"/>
+          </a:xfrm>
+          <a:prstGeom prst="rect">
+            <a:avLst/>
+          </a:prstGeom>
+        </p:spPr>
+        <p:txBody>
+          <a:bodyPr anchorCtr="0" anchor="t" bIns="91425" lIns="91425" spcFirstLastPara="1" rIns="91425" wrap="square" tIns="91425">
+            <a:noAutofit/>
+          </a:bodyPr>
+          <a:lstStyle>
+            <a:lvl1pPr lvl="0">
+              <a:buNone/>
+              <a:defRPr/>
+            </a:lvl1pPr>
+            <a:lvl2pPr lvl="1">
+              <a:buNone/>
+              <a:defRPr/>
+            </a:lvl2pPr>
+            <a:lvl3pPr lvl="2">
+              <a:buNone/>
+              <a:defRPr/>
+            </a:lvl3pPr>
+            <a:lvl4pPr lvl="3">
+              <a:buNone/>
+              <a:defRPr/>
+            </a:lvl4pPr>
+            <a:lvl5pPr lvl="4">
+              <a:buNone/>
+              <a:defRPr/>
+            </a:lvl5pPr>
+            <a:lvl6pPr lvl="5">
+              <a:buNone/>
+              <a:defRPr/>
+            </a:lvl6pPr>
+            <a:lvl7pPr lvl="6">
+              <a:buNone/>
+              <a:defRPr/>
+            </a:lvl7pPr>
+            <a:lvl8pPr lvl="7">
+              <a:buNone/>
+              <a:defRPr/>
+            </a:lvl8pPr>
+            <a:lvl9pPr lvl="8">
+              <a:buNone/>
+              <a:defRPr/>
+            </a:lvl9pPr>
+          </a:lstStyle>
+          <a:p>
+            <a:pPr indent="0" lvl="0" marL="0" rtl="0" algn="r">
+              <a:spcBef>
+                <a:spcPts val="0"/>
+              </a:spcBef>
+              <a:spcAft>
+                <a:spcPts val="0"/>
+              </a:spcAft>
+              <a:buNone/>
+            </a:pPr>
+            <a:fld id="{00000000-1234-1234-1234-123412341234}" type="slidenum">
+              <a:rPr lang="en-US"/>
+              <a:t>‹#›</a:t>
+            </a:fld>
+            <a:endParaRPr/>
+          </a:p>
+        </p:txBody>
+      </p:sp>
     </p:spTree>
   </p:cSld>
   <p:clrMapOvr>
@@ -5965,7 +7512,7 @@
   <p:cSld name="BLANK">
     <p:spTree>
       <p:nvGrpSpPr>
-        <p:cNvPr id="13" name="Shape 13"/>
+        <p:cNvPr id="15" name="Shape 15"/>
         <p:cNvGrpSpPr/>
         <p:nvPr/>
       </p:nvGrpSpPr>
@@ -5977,6 +7524,83 @@
           <a:chExt cx="0" cy="0"/>
         </a:xfrm>
       </p:grpSpPr>
+      <p:sp>
+        <p:nvSpPr>
+          <p:cNvPr id="16" name="Google Shape;16;p3"/>
+          <p:cNvSpPr txBox="1"/>
+          <p:nvPr>
+            <p:ph idx="12" type="sldNum"/>
+          </p:nvPr>
+        </p:nvSpPr>
+        <p:spPr>
+          <a:xfrm>
+            <a:off x="11409045" y="6333134"/>
+            <a:ext cx="731700" cy="525000"/>
+          </a:xfrm>
+          <a:prstGeom prst="rect">
+            <a:avLst/>
+          </a:prstGeom>
+        </p:spPr>
+        <p:txBody>
+          <a:bodyPr anchorCtr="0" anchor="t" bIns="91425" lIns="91425" spcFirstLastPara="1" rIns="91425" wrap="square" tIns="91425">
+            <a:noAutofit/>
+          </a:bodyPr>
+          <a:lstStyle>
+            <a:lvl1pPr lvl="0">
+              <a:buNone/>
+              <a:defRPr/>
+            </a:lvl1pPr>
+            <a:lvl2pPr lvl="1">
+              <a:buNone/>
+              <a:defRPr/>
+            </a:lvl2pPr>
+            <a:lvl3pPr lvl="2">
+              <a:buNone/>
+              <a:defRPr/>
+            </a:lvl3pPr>
+            <a:lvl4pPr lvl="3">
+              <a:buNone/>
+              <a:defRPr/>
+            </a:lvl4pPr>
+            <a:lvl5pPr lvl="4">
+              <a:buNone/>
+              <a:defRPr/>
+            </a:lvl5pPr>
+            <a:lvl6pPr lvl="5">
+              <a:buNone/>
+              <a:defRPr/>
+            </a:lvl6pPr>
+            <a:lvl7pPr lvl="6">
+              <a:buNone/>
+              <a:defRPr/>
+            </a:lvl7pPr>
+            <a:lvl8pPr lvl="7">
+              <a:buNone/>
+              <a:defRPr/>
+            </a:lvl8pPr>
+            <a:lvl9pPr lvl="8">
+              <a:buNone/>
+              <a:defRPr/>
+            </a:lvl9pPr>
+          </a:lstStyle>
+          <a:p>
+            <a:pPr indent="0" lvl="0" marL="0" rtl="0" algn="r">
+              <a:spcBef>
+                <a:spcPts val="0"/>
+              </a:spcBef>
+              <a:spcAft>
+                <a:spcPts val="0"/>
+              </a:spcAft>
+              <a:buNone/>
+            </a:pPr>
+            <a:fld id="{00000000-1234-1234-1234-123412341234}" type="slidenum">
+              <a:rPr lang="en-US"/>
+              <a:t>‹#›</a:t>
+            </a:fld>
+            <a:endParaRPr/>
+          </a:p>
+        </p:txBody>
+      </p:sp>
     </p:spTree>
   </p:cSld>
   <p:clrMapOvr>
@@ -5990,7 +7614,7 @@
   <p:cSld name="OBJECT_AND_TWO_OBJECTS">
     <p:spTree>
       <p:nvGrpSpPr>
-        <p:cNvPr id="82" name="Shape 82"/>
+        <p:cNvPr id="103" name="Shape 103"/>
         <p:cNvGrpSpPr/>
         <p:nvPr/>
       </p:nvGrpSpPr>
@@ -6004,7 +7628,7 @@
       </p:grpSpPr>
       <p:sp>
         <p:nvSpPr>
-          <p:cNvPr id="83" name="Google Shape;83;p22"/>
+          <p:cNvPr id="104" name="Google Shape;104;p22"/>
           <p:cNvSpPr txBox="1"/>
           <p:nvPr>
             <p:ph type="title"/>
@@ -6133,7 +7757,7 @@
       </p:sp>
       <p:sp>
         <p:nvSpPr>
-          <p:cNvPr id="84" name="Google Shape;84;p22"/>
+          <p:cNvPr id="105" name="Google Shape;105;p22"/>
           <p:cNvSpPr txBox="1"/>
           <p:nvPr>
             <p:ph idx="1" type="body"/>
@@ -6262,7 +7886,7 @@
       </p:sp>
       <p:sp>
         <p:nvSpPr>
-          <p:cNvPr id="85" name="Google Shape;85;p22"/>
+          <p:cNvPr id="106" name="Google Shape;106;p22"/>
           <p:cNvSpPr txBox="1"/>
           <p:nvPr>
             <p:ph idx="2" type="body"/>
@@ -6391,7 +8015,7 @@
       </p:sp>
       <p:sp>
         <p:nvSpPr>
-          <p:cNvPr id="86" name="Google Shape;86;p22"/>
+          <p:cNvPr id="107" name="Google Shape;107;p22"/>
           <p:cNvSpPr txBox="1"/>
           <p:nvPr>
             <p:ph idx="3" type="body"/>
@@ -6518,6 +8142,83 @@
           <a:p/>
         </p:txBody>
       </p:sp>
+      <p:sp>
+        <p:nvSpPr>
+          <p:cNvPr id="108" name="Google Shape;108;p22"/>
+          <p:cNvSpPr txBox="1"/>
+          <p:nvPr>
+            <p:ph idx="12" type="sldNum"/>
+          </p:nvPr>
+        </p:nvSpPr>
+        <p:spPr>
+          <a:xfrm>
+            <a:off x="11409045" y="6333134"/>
+            <a:ext cx="731700" cy="525000"/>
+          </a:xfrm>
+          <a:prstGeom prst="rect">
+            <a:avLst/>
+          </a:prstGeom>
+        </p:spPr>
+        <p:txBody>
+          <a:bodyPr anchorCtr="0" anchor="t" bIns="91425" lIns="91425" spcFirstLastPara="1" rIns="91425" wrap="square" tIns="91425">
+            <a:noAutofit/>
+          </a:bodyPr>
+          <a:lstStyle>
+            <a:lvl1pPr lvl="0">
+              <a:buNone/>
+              <a:defRPr/>
+            </a:lvl1pPr>
+            <a:lvl2pPr lvl="1">
+              <a:buNone/>
+              <a:defRPr/>
+            </a:lvl2pPr>
+            <a:lvl3pPr lvl="2">
+              <a:buNone/>
+              <a:defRPr/>
+            </a:lvl3pPr>
+            <a:lvl4pPr lvl="3">
+              <a:buNone/>
+              <a:defRPr/>
+            </a:lvl4pPr>
+            <a:lvl5pPr lvl="4">
+              <a:buNone/>
+              <a:defRPr/>
+            </a:lvl5pPr>
+            <a:lvl6pPr lvl="5">
+              <a:buNone/>
+              <a:defRPr/>
+            </a:lvl6pPr>
+            <a:lvl7pPr lvl="6">
+              <a:buNone/>
+              <a:defRPr/>
+            </a:lvl7pPr>
+            <a:lvl8pPr lvl="7">
+              <a:buNone/>
+              <a:defRPr/>
+            </a:lvl8pPr>
+            <a:lvl9pPr lvl="8">
+              <a:buNone/>
+              <a:defRPr/>
+            </a:lvl9pPr>
+          </a:lstStyle>
+          <a:p>
+            <a:pPr indent="0" lvl="0" marL="0" rtl="0" algn="r">
+              <a:spcBef>
+                <a:spcPts val="0"/>
+              </a:spcBef>
+              <a:spcAft>
+                <a:spcPts val="0"/>
+              </a:spcAft>
+              <a:buNone/>
+            </a:pPr>
+            <a:fld id="{00000000-1234-1234-1234-123412341234}" type="slidenum">
+              <a:rPr lang="en-US"/>
+              <a:t>‹#›</a:t>
+            </a:fld>
+            <a:endParaRPr/>
+          </a:p>
+        </p:txBody>
+      </p:sp>
     </p:spTree>
   </p:cSld>
   <p:clrMapOvr>
@@ -6531,7 +8232,7 @@
   <p:cSld name="TWO_OBJECTS_OVER_TEXT">
     <p:spTree>
       <p:nvGrpSpPr>
-        <p:cNvPr id="87" name="Shape 87"/>
+        <p:cNvPr id="109" name="Shape 109"/>
         <p:cNvGrpSpPr/>
         <p:nvPr/>
       </p:nvGrpSpPr>
@@ -6545,7 +8246,7 @@
       </p:grpSpPr>
       <p:sp>
         <p:nvSpPr>
-          <p:cNvPr id="88" name="Google Shape;88;p23"/>
+          <p:cNvPr id="110" name="Google Shape;110;p23"/>
           <p:cNvSpPr txBox="1"/>
           <p:nvPr>
             <p:ph type="title"/>
@@ -6674,7 +8375,7 @@
       </p:sp>
       <p:sp>
         <p:nvSpPr>
-          <p:cNvPr id="89" name="Google Shape;89;p23"/>
+          <p:cNvPr id="111" name="Google Shape;111;p23"/>
           <p:cNvSpPr txBox="1"/>
           <p:nvPr>
             <p:ph idx="1" type="body"/>
@@ -6803,7 +8504,7 @@
       </p:sp>
       <p:sp>
         <p:nvSpPr>
-          <p:cNvPr id="90" name="Google Shape;90;p23"/>
+          <p:cNvPr id="112" name="Google Shape;112;p23"/>
           <p:cNvSpPr txBox="1"/>
           <p:nvPr>
             <p:ph idx="2" type="body"/>
@@ -6932,7 +8633,7 @@
       </p:sp>
       <p:sp>
         <p:nvSpPr>
-          <p:cNvPr id="91" name="Google Shape;91;p23"/>
+          <p:cNvPr id="113" name="Google Shape;113;p23"/>
           <p:cNvSpPr txBox="1"/>
           <p:nvPr>
             <p:ph idx="3" type="body"/>
@@ -7059,6 +8760,83 @@
           <a:p/>
         </p:txBody>
       </p:sp>
+      <p:sp>
+        <p:nvSpPr>
+          <p:cNvPr id="114" name="Google Shape;114;p23"/>
+          <p:cNvSpPr txBox="1"/>
+          <p:nvPr>
+            <p:ph idx="12" type="sldNum"/>
+          </p:nvPr>
+        </p:nvSpPr>
+        <p:spPr>
+          <a:xfrm>
+            <a:off x="11409045" y="6333134"/>
+            <a:ext cx="731700" cy="525000"/>
+          </a:xfrm>
+          <a:prstGeom prst="rect">
+            <a:avLst/>
+          </a:prstGeom>
+        </p:spPr>
+        <p:txBody>
+          <a:bodyPr anchorCtr="0" anchor="t" bIns="91425" lIns="91425" spcFirstLastPara="1" rIns="91425" wrap="square" tIns="91425">
+            <a:noAutofit/>
+          </a:bodyPr>
+          <a:lstStyle>
+            <a:lvl1pPr lvl="0">
+              <a:buNone/>
+              <a:defRPr/>
+            </a:lvl1pPr>
+            <a:lvl2pPr lvl="1">
+              <a:buNone/>
+              <a:defRPr/>
+            </a:lvl2pPr>
+            <a:lvl3pPr lvl="2">
+              <a:buNone/>
+              <a:defRPr/>
+            </a:lvl3pPr>
+            <a:lvl4pPr lvl="3">
+              <a:buNone/>
+              <a:defRPr/>
+            </a:lvl4pPr>
+            <a:lvl5pPr lvl="4">
+              <a:buNone/>
+              <a:defRPr/>
+            </a:lvl5pPr>
+            <a:lvl6pPr lvl="5">
+              <a:buNone/>
+              <a:defRPr/>
+            </a:lvl6pPr>
+            <a:lvl7pPr lvl="6">
+              <a:buNone/>
+              <a:defRPr/>
+            </a:lvl7pPr>
+            <a:lvl8pPr lvl="7">
+              <a:buNone/>
+              <a:defRPr/>
+            </a:lvl8pPr>
+            <a:lvl9pPr lvl="8">
+              <a:buNone/>
+              <a:defRPr/>
+            </a:lvl9pPr>
+          </a:lstStyle>
+          <a:p>
+            <a:pPr indent="0" lvl="0" marL="0" rtl="0" algn="r">
+              <a:spcBef>
+                <a:spcPts val="0"/>
+              </a:spcBef>
+              <a:spcAft>
+                <a:spcPts val="0"/>
+              </a:spcAft>
+              <a:buNone/>
+            </a:pPr>
+            <a:fld id="{00000000-1234-1234-1234-123412341234}" type="slidenum">
+              <a:rPr lang="en-US"/>
+              <a:t>‹#›</a:t>
+            </a:fld>
+            <a:endParaRPr/>
+          </a:p>
+        </p:txBody>
+      </p:sp>
     </p:spTree>
   </p:cSld>
   <p:clrMapOvr>
@@ -7072,7 +8850,7 @@
   <p:cSld name="OBJECT_OVER_TEXT">
     <p:spTree>
       <p:nvGrpSpPr>
-        <p:cNvPr id="92" name="Shape 92"/>
+        <p:cNvPr id="115" name="Shape 115"/>
         <p:cNvGrpSpPr/>
         <p:nvPr/>
       </p:nvGrpSpPr>
@@ -7086,7 +8864,7 @@
       </p:grpSpPr>
       <p:sp>
         <p:nvSpPr>
-          <p:cNvPr id="93" name="Google Shape;93;p24"/>
+          <p:cNvPr id="116" name="Google Shape;116;p24"/>
           <p:cNvSpPr txBox="1"/>
           <p:nvPr>
             <p:ph type="title"/>
@@ -7215,7 +8993,7 @@
       </p:sp>
       <p:sp>
         <p:nvSpPr>
-          <p:cNvPr id="94" name="Google Shape;94;p24"/>
+          <p:cNvPr id="117" name="Google Shape;117;p24"/>
           <p:cNvSpPr txBox="1"/>
           <p:nvPr>
             <p:ph idx="1" type="body"/>
@@ -7344,7 +9122,7 @@
       </p:sp>
       <p:sp>
         <p:nvSpPr>
-          <p:cNvPr id="95" name="Google Shape;95;p24"/>
+          <p:cNvPr id="118" name="Google Shape;118;p24"/>
           <p:cNvSpPr txBox="1"/>
           <p:nvPr>
             <p:ph idx="2" type="body"/>
@@ -7471,6 +9249,83 @@
           <a:p/>
         </p:txBody>
       </p:sp>
+      <p:sp>
+        <p:nvSpPr>
+          <p:cNvPr id="119" name="Google Shape;119;p24"/>
+          <p:cNvSpPr txBox="1"/>
+          <p:nvPr>
+            <p:ph idx="12" type="sldNum"/>
+          </p:nvPr>
+        </p:nvSpPr>
+        <p:spPr>
+          <a:xfrm>
+            <a:off x="11409045" y="6333134"/>
+            <a:ext cx="731700" cy="525000"/>
+          </a:xfrm>
+          <a:prstGeom prst="rect">
+            <a:avLst/>
+          </a:prstGeom>
+        </p:spPr>
+        <p:txBody>
+          <a:bodyPr anchorCtr="0" anchor="t" bIns="91425" lIns="91425" spcFirstLastPara="1" rIns="91425" wrap="square" tIns="91425">
+            <a:noAutofit/>
+          </a:bodyPr>
+          <a:lstStyle>
+            <a:lvl1pPr lvl="0">
+              <a:buNone/>
+              <a:defRPr/>
+            </a:lvl1pPr>
+            <a:lvl2pPr lvl="1">
+              <a:buNone/>
+              <a:defRPr/>
+            </a:lvl2pPr>
+            <a:lvl3pPr lvl="2">
+              <a:buNone/>
+              <a:defRPr/>
+            </a:lvl3pPr>
+            <a:lvl4pPr lvl="3">
+              <a:buNone/>
+              <a:defRPr/>
+            </a:lvl4pPr>
+            <a:lvl5pPr lvl="4">
+              <a:buNone/>
+              <a:defRPr/>
+            </a:lvl5pPr>
+            <a:lvl6pPr lvl="5">
+              <a:buNone/>
+              <a:defRPr/>
+            </a:lvl6pPr>
+            <a:lvl7pPr lvl="6">
+              <a:buNone/>
+              <a:defRPr/>
+            </a:lvl7pPr>
+            <a:lvl8pPr lvl="7">
+              <a:buNone/>
+              <a:defRPr/>
+            </a:lvl8pPr>
+            <a:lvl9pPr lvl="8">
+              <a:buNone/>
+              <a:defRPr/>
+            </a:lvl9pPr>
+          </a:lstStyle>
+          <a:p>
+            <a:pPr indent="0" lvl="0" marL="0" rtl="0" algn="r">
+              <a:spcBef>
+                <a:spcPts val="0"/>
+              </a:spcBef>
+              <a:spcAft>
+                <a:spcPts val="0"/>
+              </a:spcAft>
+              <a:buNone/>
+            </a:pPr>
+            <a:fld id="{00000000-1234-1234-1234-123412341234}" type="slidenum">
+              <a:rPr lang="en-US"/>
+              <a:t>‹#›</a:t>
+            </a:fld>
+            <a:endParaRPr/>
+          </a:p>
+        </p:txBody>
+      </p:sp>
     </p:spTree>
   </p:cSld>
   <p:clrMapOvr>
@@ -7484,7 +9339,7 @@
   <p:cSld name="FOUR_OBJECTS">
     <p:spTree>
       <p:nvGrpSpPr>
-        <p:cNvPr id="96" name="Shape 96"/>
+        <p:cNvPr id="120" name="Shape 120"/>
         <p:cNvGrpSpPr/>
         <p:nvPr/>
       </p:nvGrpSpPr>
@@ -7498,7 +9353,7 @@
       </p:grpSpPr>
       <p:sp>
         <p:nvSpPr>
-          <p:cNvPr id="97" name="Google Shape;97;p25"/>
+          <p:cNvPr id="121" name="Google Shape;121;p25"/>
           <p:cNvSpPr txBox="1"/>
           <p:nvPr>
             <p:ph type="title"/>
@@ -7627,7 +9482,7 @@
       </p:sp>
       <p:sp>
         <p:nvSpPr>
-          <p:cNvPr id="98" name="Google Shape;98;p25"/>
+          <p:cNvPr id="122" name="Google Shape;122;p25"/>
           <p:cNvSpPr txBox="1"/>
           <p:nvPr>
             <p:ph idx="1" type="body"/>
@@ -7756,7 +9611,7 @@
       </p:sp>
       <p:sp>
         <p:nvSpPr>
-          <p:cNvPr id="99" name="Google Shape;99;p25"/>
+          <p:cNvPr id="123" name="Google Shape;123;p25"/>
           <p:cNvSpPr txBox="1"/>
           <p:nvPr>
             <p:ph idx="2" type="body"/>
@@ -7885,7 +9740,7 @@
       </p:sp>
       <p:sp>
         <p:nvSpPr>
-          <p:cNvPr id="100" name="Google Shape;100;p25"/>
+          <p:cNvPr id="124" name="Google Shape;124;p25"/>
           <p:cNvSpPr txBox="1"/>
           <p:nvPr>
             <p:ph idx="3" type="body"/>
@@ -8014,7 +9869,7 @@
       </p:sp>
       <p:sp>
         <p:nvSpPr>
-          <p:cNvPr id="101" name="Google Shape;101;p25"/>
+          <p:cNvPr id="125" name="Google Shape;125;p25"/>
           <p:cNvSpPr txBox="1"/>
           <p:nvPr>
             <p:ph idx="4" type="body"/>
@@ -8141,6 +9996,83 @@
           <a:p/>
         </p:txBody>
       </p:sp>
+      <p:sp>
+        <p:nvSpPr>
+          <p:cNvPr id="126" name="Google Shape;126;p25"/>
+          <p:cNvSpPr txBox="1"/>
+          <p:nvPr>
+            <p:ph idx="12" type="sldNum"/>
+          </p:nvPr>
+        </p:nvSpPr>
+        <p:spPr>
+          <a:xfrm>
+            <a:off x="11409045" y="6333134"/>
+            <a:ext cx="731700" cy="525000"/>
+          </a:xfrm>
+          <a:prstGeom prst="rect">
+            <a:avLst/>
+          </a:prstGeom>
+        </p:spPr>
+        <p:txBody>
+          <a:bodyPr anchorCtr="0" anchor="t" bIns="91425" lIns="91425" spcFirstLastPara="1" rIns="91425" wrap="square" tIns="91425">
+            <a:noAutofit/>
+          </a:bodyPr>
+          <a:lstStyle>
+            <a:lvl1pPr lvl="0">
+              <a:buNone/>
+              <a:defRPr/>
+            </a:lvl1pPr>
+            <a:lvl2pPr lvl="1">
+              <a:buNone/>
+              <a:defRPr/>
+            </a:lvl2pPr>
+            <a:lvl3pPr lvl="2">
+              <a:buNone/>
+              <a:defRPr/>
+            </a:lvl3pPr>
+            <a:lvl4pPr lvl="3">
+              <a:buNone/>
+              <a:defRPr/>
+            </a:lvl4pPr>
+            <a:lvl5pPr lvl="4">
+              <a:buNone/>
+              <a:defRPr/>
+            </a:lvl5pPr>
+            <a:lvl6pPr lvl="5">
+              <a:buNone/>
+              <a:defRPr/>
+            </a:lvl6pPr>
+            <a:lvl7pPr lvl="6">
+              <a:buNone/>
+              <a:defRPr/>
+            </a:lvl7pPr>
+            <a:lvl8pPr lvl="7">
+              <a:buNone/>
+              <a:defRPr/>
+            </a:lvl8pPr>
+            <a:lvl9pPr lvl="8">
+              <a:buNone/>
+              <a:defRPr/>
+            </a:lvl9pPr>
+          </a:lstStyle>
+          <a:p>
+            <a:pPr indent="0" lvl="0" marL="0" rtl="0" algn="r">
+              <a:spcBef>
+                <a:spcPts val="0"/>
+              </a:spcBef>
+              <a:spcAft>
+                <a:spcPts val="0"/>
+              </a:spcAft>
+              <a:buNone/>
+            </a:pPr>
+            <a:fld id="{00000000-1234-1234-1234-123412341234}" type="slidenum">
+              <a:rPr lang="en-US"/>
+              <a:t>‹#›</a:t>
+            </a:fld>
+            <a:endParaRPr/>
+          </a:p>
+        </p:txBody>
+      </p:sp>
     </p:spTree>
   </p:cSld>
   <p:clrMapOvr>
@@ -8154,7 +10086,7 @@
   <p:cSld name="Title, 6 Content">
     <p:spTree>
       <p:nvGrpSpPr>
-        <p:cNvPr id="102" name="Shape 102"/>
+        <p:cNvPr id="127" name="Shape 127"/>
         <p:cNvGrpSpPr/>
         <p:nvPr/>
       </p:nvGrpSpPr>
@@ -8168,7 +10100,7 @@
       </p:grpSpPr>
       <p:sp>
         <p:nvSpPr>
-          <p:cNvPr id="103" name="Google Shape;103;p26"/>
+          <p:cNvPr id="128" name="Google Shape;128;p26"/>
           <p:cNvSpPr txBox="1"/>
           <p:nvPr>
             <p:ph type="title"/>
@@ -8297,7 +10229,7 @@
       </p:sp>
       <p:sp>
         <p:nvSpPr>
-          <p:cNvPr id="104" name="Google Shape;104;p26"/>
+          <p:cNvPr id="129" name="Google Shape;129;p26"/>
           <p:cNvSpPr txBox="1"/>
           <p:nvPr>
             <p:ph idx="1" type="body"/>
@@ -8426,7 +10358,7 @@
       </p:sp>
       <p:sp>
         <p:nvSpPr>
-          <p:cNvPr id="105" name="Google Shape;105;p26"/>
+          <p:cNvPr id="130" name="Google Shape;130;p26"/>
           <p:cNvSpPr txBox="1"/>
           <p:nvPr>
             <p:ph idx="2" type="body"/>
@@ -8555,7 +10487,7 @@
       </p:sp>
       <p:sp>
         <p:nvSpPr>
-          <p:cNvPr id="106" name="Google Shape;106;p26"/>
+          <p:cNvPr id="131" name="Google Shape;131;p26"/>
           <p:cNvSpPr txBox="1"/>
           <p:nvPr>
             <p:ph idx="3" type="body"/>
@@ -8684,7 +10616,7 @@
       </p:sp>
       <p:sp>
         <p:nvSpPr>
-          <p:cNvPr id="107" name="Google Shape;107;p26"/>
+          <p:cNvPr id="132" name="Google Shape;132;p26"/>
           <p:cNvSpPr txBox="1"/>
           <p:nvPr>
             <p:ph idx="4" type="body"/>
@@ -8813,7 +10745,7 @@
       </p:sp>
       <p:sp>
         <p:nvSpPr>
-          <p:cNvPr id="108" name="Google Shape;108;p26"/>
+          <p:cNvPr id="133" name="Google Shape;133;p26"/>
           <p:cNvSpPr txBox="1"/>
           <p:nvPr>
             <p:ph idx="5" type="body"/>
@@ -8942,7 +10874,7 @@
       </p:sp>
       <p:sp>
         <p:nvSpPr>
-          <p:cNvPr id="109" name="Google Shape;109;p26"/>
+          <p:cNvPr id="134" name="Google Shape;134;p26"/>
           <p:cNvSpPr txBox="1"/>
           <p:nvPr>
             <p:ph idx="6" type="body"/>
@@ -9069,6 +11001,83 @@
           <a:p/>
         </p:txBody>
       </p:sp>
+      <p:sp>
+        <p:nvSpPr>
+          <p:cNvPr id="135" name="Google Shape;135;p26"/>
+          <p:cNvSpPr txBox="1"/>
+          <p:nvPr>
+            <p:ph idx="12" type="sldNum"/>
+          </p:nvPr>
+        </p:nvSpPr>
+        <p:spPr>
+          <a:xfrm>
+            <a:off x="11409045" y="6333134"/>
+            <a:ext cx="731700" cy="525000"/>
+          </a:xfrm>
+          <a:prstGeom prst="rect">
+            <a:avLst/>
+          </a:prstGeom>
+        </p:spPr>
+        <p:txBody>
+          <a:bodyPr anchorCtr="0" anchor="t" bIns="91425" lIns="91425" spcFirstLastPara="1" rIns="91425" wrap="square" tIns="91425">
+            <a:noAutofit/>
+          </a:bodyPr>
+          <a:lstStyle>
+            <a:lvl1pPr lvl="0">
+              <a:buNone/>
+              <a:defRPr/>
+            </a:lvl1pPr>
+            <a:lvl2pPr lvl="1">
+              <a:buNone/>
+              <a:defRPr/>
+            </a:lvl2pPr>
+            <a:lvl3pPr lvl="2">
+              <a:buNone/>
+              <a:defRPr/>
+            </a:lvl3pPr>
+            <a:lvl4pPr lvl="3">
+              <a:buNone/>
+              <a:defRPr/>
+            </a:lvl4pPr>
+            <a:lvl5pPr lvl="4">
+              <a:buNone/>
+              <a:defRPr/>
+            </a:lvl5pPr>
+            <a:lvl6pPr lvl="5">
+              <a:buNone/>
+              <a:defRPr/>
+            </a:lvl6pPr>
+            <a:lvl7pPr lvl="6">
+              <a:buNone/>
+              <a:defRPr/>
+            </a:lvl7pPr>
+            <a:lvl8pPr lvl="7">
+              <a:buNone/>
+              <a:defRPr/>
+            </a:lvl8pPr>
+            <a:lvl9pPr lvl="8">
+              <a:buNone/>
+              <a:defRPr/>
+            </a:lvl9pPr>
+          </a:lstStyle>
+          <a:p>
+            <a:pPr indent="0" lvl="0" marL="0" rtl="0" algn="r">
+              <a:spcBef>
+                <a:spcPts val="0"/>
+              </a:spcBef>
+              <a:spcAft>
+                <a:spcPts val="0"/>
+              </a:spcAft>
+              <a:buNone/>
+            </a:pPr>
+            <a:fld id="{00000000-1234-1234-1234-123412341234}" type="slidenum">
+              <a:rPr lang="en-US"/>
+              <a:t>‹#›</a:t>
+            </a:fld>
+            <a:endParaRPr/>
+          </a:p>
+        </p:txBody>
+      </p:sp>
     </p:spTree>
   </p:cSld>
   <p:clrMapOvr>
@@ -9082,7 +11091,7 @@
   <p:cSld name="OBJECT">
     <p:spTree>
       <p:nvGrpSpPr>
-        <p:cNvPr id="14" name="Shape 14"/>
+        <p:cNvPr id="17" name="Shape 17"/>
         <p:cNvGrpSpPr/>
         <p:nvPr/>
       </p:nvGrpSpPr>
@@ -9096,7 +11105,7 @@
       </p:grpSpPr>
       <p:sp>
         <p:nvSpPr>
-          <p:cNvPr id="15" name="Google Shape;15;p4"/>
+          <p:cNvPr id="18" name="Google Shape;18;p4"/>
           <p:cNvSpPr txBox="1"/>
           <p:nvPr>
             <p:ph type="title"/>
@@ -9225,7 +11234,7 @@
       </p:sp>
       <p:sp>
         <p:nvSpPr>
-          <p:cNvPr id="16" name="Google Shape;16;p4"/>
+          <p:cNvPr id="19" name="Google Shape;19;p4"/>
           <p:cNvSpPr txBox="1"/>
           <p:nvPr>
             <p:ph idx="1" type="body"/>
@@ -9352,6 +11361,83 @@
           <a:p/>
         </p:txBody>
       </p:sp>
+      <p:sp>
+        <p:nvSpPr>
+          <p:cNvPr id="20" name="Google Shape;20;p4"/>
+          <p:cNvSpPr txBox="1"/>
+          <p:nvPr>
+            <p:ph idx="12" type="sldNum"/>
+          </p:nvPr>
+        </p:nvSpPr>
+        <p:spPr>
+          <a:xfrm>
+            <a:off x="11409045" y="6333134"/>
+            <a:ext cx="731700" cy="525000"/>
+          </a:xfrm>
+          <a:prstGeom prst="rect">
+            <a:avLst/>
+          </a:prstGeom>
+        </p:spPr>
+        <p:txBody>
+          <a:bodyPr anchorCtr="0" anchor="t" bIns="91425" lIns="91425" spcFirstLastPara="1" rIns="91425" wrap="square" tIns="91425">
+            <a:noAutofit/>
+          </a:bodyPr>
+          <a:lstStyle>
+            <a:lvl1pPr lvl="0">
+              <a:buNone/>
+              <a:defRPr/>
+            </a:lvl1pPr>
+            <a:lvl2pPr lvl="1">
+              <a:buNone/>
+              <a:defRPr/>
+            </a:lvl2pPr>
+            <a:lvl3pPr lvl="2">
+              <a:buNone/>
+              <a:defRPr/>
+            </a:lvl3pPr>
+            <a:lvl4pPr lvl="3">
+              <a:buNone/>
+              <a:defRPr/>
+            </a:lvl4pPr>
+            <a:lvl5pPr lvl="4">
+              <a:buNone/>
+              <a:defRPr/>
+            </a:lvl5pPr>
+            <a:lvl6pPr lvl="5">
+              <a:buNone/>
+              <a:defRPr/>
+            </a:lvl6pPr>
+            <a:lvl7pPr lvl="6">
+              <a:buNone/>
+              <a:defRPr/>
+            </a:lvl7pPr>
+            <a:lvl8pPr lvl="7">
+              <a:buNone/>
+              <a:defRPr/>
+            </a:lvl8pPr>
+            <a:lvl9pPr lvl="8">
+              <a:buNone/>
+              <a:defRPr/>
+            </a:lvl9pPr>
+          </a:lstStyle>
+          <a:p>
+            <a:pPr indent="0" lvl="0" marL="0" rtl="0" algn="r">
+              <a:spcBef>
+                <a:spcPts val="0"/>
+              </a:spcBef>
+              <a:spcAft>
+                <a:spcPts val="0"/>
+              </a:spcAft>
+              <a:buNone/>
+            </a:pPr>
+            <a:fld id="{00000000-1234-1234-1234-123412341234}" type="slidenum">
+              <a:rPr lang="en-US"/>
+              <a:t>‹#›</a:t>
+            </a:fld>
+            <a:endParaRPr/>
+          </a:p>
+        </p:txBody>
+      </p:sp>
     </p:spTree>
   </p:cSld>
   <p:clrMapOvr>
@@ -9365,7 +11451,7 @@
   <p:cSld name="TWO_OBJECTS">
     <p:spTree>
       <p:nvGrpSpPr>
-        <p:cNvPr id="17" name="Shape 17"/>
+        <p:cNvPr id="21" name="Shape 21"/>
         <p:cNvGrpSpPr/>
         <p:nvPr/>
       </p:nvGrpSpPr>
@@ -9379,7 +11465,7 @@
       </p:grpSpPr>
       <p:sp>
         <p:nvSpPr>
-          <p:cNvPr id="18" name="Google Shape;18;p5"/>
+          <p:cNvPr id="22" name="Google Shape;22;p5"/>
           <p:cNvSpPr txBox="1"/>
           <p:nvPr>
             <p:ph type="title"/>
@@ -9508,7 +11594,7 @@
       </p:sp>
       <p:sp>
         <p:nvSpPr>
-          <p:cNvPr id="19" name="Google Shape;19;p5"/>
+          <p:cNvPr id="23" name="Google Shape;23;p5"/>
           <p:cNvSpPr txBox="1"/>
           <p:nvPr>
             <p:ph idx="1" type="body"/>
@@ -9637,7 +11723,7 @@
       </p:sp>
       <p:sp>
         <p:nvSpPr>
-          <p:cNvPr id="20" name="Google Shape;20;p5"/>
+          <p:cNvPr id="24" name="Google Shape;24;p5"/>
           <p:cNvSpPr txBox="1"/>
           <p:nvPr>
             <p:ph idx="2" type="body"/>
@@ -9764,6 +11850,83 @@
           <a:p/>
         </p:txBody>
       </p:sp>
+      <p:sp>
+        <p:nvSpPr>
+          <p:cNvPr id="25" name="Google Shape;25;p5"/>
+          <p:cNvSpPr txBox="1"/>
+          <p:nvPr>
+            <p:ph idx="12" type="sldNum"/>
+          </p:nvPr>
+        </p:nvSpPr>
+        <p:spPr>
+          <a:xfrm>
+            <a:off x="11409045" y="6333134"/>
+            <a:ext cx="731700" cy="525000"/>
+          </a:xfrm>
+          <a:prstGeom prst="rect">
+            <a:avLst/>
+          </a:prstGeom>
+        </p:spPr>
+        <p:txBody>
+          <a:bodyPr anchorCtr="0" anchor="t" bIns="91425" lIns="91425" spcFirstLastPara="1" rIns="91425" wrap="square" tIns="91425">
+            <a:noAutofit/>
+          </a:bodyPr>
+          <a:lstStyle>
+            <a:lvl1pPr lvl="0">
+              <a:buNone/>
+              <a:defRPr/>
+            </a:lvl1pPr>
+            <a:lvl2pPr lvl="1">
+              <a:buNone/>
+              <a:defRPr/>
+            </a:lvl2pPr>
+            <a:lvl3pPr lvl="2">
+              <a:buNone/>
+              <a:defRPr/>
+            </a:lvl3pPr>
+            <a:lvl4pPr lvl="3">
+              <a:buNone/>
+              <a:defRPr/>
+            </a:lvl4pPr>
+            <a:lvl5pPr lvl="4">
+              <a:buNone/>
+              <a:defRPr/>
+            </a:lvl5pPr>
+            <a:lvl6pPr lvl="5">
+              <a:buNone/>
+              <a:defRPr/>
+            </a:lvl6pPr>
+            <a:lvl7pPr lvl="6">
+              <a:buNone/>
+              <a:defRPr/>
+            </a:lvl7pPr>
+            <a:lvl8pPr lvl="7">
+              <a:buNone/>
+              <a:defRPr/>
+            </a:lvl8pPr>
+            <a:lvl9pPr lvl="8">
+              <a:buNone/>
+              <a:defRPr/>
+            </a:lvl9pPr>
+          </a:lstStyle>
+          <a:p>
+            <a:pPr indent="0" lvl="0" marL="0" rtl="0" algn="r">
+              <a:spcBef>
+                <a:spcPts val="0"/>
+              </a:spcBef>
+              <a:spcAft>
+                <a:spcPts val="0"/>
+              </a:spcAft>
+              <a:buNone/>
+            </a:pPr>
+            <a:fld id="{00000000-1234-1234-1234-123412341234}" type="slidenum">
+              <a:rPr lang="en-US"/>
+              <a:t>‹#›</a:t>
+            </a:fld>
+            <a:endParaRPr/>
+          </a:p>
+        </p:txBody>
+      </p:sp>
     </p:spTree>
   </p:cSld>
   <p:clrMapOvr>
@@ -9777,7 +11940,7 @@
   <p:cSld name="TITLE_ONLY">
     <p:spTree>
       <p:nvGrpSpPr>
-        <p:cNvPr id="21" name="Shape 21"/>
+        <p:cNvPr id="26" name="Shape 26"/>
         <p:cNvGrpSpPr/>
         <p:nvPr/>
       </p:nvGrpSpPr>
@@ -9791,7 +11954,7 @@
       </p:grpSpPr>
       <p:sp>
         <p:nvSpPr>
-          <p:cNvPr id="22" name="Google Shape;22;p6"/>
+          <p:cNvPr id="27" name="Google Shape;27;p6"/>
           <p:cNvSpPr txBox="1"/>
           <p:nvPr>
             <p:ph type="title"/>
@@ -9918,6 +12081,83 @@
           <a:p/>
         </p:txBody>
       </p:sp>
+      <p:sp>
+        <p:nvSpPr>
+          <p:cNvPr id="28" name="Google Shape;28;p6"/>
+          <p:cNvSpPr txBox="1"/>
+          <p:nvPr>
+            <p:ph idx="12" type="sldNum"/>
+          </p:nvPr>
+        </p:nvSpPr>
+        <p:spPr>
+          <a:xfrm>
+            <a:off x="11409045" y="6333134"/>
+            <a:ext cx="731700" cy="525000"/>
+          </a:xfrm>
+          <a:prstGeom prst="rect">
+            <a:avLst/>
+          </a:prstGeom>
+        </p:spPr>
+        <p:txBody>
+          <a:bodyPr anchorCtr="0" anchor="t" bIns="91425" lIns="91425" spcFirstLastPara="1" rIns="91425" wrap="square" tIns="91425">
+            <a:noAutofit/>
+          </a:bodyPr>
+          <a:lstStyle>
+            <a:lvl1pPr lvl="0">
+              <a:buNone/>
+              <a:defRPr/>
+            </a:lvl1pPr>
+            <a:lvl2pPr lvl="1">
+              <a:buNone/>
+              <a:defRPr/>
+            </a:lvl2pPr>
+            <a:lvl3pPr lvl="2">
+              <a:buNone/>
+              <a:defRPr/>
+            </a:lvl3pPr>
+            <a:lvl4pPr lvl="3">
+              <a:buNone/>
+              <a:defRPr/>
+            </a:lvl4pPr>
+            <a:lvl5pPr lvl="4">
+              <a:buNone/>
+              <a:defRPr/>
+            </a:lvl5pPr>
+            <a:lvl6pPr lvl="5">
+              <a:buNone/>
+              <a:defRPr/>
+            </a:lvl6pPr>
+            <a:lvl7pPr lvl="6">
+              <a:buNone/>
+              <a:defRPr/>
+            </a:lvl7pPr>
+            <a:lvl8pPr lvl="7">
+              <a:buNone/>
+              <a:defRPr/>
+            </a:lvl8pPr>
+            <a:lvl9pPr lvl="8">
+              <a:buNone/>
+              <a:defRPr/>
+            </a:lvl9pPr>
+          </a:lstStyle>
+          <a:p>
+            <a:pPr indent="0" lvl="0" marL="0" rtl="0" algn="r">
+              <a:spcBef>
+                <a:spcPts val="0"/>
+              </a:spcBef>
+              <a:spcAft>
+                <a:spcPts val="0"/>
+              </a:spcAft>
+              <a:buNone/>
+            </a:pPr>
+            <a:fld id="{00000000-1234-1234-1234-123412341234}" type="slidenum">
+              <a:rPr lang="en-US"/>
+              <a:t>‹#›</a:t>
+            </a:fld>
+            <a:endParaRPr/>
+          </a:p>
+        </p:txBody>
+      </p:sp>
     </p:spTree>
   </p:cSld>
   <p:clrMapOvr>
@@ -9931,7 +12171,7 @@
   <p:cSld name="OBJECT_ONLY">
     <p:spTree>
       <p:nvGrpSpPr>
-        <p:cNvPr id="23" name="Shape 23"/>
+        <p:cNvPr id="29" name="Shape 29"/>
         <p:cNvGrpSpPr/>
         <p:nvPr/>
       </p:nvGrpSpPr>
@@ -9945,7 +12185,7 @@
       </p:grpSpPr>
       <p:sp>
         <p:nvSpPr>
-          <p:cNvPr id="24" name="Google Shape;24;p7"/>
+          <p:cNvPr id="30" name="Google Shape;30;p7"/>
           <p:cNvSpPr txBox="1"/>
           <p:nvPr>
             <p:ph idx="1" type="subTitle"/>
@@ -10072,6 +12312,83 @@
           <a:p/>
         </p:txBody>
       </p:sp>
+      <p:sp>
+        <p:nvSpPr>
+          <p:cNvPr id="31" name="Google Shape;31;p7"/>
+          <p:cNvSpPr txBox="1"/>
+          <p:nvPr>
+            <p:ph idx="12" type="sldNum"/>
+          </p:nvPr>
+        </p:nvSpPr>
+        <p:spPr>
+          <a:xfrm>
+            <a:off x="11409045" y="6333134"/>
+            <a:ext cx="731700" cy="525000"/>
+          </a:xfrm>
+          <a:prstGeom prst="rect">
+            <a:avLst/>
+          </a:prstGeom>
+        </p:spPr>
+        <p:txBody>
+          <a:bodyPr anchorCtr="0" anchor="t" bIns="91425" lIns="91425" spcFirstLastPara="1" rIns="91425" wrap="square" tIns="91425">
+            <a:noAutofit/>
+          </a:bodyPr>
+          <a:lstStyle>
+            <a:lvl1pPr lvl="0">
+              <a:buNone/>
+              <a:defRPr/>
+            </a:lvl1pPr>
+            <a:lvl2pPr lvl="1">
+              <a:buNone/>
+              <a:defRPr/>
+            </a:lvl2pPr>
+            <a:lvl3pPr lvl="2">
+              <a:buNone/>
+              <a:defRPr/>
+            </a:lvl3pPr>
+            <a:lvl4pPr lvl="3">
+              <a:buNone/>
+              <a:defRPr/>
+            </a:lvl4pPr>
+            <a:lvl5pPr lvl="4">
+              <a:buNone/>
+              <a:defRPr/>
+            </a:lvl5pPr>
+            <a:lvl6pPr lvl="5">
+              <a:buNone/>
+              <a:defRPr/>
+            </a:lvl6pPr>
+            <a:lvl7pPr lvl="6">
+              <a:buNone/>
+              <a:defRPr/>
+            </a:lvl7pPr>
+            <a:lvl8pPr lvl="7">
+              <a:buNone/>
+              <a:defRPr/>
+            </a:lvl8pPr>
+            <a:lvl9pPr lvl="8">
+              <a:buNone/>
+              <a:defRPr/>
+            </a:lvl9pPr>
+          </a:lstStyle>
+          <a:p>
+            <a:pPr indent="0" lvl="0" marL="0" rtl="0" algn="r">
+              <a:spcBef>
+                <a:spcPts val="0"/>
+              </a:spcBef>
+              <a:spcAft>
+                <a:spcPts val="0"/>
+              </a:spcAft>
+              <a:buNone/>
+            </a:pPr>
+            <a:fld id="{00000000-1234-1234-1234-123412341234}" type="slidenum">
+              <a:rPr lang="en-US"/>
+              <a:t>‹#›</a:t>
+            </a:fld>
+            <a:endParaRPr/>
+          </a:p>
+        </p:txBody>
+      </p:sp>
     </p:spTree>
   </p:cSld>
   <p:clrMapOvr>
@@ -10085,7 +12402,7 @@
   <p:cSld name="TWO_OBJECTS_AND_OBJECT">
     <p:spTree>
       <p:nvGrpSpPr>
-        <p:cNvPr id="25" name="Shape 25"/>
+        <p:cNvPr id="32" name="Shape 32"/>
         <p:cNvGrpSpPr/>
         <p:nvPr/>
       </p:nvGrpSpPr>
@@ -10099,7 +12416,7 @@
       </p:grpSpPr>
       <p:sp>
         <p:nvSpPr>
-          <p:cNvPr id="26" name="Google Shape;26;p8"/>
+          <p:cNvPr id="33" name="Google Shape;33;p8"/>
           <p:cNvSpPr txBox="1"/>
           <p:nvPr>
             <p:ph type="title"/>
@@ -10228,7 +12545,7 @@
       </p:sp>
       <p:sp>
         <p:nvSpPr>
-          <p:cNvPr id="27" name="Google Shape;27;p8"/>
+          <p:cNvPr id="34" name="Google Shape;34;p8"/>
           <p:cNvSpPr txBox="1"/>
           <p:nvPr>
             <p:ph idx="1" type="body"/>
@@ -10357,7 +12674,7 @@
       </p:sp>
       <p:sp>
         <p:nvSpPr>
-          <p:cNvPr id="28" name="Google Shape;28;p8"/>
+          <p:cNvPr id="35" name="Google Shape;35;p8"/>
           <p:cNvSpPr txBox="1"/>
           <p:nvPr>
             <p:ph idx="2" type="body"/>
@@ -10486,7 +12803,7 @@
       </p:sp>
       <p:sp>
         <p:nvSpPr>
-          <p:cNvPr id="29" name="Google Shape;29;p8"/>
+          <p:cNvPr id="36" name="Google Shape;36;p8"/>
           <p:cNvSpPr txBox="1"/>
           <p:nvPr>
             <p:ph idx="3" type="body"/>
@@ -10613,6 +12930,83 @@
           <a:p/>
         </p:txBody>
       </p:sp>
+      <p:sp>
+        <p:nvSpPr>
+          <p:cNvPr id="37" name="Google Shape;37;p8"/>
+          <p:cNvSpPr txBox="1"/>
+          <p:nvPr>
+            <p:ph idx="12" type="sldNum"/>
+          </p:nvPr>
+        </p:nvSpPr>
+        <p:spPr>
+          <a:xfrm>
+            <a:off x="11409045" y="6333134"/>
+            <a:ext cx="731700" cy="525000"/>
+          </a:xfrm>
+          <a:prstGeom prst="rect">
+            <a:avLst/>
+          </a:prstGeom>
+        </p:spPr>
+        <p:txBody>
+          <a:bodyPr anchorCtr="0" anchor="t" bIns="91425" lIns="91425" spcFirstLastPara="1" rIns="91425" wrap="square" tIns="91425">
+            <a:noAutofit/>
+          </a:bodyPr>
+          <a:lstStyle>
+            <a:lvl1pPr lvl="0">
+              <a:buNone/>
+              <a:defRPr/>
+            </a:lvl1pPr>
+            <a:lvl2pPr lvl="1">
+              <a:buNone/>
+              <a:defRPr/>
+            </a:lvl2pPr>
+            <a:lvl3pPr lvl="2">
+              <a:buNone/>
+              <a:defRPr/>
+            </a:lvl3pPr>
+            <a:lvl4pPr lvl="3">
+              <a:buNone/>
+              <a:defRPr/>
+            </a:lvl4pPr>
+            <a:lvl5pPr lvl="4">
+              <a:buNone/>
+              <a:defRPr/>
+            </a:lvl5pPr>
+            <a:lvl6pPr lvl="5">
+              <a:buNone/>
+              <a:defRPr/>
+            </a:lvl6pPr>
+            <a:lvl7pPr lvl="6">
+              <a:buNone/>
+              <a:defRPr/>
+            </a:lvl7pPr>
+            <a:lvl8pPr lvl="7">
+              <a:buNone/>
+              <a:defRPr/>
+            </a:lvl8pPr>
+            <a:lvl9pPr lvl="8">
+              <a:buNone/>
+              <a:defRPr/>
+            </a:lvl9pPr>
+          </a:lstStyle>
+          <a:p>
+            <a:pPr indent="0" lvl="0" marL="0" rtl="0" algn="r">
+              <a:spcBef>
+                <a:spcPts val="0"/>
+              </a:spcBef>
+              <a:spcAft>
+                <a:spcPts val="0"/>
+              </a:spcAft>
+              <a:buNone/>
+            </a:pPr>
+            <a:fld id="{00000000-1234-1234-1234-123412341234}" type="slidenum">
+              <a:rPr lang="en-US"/>
+              <a:t>‹#›</a:t>
+            </a:fld>
+            <a:endParaRPr/>
+          </a:p>
+        </p:txBody>
+      </p:sp>
     </p:spTree>
   </p:cSld>
   <p:clrMapOvr>
@@ -10626,7 +13020,7 @@
   <p:cSld name="OBJECT_AND_TWO_OBJECTS">
     <p:spTree>
       <p:nvGrpSpPr>
-        <p:cNvPr id="30" name="Shape 30"/>
+        <p:cNvPr id="38" name="Shape 38"/>
         <p:cNvGrpSpPr/>
         <p:nvPr/>
       </p:nvGrpSpPr>
@@ -10640,7 +13034,7 @@
       </p:grpSpPr>
       <p:sp>
         <p:nvSpPr>
-          <p:cNvPr id="31" name="Google Shape;31;p9"/>
+          <p:cNvPr id="39" name="Google Shape;39;p9"/>
           <p:cNvSpPr txBox="1"/>
           <p:nvPr>
             <p:ph type="title"/>
@@ -10769,7 +13163,7 @@
       </p:sp>
       <p:sp>
         <p:nvSpPr>
-          <p:cNvPr id="32" name="Google Shape;32;p9"/>
+          <p:cNvPr id="40" name="Google Shape;40;p9"/>
           <p:cNvSpPr txBox="1"/>
           <p:nvPr>
             <p:ph idx="1" type="body"/>
@@ -10898,7 +13292,7 @@
       </p:sp>
       <p:sp>
         <p:nvSpPr>
-          <p:cNvPr id="33" name="Google Shape;33;p9"/>
+          <p:cNvPr id="41" name="Google Shape;41;p9"/>
           <p:cNvSpPr txBox="1"/>
           <p:nvPr>
             <p:ph idx="2" type="body"/>
@@ -11027,7 +13421,7 @@
       </p:sp>
       <p:sp>
         <p:nvSpPr>
-          <p:cNvPr id="34" name="Google Shape;34;p9"/>
+          <p:cNvPr id="42" name="Google Shape;42;p9"/>
           <p:cNvSpPr txBox="1"/>
           <p:nvPr>
             <p:ph idx="3" type="body"/>
@@ -11154,6 +13548,83 @@
           <a:p/>
         </p:txBody>
       </p:sp>
+      <p:sp>
+        <p:nvSpPr>
+          <p:cNvPr id="43" name="Google Shape;43;p9"/>
+          <p:cNvSpPr txBox="1"/>
+          <p:nvPr>
+            <p:ph idx="12" type="sldNum"/>
+          </p:nvPr>
+        </p:nvSpPr>
+        <p:spPr>
+          <a:xfrm>
+            <a:off x="11409045" y="6333134"/>
+            <a:ext cx="731700" cy="525000"/>
+          </a:xfrm>
+          <a:prstGeom prst="rect">
+            <a:avLst/>
+          </a:prstGeom>
+        </p:spPr>
+        <p:txBody>
+          <a:bodyPr anchorCtr="0" anchor="t" bIns="91425" lIns="91425" spcFirstLastPara="1" rIns="91425" wrap="square" tIns="91425">
+            <a:noAutofit/>
+          </a:bodyPr>
+          <a:lstStyle>
+            <a:lvl1pPr lvl="0">
+              <a:buNone/>
+              <a:defRPr/>
+            </a:lvl1pPr>
+            <a:lvl2pPr lvl="1">
+              <a:buNone/>
+              <a:defRPr/>
+            </a:lvl2pPr>
+            <a:lvl3pPr lvl="2">
+              <a:buNone/>
+              <a:defRPr/>
+            </a:lvl3pPr>
+            <a:lvl4pPr lvl="3">
+              <a:buNone/>
+              <a:defRPr/>
+            </a:lvl4pPr>
+            <a:lvl5pPr lvl="4">
+              <a:buNone/>
+              <a:defRPr/>
+            </a:lvl5pPr>
+            <a:lvl6pPr lvl="5">
+              <a:buNone/>
+              <a:defRPr/>
+            </a:lvl6pPr>
+            <a:lvl7pPr lvl="6">
+              <a:buNone/>
+              <a:defRPr/>
+            </a:lvl7pPr>
+            <a:lvl8pPr lvl="7">
+              <a:buNone/>
+              <a:defRPr/>
+            </a:lvl8pPr>
+            <a:lvl9pPr lvl="8">
+              <a:buNone/>
+              <a:defRPr/>
+            </a:lvl9pPr>
+          </a:lstStyle>
+          <a:p>
+            <a:pPr indent="0" lvl="0" marL="0" rtl="0" algn="r">
+              <a:spcBef>
+                <a:spcPts val="0"/>
+              </a:spcBef>
+              <a:spcAft>
+                <a:spcPts val="0"/>
+              </a:spcAft>
+              <a:buNone/>
+            </a:pPr>
+            <a:fld id="{00000000-1234-1234-1234-123412341234}" type="slidenum">
+              <a:rPr lang="en-US"/>
+              <a:t>‹#›</a:t>
+            </a:fld>
+            <a:endParaRPr/>
+          </a:p>
+        </p:txBody>
+      </p:sp>
     </p:spTree>
   </p:cSld>
   <p:clrMapOvr>
@@ -11167,7 +13638,7 @@
   <p:cSld name="TWO_OBJECTS_OVER_TEXT">
     <p:spTree>
       <p:nvGrpSpPr>
-        <p:cNvPr id="35" name="Shape 35"/>
+        <p:cNvPr id="44" name="Shape 44"/>
         <p:cNvGrpSpPr/>
         <p:nvPr/>
       </p:nvGrpSpPr>
@@ -11181,7 +13652,7 @@
       </p:grpSpPr>
       <p:sp>
         <p:nvSpPr>
-          <p:cNvPr id="36" name="Google Shape;36;p10"/>
+          <p:cNvPr id="45" name="Google Shape;45;p10"/>
           <p:cNvSpPr txBox="1"/>
           <p:nvPr>
             <p:ph type="title"/>
@@ -11310,7 +13781,7 @@
       </p:sp>
       <p:sp>
         <p:nvSpPr>
-          <p:cNvPr id="37" name="Google Shape;37;p10"/>
+          <p:cNvPr id="46" name="Google Shape;46;p10"/>
           <p:cNvSpPr txBox="1"/>
           <p:nvPr>
             <p:ph idx="1" type="body"/>
@@ -11439,7 +13910,7 @@
       </p:sp>
       <p:sp>
         <p:nvSpPr>
-          <p:cNvPr id="38" name="Google Shape;38;p10"/>
+          <p:cNvPr id="47" name="Google Shape;47;p10"/>
           <p:cNvSpPr txBox="1"/>
           <p:nvPr>
             <p:ph idx="2" type="body"/>
@@ -11568,7 +14039,7 @@
       </p:sp>
       <p:sp>
         <p:nvSpPr>
-          <p:cNvPr id="39" name="Google Shape;39;p10"/>
+          <p:cNvPr id="48" name="Google Shape;48;p10"/>
           <p:cNvSpPr txBox="1"/>
           <p:nvPr>
             <p:ph idx="3" type="body"/>
@@ -11693,6 +14164,83 @@
             </a:lvl9pPr>
           </a:lstStyle>
           <a:p/>
+        </p:txBody>
+      </p:sp>
+      <p:sp>
+        <p:nvSpPr>
+          <p:cNvPr id="49" name="Google Shape;49;p10"/>
+          <p:cNvSpPr txBox="1"/>
+          <p:nvPr>
+            <p:ph idx="12" type="sldNum"/>
+          </p:nvPr>
+        </p:nvSpPr>
+        <p:spPr>
+          <a:xfrm>
+            <a:off x="11409045" y="6333134"/>
+            <a:ext cx="731700" cy="525000"/>
+          </a:xfrm>
+          <a:prstGeom prst="rect">
+            <a:avLst/>
+          </a:prstGeom>
+        </p:spPr>
+        <p:txBody>
+          <a:bodyPr anchorCtr="0" anchor="t" bIns="91425" lIns="91425" spcFirstLastPara="1" rIns="91425" wrap="square" tIns="91425">
+            <a:noAutofit/>
+          </a:bodyPr>
+          <a:lstStyle>
+            <a:lvl1pPr lvl="0">
+              <a:buNone/>
+              <a:defRPr/>
+            </a:lvl1pPr>
+            <a:lvl2pPr lvl="1">
+              <a:buNone/>
+              <a:defRPr/>
+            </a:lvl2pPr>
+            <a:lvl3pPr lvl="2">
+              <a:buNone/>
+              <a:defRPr/>
+            </a:lvl3pPr>
+            <a:lvl4pPr lvl="3">
+              <a:buNone/>
+              <a:defRPr/>
+            </a:lvl4pPr>
+            <a:lvl5pPr lvl="4">
+              <a:buNone/>
+              <a:defRPr/>
+            </a:lvl5pPr>
+            <a:lvl6pPr lvl="5">
+              <a:buNone/>
+              <a:defRPr/>
+            </a:lvl6pPr>
+            <a:lvl7pPr lvl="6">
+              <a:buNone/>
+              <a:defRPr/>
+            </a:lvl7pPr>
+            <a:lvl8pPr lvl="7">
+              <a:buNone/>
+              <a:defRPr/>
+            </a:lvl8pPr>
+            <a:lvl9pPr lvl="8">
+              <a:buNone/>
+              <a:defRPr/>
+            </a:lvl9pPr>
+          </a:lstStyle>
+          <a:p>
+            <a:pPr indent="0" lvl="0" marL="0" rtl="0" algn="r">
+              <a:spcBef>
+                <a:spcPts val="0"/>
+              </a:spcBef>
+              <a:spcAft>
+                <a:spcPts val="0"/>
+              </a:spcAft>
+              <a:buNone/>
+            </a:pPr>
+            <a:fld id="{00000000-1234-1234-1234-123412341234}" type="slidenum">
+              <a:rPr lang="en-US"/>
+              <a:t>‹#›</a:t>
+            </a:fld>
+            <a:endParaRPr/>
+          </a:p>
         </p:txBody>
       </p:sp>
     </p:spTree>
@@ -12060,6 +14608,87 @@
           <a:p/>
         </p:txBody>
       </p:sp>
+      <p:sp>
+        <p:nvSpPr>
+          <p:cNvPr id="10" name="Google Shape;10;p1"/>
+          <p:cNvSpPr txBox="1"/>
+          <p:nvPr>
+            <p:ph idx="12" type="sldNum"/>
+          </p:nvPr>
+        </p:nvSpPr>
+        <p:spPr>
+          <a:xfrm>
+            <a:off x="11409045" y="6333134"/>
+            <a:ext cx="731700" cy="525000"/>
+          </a:xfrm>
+          <a:prstGeom prst="rect">
+            <a:avLst/>
+          </a:prstGeom>
+          <a:noFill/>
+          <a:ln>
+            <a:noFill/>
+          </a:ln>
+        </p:spPr>
+        <p:txBody>
+          <a:bodyPr anchorCtr="0" anchor="t" bIns="91425" lIns="91425" spcFirstLastPara="1" rIns="91425" wrap="square" tIns="91425">
+            <a:noAutofit/>
+          </a:bodyPr>
+          <a:lstStyle>
+            <a:lvl1pPr lvl="0" algn="r">
+              <a:buNone/>
+              <a:defRPr sz="1300"/>
+            </a:lvl1pPr>
+            <a:lvl2pPr lvl="1" algn="r">
+              <a:buNone/>
+              <a:defRPr sz="1300"/>
+            </a:lvl2pPr>
+            <a:lvl3pPr lvl="2" algn="r">
+              <a:buNone/>
+              <a:defRPr sz="1300"/>
+            </a:lvl3pPr>
+            <a:lvl4pPr lvl="3" algn="r">
+              <a:buNone/>
+              <a:defRPr sz="1300"/>
+            </a:lvl4pPr>
+            <a:lvl5pPr lvl="4" algn="r">
+              <a:buNone/>
+              <a:defRPr sz="1300"/>
+            </a:lvl5pPr>
+            <a:lvl6pPr lvl="5" algn="r">
+              <a:buNone/>
+              <a:defRPr sz="1300"/>
+            </a:lvl6pPr>
+            <a:lvl7pPr lvl="6" algn="r">
+              <a:buNone/>
+              <a:defRPr sz="1300"/>
+            </a:lvl7pPr>
+            <a:lvl8pPr lvl="7" algn="r">
+              <a:buNone/>
+              <a:defRPr sz="1300"/>
+            </a:lvl8pPr>
+            <a:lvl9pPr lvl="8" algn="r">
+              <a:buNone/>
+              <a:defRPr sz="1300"/>
+            </a:lvl9pPr>
+          </a:lstStyle>
+          <a:p>
+            <a:pPr indent="0" lvl="0" marL="0" rtl="0" algn="r">
+              <a:spcBef>
+                <a:spcPts val="0"/>
+              </a:spcBef>
+              <a:spcAft>
+                <a:spcPts val="0"/>
+              </a:spcAft>
+              <a:buNone/>
+            </a:pPr>
+            <a:fld id="{00000000-1234-1234-1234-123412341234}" type="slidenum">
+              <a:rPr lang="en-US"/>
+              <a:t>‹#›</a:t>
+            </a:fld>
+            <a:endParaRPr/>
+          </a:p>
+        </p:txBody>
+      </p:sp>
     </p:spTree>
   </p:cSld>
   <p:clrMap accent1="accent1" accent2="accent2" accent3="accent3" accent4="accent4" accent5="accent5" accent6="accent6" bg1="lt1" bg2="dk2" tx1="dk1" tx2="lt2" folHlink="folHlink" hlink="hlink"/>
@@ -12077,7 +14706,7 @@
     <p:sldLayoutId id="2147483658" r:id="rId12"/>
     <p:sldLayoutId id="2147483659" r:id="rId13"/>
   </p:sldLayoutIdLst>
-  <p:hf dt="0" ftr="0" hdr="0" sldNum="0"/>
+  <p:hf dt="0" ftr="0" hdr="0"/>
   <p:txStyles>
     <p:titleStyle>
       <a:defPPr lvl="0" marR="0" rtl="0" algn="l">
@@ -12782,7 +15411,7 @@
     </p:bg>
     <p:spTree>
       <p:nvGrpSpPr>
-        <p:cNvPr id="58" name="Shape 58"/>
+        <p:cNvPr id="71" name="Shape 71"/>
         <p:cNvGrpSpPr/>
         <p:nvPr/>
       </p:nvGrpSpPr>
@@ -12796,7 +15425,7 @@
       </p:grpSpPr>
       <p:sp>
         <p:nvSpPr>
-          <p:cNvPr id="59" name="Google Shape;59;p14"/>
+          <p:cNvPr id="72" name="Google Shape;72;p14"/>
           <p:cNvSpPr/>
           <p:nvPr/>
         </p:nvSpPr>
@@ -12844,7 +15473,7 @@
       </p:sp>
       <p:sp>
         <p:nvSpPr>
-          <p:cNvPr id="60" name="Google Shape;60;p14"/>
+          <p:cNvPr id="73" name="Google Shape;73;p14"/>
           <p:cNvSpPr txBox="1"/>
           <p:nvPr>
             <p:ph type="title"/>
@@ -12973,7 +15602,7 @@
       </p:sp>
       <p:sp>
         <p:nvSpPr>
-          <p:cNvPr id="61" name="Google Shape;61;p14"/>
+          <p:cNvPr id="74" name="Google Shape;74;p14"/>
           <p:cNvSpPr txBox="1"/>
           <p:nvPr>
             <p:ph idx="1" type="body"/>
@@ -13100,6 +15729,87 @@
           <a:p/>
         </p:txBody>
       </p:sp>
+      <p:sp>
+        <p:nvSpPr>
+          <p:cNvPr id="75" name="Google Shape;75;p14"/>
+          <p:cNvSpPr txBox="1"/>
+          <p:nvPr>
+            <p:ph idx="12" type="sldNum"/>
+          </p:nvPr>
+        </p:nvSpPr>
+        <p:spPr>
+          <a:xfrm>
+            <a:off x="11409045" y="6333134"/>
+            <a:ext cx="731700" cy="525000"/>
+          </a:xfrm>
+          <a:prstGeom prst="rect">
+            <a:avLst/>
+          </a:prstGeom>
+          <a:noFill/>
+          <a:ln>
+            <a:noFill/>
+          </a:ln>
+        </p:spPr>
+        <p:txBody>
+          <a:bodyPr anchorCtr="0" anchor="t" bIns="91425" lIns="91425" spcFirstLastPara="1" rIns="91425" wrap="square" tIns="91425">
+            <a:noAutofit/>
+          </a:bodyPr>
+          <a:lstStyle>
+            <a:lvl1pPr lvl="0" algn="r">
+              <a:buNone/>
+              <a:defRPr sz="1300"/>
+            </a:lvl1pPr>
+            <a:lvl2pPr lvl="1" algn="r">
+              <a:buNone/>
+              <a:defRPr sz="1300"/>
+            </a:lvl2pPr>
+            <a:lvl3pPr lvl="2" algn="r">
+              <a:buNone/>
+              <a:defRPr sz="1300"/>
+            </a:lvl3pPr>
+            <a:lvl4pPr lvl="3" algn="r">
+              <a:buNone/>
+              <a:defRPr sz="1300"/>
+            </a:lvl4pPr>
+            <a:lvl5pPr lvl="4" algn="r">
+              <a:buNone/>
+              <a:defRPr sz="1300"/>
+            </a:lvl5pPr>
+            <a:lvl6pPr lvl="5" algn="r">
+              <a:buNone/>
+              <a:defRPr sz="1300"/>
+            </a:lvl6pPr>
+            <a:lvl7pPr lvl="6" algn="r">
+              <a:buNone/>
+              <a:defRPr sz="1300"/>
+            </a:lvl7pPr>
+            <a:lvl8pPr lvl="7" algn="r">
+              <a:buNone/>
+              <a:defRPr sz="1300"/>
+            </a:lvl8pPr>
+            <a:lvl9pPr lvl="8" algn="r">
+              <a:buNone/>
+              <a:defRPr sz="1300"/>
+            </a:lvl9pPr>
+          </a:lstStyle>
+          <a:p>
+            <a:pPr indent="0" lvl="0" marL="0" rtl="0" algn="r">
+              <a:spcBef>
+                <a:spcPts val="0"/>
+              </a:spcBef>
+              <a:spcAft>
+                <a:spcPts val="0"/>
+              </a:spcAft>
+              <a:buNone/>
+            </a:pPr>
+            <a:fld id="{00000000-1234-1234-1234-123412341234}" type="slidenum">
+              <a:rPr lang="en-US"/>
+              <a:t>‹#›</a:t>
+            </a:fld>
+            <a:endParaRPr/>
+          </a:p>
+        </p:txBody>
+      </p:sp>
     </p:spTree>
   </p:cSld>
   <p:clrMap accent1="accent1" accent2="accent2" accent3="accent3" accent4="accent4" accent5="accent5" accent6="accent6" bg1="lt1" bg2="dk2" tx1="dk1" tx2="lt2" folHlink="folHlink" hlink="hlink"/>
@@ -13117,7 +15827,7 @@
     <p:sldLayoutId id="2147483670" r:id="rId11"/>
     <p:sldLayoutId id="2147483671" r:id="rId12"/>
   </p:sldLayoutIdLst>
-  <p:hf dt="0" ftr="0" hdr="0" sldNum="0"/>
+  <p:hf dt="0" ftr="0" hdr="0"/>
   <p:txStyles>
     <p:titleStyle>
       <a:defPPr lvl="0" marR="0" rtl="0" algn="l">
@@ -13815,7 +16525,7 @@
   <p:cSld>
     <p:spTree>
       <p:nvGrpSpPr>
-        <p:cNvPr id="113" name="Shape 113"/>
+        <p:cNvPr id="139" name="Shape 139"/>
         <p:cNvGrpSpPr/>
         <p:nvPr/>
       </p:nvGrpSpPr>
@@ -13829,7 +16539,7 @@
       </p:grpSpPr>
       <p:sp>
         <p:nvSpPr>
-          <p:cNvPr id="114" name="Google Shape;114;p27"/>
+          <p:cNvPr id="140" name="Google Shape;140;p27"/>
           <p:cNvSpPr txBox="1"/>
           <p:nvPr/>
         </p:nvSpPr>
@@ -13890,7 +16600,7 @@
       </p:sp>
       <p:sp>
         <p:nvSpPr>
-          <p:cNvPr id="115" name="Google Shape;115;p27"/>
+          <p:cNvPr id="141" name="Google Shape;141;p27"/>
           <p:cNvSpPr txBox="1"/>
           <p:nvPr/>
         </p:nvSpPr>
@@ -14001,6 +16711,46 @@
           </a:p>
         </p:txBody>
       </p:sp>
+      <p:sp>
+        <p:nvSpPr>
+          <p:cNvPr id="142" name="Google Shape;142;p27"/>
+          <p:cNvSpPr txBox="1"/>
+          <p:nvPr>
+            <p:ph idx="12" type="sldNum"/>
+          </p:nvPr>
+        </p:nvSpPr>
+        <p:spPr>
+          <a:xfrm>
+            <a:off x="11409045" y="6333134"/>
+            <a:ext cx="731700" cy="525000"/>
+          </a:xfrm>
+          <a:prstGeom prst="rect">
+            <a:avLst/>
+          </a:prstGeom>
+        </p:spPr>
+        <p:txBody>
+          <a:bodyPr anchorCtr="0" anchor="t" bIns="91425" lIns="91425" spcFirstLastPara="1" rIns="91425" wrap="square" tIns="91425">
+            <a:noAutofit/>
+          </a:bodyPr>
+          <a:lstStyle/>
+          <a:p>
+            <a:pPr indent="0" lvl="0" marL="0" rtl="0" algn="r">
+              <a:spcBef>
+                <a:spcPts val="0"/>
+              </a:spcBef>
+              <a:spcAft>
+                <a:spcPts val="0"/>
+              </a:spcAft>
+              <a:buNone/>
+            </a:pPr>
+            <a:fld id="{00000000-1234-1234-1234-123412341234}" type="slidenum">
+              <a:rPr lang="en-US"/>
+              <a:t>‹#›</a:t>
+            </a:fld>
+            <a:endParaRPr/>
+          </a:p>
+        </p:txBody>
+      </p:sp>
     </p:spTree>
   </p:cSld>
   <p:clrMapOvr>
@@ -14014,7 +16764,7 @@
   <p:cSld>
     <p:spTree>
       <p:nvGrpSpPr>
-        <p:cNvPr id="180" name="Shape 180"/>
+        <p:cNvPr id="220" name="Shape 220"/>
         <p:cNvGrpSpPr/>
         <p:nvPr/>
       </p:nvGrpSpPr>
@@ -14028,7 +16778,7 @@
       </p:grpSpPr>
       <p:sp>
         <p:nvSpPr>
-          <p:cNvPr id="181" name="Google Shape;181;p36"/>
+          <p:cNvPr id="221" name="Google Shape;221;p36"/>
           <p:cNvSpPr txBox="1"/>
           <p:nvPr/>
         </p:nvSpPr>
@@ -14064,7 +16814,7 @@
               <a:buNone/>
             </a:pPr>
             <a:r>
-              <a:rPr b="0" lang="en-US" sz="2800" strike="noStrike">
+              <a:rPr lang="en-US" sz="2800">
                 <a:solidFill>
                   <a:srgbClr val="004F9B"/>
                 </a:solidFill>
@@ -14073,7 +16823,7 @@
                 <a:cs typeface="Tahoma"/>
                 <a:sym typeface="Tahoma"/>
               </a:rPr>
-              <a:t>Training </a:t>
+              <a:t>Siamese Network</a:t>
             </a:r>
             <a:endParaRPr b="0" sz="2800" strike="noStrike">
               <a:solidFill>
@@ -14089,14 +16839,14 @@
       </p:sp>
       <p:sp>
         <p:nvSpPr>
-          <p:cNvPr id="182" name="Google Shape;182;p36"/>
+          <p:cNvPr id="222" name="Google Shape;222;p36"/>
           <p:cNvSpPr txBox="1"/>
           <p:nvPr/>
         </p:nvSpPr>
         <p:spPr>
           <a:xfrm>
-            <a:off x="838080" y="1825560"/>
-            <a:ext cx="10515240" cy="4350960"/>
+            <a:off x="838055" y="1825560"/>
+            <a:ext cx="10515300" cy="4350900"/>
           </a:xfrm>
           <a:prstGeom prst="rect">
             <a:avLst/>
@@ -14119,6 +16869,10 @@
               <a:spcAft>
                 <a:spcPts val="0"/>
               </a:spcAft>
+              <a:buClr>
+                <a:srgbClr val="000000"/>
+              </a:buClr>
+              <a:buFont typeface="Arial"/>
               <a:buNone/>
             </a:pPr>
             <a:r>
@@ -14136,6 +16890,596 @@
           </a:p>
         </p:txBody>
       </p:sp>
+      <p:pic>
+        <p:nvPicPr>
+          <p:cNvPr id="223" name="Google Shape;223;p36"/>
+          <p:cNvPicPr preferRelativeResize="0"/>
+          <p:nvPr/>
+        </p:nvPicPr>
+        <p:blipFill>
+          <a:blip r:embed="rId3">
+            <a:alphaModFix/>
+          </a:blip>
+          <a:stretch>
+            <a:fillRect/>
+          </a:stretch>
+        </p:blipFill>
+        <p:spPr>
+          <a:xfrm>
+            <a:off x="1015525" y="1690199"/>
+            <a:ext cx="6037675" cy="2114925"/>
+          </a:xfrm>
+          <a:prstGeom prst="rect">
+            <a:avLst/>
+          </a:prstGeom>
+          <a:noFill/>
+          <a:ln>
+            <a:noFill/>
+          </a:ln>
+        </p:spPr>
+      </p:pic>
+      <p:pic>
+        <p:nvPicPr>
+          <p:cNvPr id="224" name="Google Shape;224;p36"/>
+          <p:cNvPicPr preferRelativeResize="0"/>
+          <p:nvPr/>
+        </p:nvPicPr>
+        <p:blipFill>
+          <a:blip r:embed="rId4">
+            <a:alphaModFix/>
+          </a:blip>
+          <a:stretch>
+            <a:fillRect/>
+          </a:stretch>
+        </p:blipFill>
+        <p:spPr>
+          <a:xfrm>
+            <a:off x="1015525" y="3805124"/>
+            <a:ext cx="6037628" cy="2114925"/>
+          </a:xfrm>
+          <a:prstGeom prst="rect">
+            <a:avLst/>
+          </a:prstGeom>
+          <a:noFill/>
+          <a:ln>
+            <a:noFill/>
+          </a:ln>
+        </p:spPr>
+      </p:pic>
+      <p:sp>
+        <p:nvSpPr>
+          <p:cNvPr id="225" name="Google Shape;225;p36"/>
+          <p:cNvSpPr/>
+          <p:nvPr/>
+        </p:nvSpPr>
+        <p:spPr>
+          <a:xfrm>
+            <a:off x="7931075" y="3645950"/>
+            <a:ext cx="1513200" cy="557700"/>
+          </a:xfrm>
+          <a:prstGeom prst="roundRect">
+            <a:avLst>
+              <a:gd fmla="val 16667" name="adj"/>
+            </a:avLst>
+          </a:prstGeom>
+          <a:solidFill>
+            <a:schemeClr val="lt2"/>
+          </a:solidFill>
+          <a:ln cap="flat" cmpd="sng" w="9525">
+            <a:solidFill>
+              <a:schemeClr val="dk2"/>
+            </a:solidFill>
+            <a:prstDash val="solid"/>
+            <a:round/>
+            <a:headEnd len="sm" w="sm" type="none"/>
+            <a:tailEnd len="sm" w="sm" type="none"/>
+          </a:ln>
+        </p:spPr>
+        <p:txBody>
+          <a:bodyPr anchorCtr="0" anchor="ctr" bIns="91425" lIns="91425" spcFirstLastPara="1" rIns="91425" wrap="square" tIns="91425">
+            <a:noAutofit/>
+          </a:bodyPr>
+          <a:lstStyle/>
+          <a:p>
+            <a:pPr indent="0" lvl="0" marL="0" rtl="0" algn="l">
+              <a:spcBef>
+                <a:spcPts val="0"/>
+              </a:spcBef>
+              <a:spcAft>
+                <a:spcPts val="0"/>
+              </a:spcAft>
+              <a:buNone/>
+            </a:pPr>
+            <a:r>
+              <a:rPr lang="en-US"/>
+              <a:t>Contrastive loss</a:t>
+            </a:r>
+            <a:endParaRPr/>
+          </a:p>
+        </p:txBody>
+      </p:sp>
+      <p:cxnSp>
+        <p:nvCxnSpPr>
+          <p:cNvPr id="226" name="Google Shape;226;p36"/>
+          <p:cNvCxnSpPr/>
+          <p:nvPr/>
+        </p:nvCxnSpPr>
+        <p:spPr>
+          <a:xfrm>
+            <a:off x="7021375" y="3120900"/>
+            <a:ext cx="819000" cy="522900"/>
+          </a:xfrm>
+          <a:prstGeom prst="straightConnector1">
+            <a:avLst/>
+          </a:prstGeom>
+          <a:noFill/>
+          <a:ln cap="flat" cmpd="sng" w="9525">
+            <a:solidFill>
+              <a:schemeClr val="dk2"/>
+            </a:solidFill>
+            <a:prstDash val="solid"/>
+            <a:round/>
+            <a:headEnd len="med" w="med" type="none"/>
+            <a:tailEnd len="med" w="med" type="triangle"/>
+          </a:ln>
+        </p:spPr>
+      </p:cxnSp>
+      <p:cxnSp>
+        <p:nvCxnSpPr>
+          <p:cNvPr id="227" name="Google Shape;227;p36"/>
+          <p:cNvCxnSpPr/>
+          <p:nvPr/>
+        </p:nvCxnSpPr>
+        <p:spPr>
+          <a:xfrm flipH="1" rot="10800000">
+            <a:off x="6976953" y="4390986"/>
+            <a:ext cx="858000" cy="395400"/>
+          </a:xfrm>
+          <a:prstGeom prst="straightConnector1">
+            <a:avLst/>
+          </a:prstGeom>
+          <a:noFill/>
+          <a:ln cap="flat" cmpd="sng" w="9525">
+            <a:solidFill>
+              <a:schemeClr val="dk2"/>
+            </a:solidFill>
+            <a:prstDash val="solid"/>
+            <a:round/>
+            <a:headEnd len="med" w="med" type="none"/>
+            <a:tailEnd len="med" w="med" type="triangle"/>
+          </a:ln>
+        </p:spPr>
+      </p:cxnSp>
+      <p:sp>
+        <p:nvSpPr>
+          <p:cNvPr id="228" name="Google Shape;228;p36"/>
+          <p:cNvSpPr/>
+          <p:nvPr/>
+        </p:nvSpPr>
+        <p:spPr>
+          <a:xfrm>
+            <a:off x="9666425" y="3851125"/>
+            <a:ext cx="1610700" cy="265200"/>
+          </a:xfrm>
+          <a:prstGeom prst="roundRect">
+            <a:avLst>
+              <a:gd fmla="val 16667" name="adj"/>
+            </a:avLst>
+          </a:prstGeom>
+          <a:solidFill>
+            <a:schemeClr val="lt2"/>
+          </a:solidFill>
+          <a:ln cap="flat" cmpd="sng" w="9525">
+            <a:solidFill>
+              <a:schemeClr val="dk2"/>
+            </a:solidFill>
+            <a:prstDash val="solid"/>
+            <a:round/>
+            <a:headEnd len="sm" w="sm" type="none"/>
+            <a:tailEnd len="sm" w="sm" type="none"/>
+          </a:ln>
+        </p:spPr>
+        <p:txBody>
+          <a:bodyPr anchorCtr="0" anchor="ctr" bIns="91425" lIns="91425" spcFirstLastPara="1" rIns="91425" wrap="square" tIns="91425">
+            <a:noAutofit/>
+          </a:bodyPr>
+          <a:lstStyle/>
+          <a:p>
+            <a:pPr indent="0" lvl="0" marL="0" rtl="0" algn="l">
+              <a:spcBef>
+                <a:spcPts val="0"/>
+              </a:spcBef>
+              <a:spcAft>
+                <a:spcPts val="0"/>
+              </a:spcAft>
+              <a:buNone/>
+            </a:pPr>
+            <a:r>
+              <a:rPr lang="en-US"/>
+              <a:t>Similarity Score</a:t>
+            </a:r>
+            <a:endParaRPr/>
+          </a:p>
+        </p:txBody>
+      </p:sp>
+      <p:cxnSp>
+        <p:nvCxnSpPr>
+          <p:cNvPr id="229" name="Google Shape;229;p36"/>
+          <p:cNvCxnSpPr/>
+          <p:nvPr/>
+        </p:nvCxnSpPr>
+        <p:spPr>
+          <a:xfrm>
+            <a:off x="9441675" y="3956375"/>
+            <a:ext cx="227100" cy="9900"/>
+          </a:xfrm>
+          <a:prstGeom prst="straightConnector1">
+            <a:avLst/>
+          </a:prstGeom>
+          <a:noFill/>
+          <a:ln cap="flat" cmpd="sng" w="9525">
+            <a:solidFill>
+              <a:schemeClr val="dk2"/>
+            </a:solidFill>
+            <a:prstDash val="solid"/>
+            <a:round/>
+            <a:headEnd len="med" w="med" type="none"/>
+            <a:tailEnd len="med" w="med" type="triangle"/>
+          </a:ln>
+        </p:spPr>
+      </p:cxnSp>
+      <p:sp>
+        <p:nvSpPr>
+          <p:cNvPr id="230" name="Google Shape;230;p36"/>
+          <p:cNvSpPr/>
+          <p:nvPr/>
+        </p:nvSpPr>
+        <p:spPr>
+          <a:xfrm>
+            <a:off x="3374725" y="3328125"/>
+            <a:ext cx="197400" cy="1144800"/>
+          </a:xfrm>
+          <a:prstGeom prst="upDownArrow">
+            <a:avLst>
+              <a:gd fmla="val 50000" name="adj1"/>
+              <a:gd fmla="val 50000" name="adj2"/>
+            </a:avLst>
+          </a:prstGeom>
+          <a:solidFill>
+            <a:schemeClr val="lt2"/>
+          </a:solidFill>
+          <a:ln cap="flat" cmpd="sng" w="9525">
+            <a:solidFill>
+              <a:schemeClr val="dk2"/>
+            </a:solidFill>
+            <a:prstDash val="solid"/>
+            <a:round/>
+            <a:headEnd len="sm" w="sm" type="none"/>
+            <a:tailEnd len="sm" w="sm" type="none"/>
+          </a:ln>
+        </p:spPr>
+        <p:txBody>
+          <a:bodyPr anchorCtr="0" anchor="ctr" bIns="91425" lIns="91425" spcFirstLastPara="1" rIns="91425" wrap="square" tIns="91425">
+            <a:noAutofit/>
+          </a:bodyPr>
+          <a:lstStyle/>
+          <a:p>
+            <a:pPr indent="0" lvl="0" marL="0" rtl="0" algn="l">
+              <a:spcBef>
+                <a:spcPts val="0"/>
+              </a:spcBef>
+              <a:spcAft>
+                <a:spcPts val="0"/>
+              </a:spcAft>
+              <a:buNone/>
+            </a:pPr>
+            <a:r>
+              <a:t/>
+            </a:r>
+            <a:endParaRPr/>
+          </a:p>
+        </p:txBody>
+      </p:sp>
+      <p:sp>
+        <p:nvSpPr>
+          <p:cNvPr id="231" name="Google Shape;231;p36"/>
+          <p:cNvSpPr/>
+          <p:nvPr/>
+        </p:nvSpPr>
+        <p:spPr>
+          <a:xfrm>
+            <a:off x="3572125" y="3750375"/>
+            <a:ext cx="1095300" cy="265200"/>
+          </a:xfrm>
+          <a:prstGeom prst="roundRect">
+            <a:avLst>
+              <a:gd fmla="val 16667" name="adj"/>
+            </a:avLst>
+          </a:prstGeom>
+          <a:solidFill>
+            <a:schemeClr val="lt2"/>
+          </a:solidFill>
+          <a:ln cap="flat" cmpd="sng" w="9525">
+            <a:solidFill>
+              <a:schemeClr val="dk2"/>
+            </a:solidFill>
+            <a:prstDash val="solid"/>
+            <a:round/>
+            <a:headEnd len="sm" w="sm" type="none"/>
+            <a:tailEnd len="sm" w="sm" type="none"/>
+          </a:ln>
+        </p:spPr>
+        <p:txBody>
+          <a:bodyPr anchorCtr="0" anchor="ctr" bIns="91425" lIns="91425" spcFirstLastPara="1" rIns="91425" wrap="square" tIns="91425">
+            <a:noAutofit/>
+          </a:bodyPr>
+          <a:lstStyle/>
+          <a:p>
+            <a:pPr indent="0" lvl="0" marL="0" rtl="0" algn="l">
+              <a:spcBef>
+                <a:spcPts val="0"/>
+              </a:spcBef>
+              <a:spcAft>
+                <a:spcPts val="0"/>
+              </a:spcAft>
+              <a:buNone/>
+            </a:pPr>
+            <a:r>
+              <a:rPr lang="en-US" sz="1000"/>
+              <a:t>Shared weights</a:t>
+            </a:r>
+            <a:endParaRPr sz="1000"/>
+          </a:p>
+        </p:txBody>
+      </p:sp>
+      <p:sp>
+        <p:nvSpPr>
+          <p:cNvPr id="232" name="Google Shape;232;p36"/>
+          <p:cNvSpPr txBox="1"/>
+          <p:nvPr>
+            <p:ph idx="12" type="sldNum"/>
+          </p:nvPr>
+        </p:nvSpPr>
+        <p:spPr>
+          <a:xfrm>
+            <a:off x="11409045" y="6333134"/>
+            <a:ext cx="731700" cy="525000"/>
+          </a:xfrm>
+          <a:prstGeom prst="rect">
+            <a:avLst/>
+          </a:prstGeom>
+        </p:spPr>
+        <p:txBody>
+          <a:bodyPr anchorCtr="0" anchor="t" bIns="91425" lIns="91425" spcFirstLastPara="1" rIns="91425" wrap="square" tIns="91425">
+            <a:noAutofit/>
+          </a:bodyPr>
+          <a:lstStyle/>
+          <a:p>
+            <a:pPr indent="0" lvl="0" marL="0" rtl="0" algn="r">
+              <a:spcBef>
+                <a:spcPts val="0"/>
+              </a:spcBef>
+              <a:spcAft>
+                <a:spcPts val="0"/>
+              </a:spcAft>
+              <a:buNone/>
+            </a:pPr>
+            <a:fld id="{00000000-1234-1234-1234-123412341234}" type="slidenum">
+              <a:rPr lang="en-US"/>
+              <a:t>‹#›</a:t>
+            </a:fld>
+            <a:endParaRPr/>
+          </a:p>
+        </p:txBody>
+      </p:sp>
+      <p:sp>
+        <p:nvSpPr>
+          <p:cNvPr id="233" name="Google Shape;233;p36"/>
+          <p:cNvSpPr/>
+          <p:nvPr/>
+        </p:nvSpPr>
+        <p:spPr>
+          <a:xfrm>
+            <a:off x="3021475" y="1934750"/>
+            <a:ext cx="903900" cy="265200"/>
+          </a:xfrm>
+          <a:prstGeom prst="roundRect">
+            <a:avLst>
+              <a:gd fmla="val 16667" name="adj"/>
+            </a:avLst>
+          </a:prstGeom>
+          <a:solidFill>
+            <a:schemeClr val="lt2"/>
+          </a:solidFill>
+          <a:ln cap="flat" cmpd="sng" w="9525">
+            <a:solidFill>
+              <a:schemeClr val="dk2"/>
+            </a:solidFill>
+            <a:prstDash val="solid"/>
+            <a:round/>
+            <a:headEnd len="sm" w="sm" type="none"/>
+            <a:tailEnd len="sm" w="sm" type="none"/>
+          </a:ln>
+        </p:spPr>
+        <p:txBody>
+          <a:bodyPr anchorCtr="0" anchor="ctr" bIns="91425" lIns="91425" spcFirstLastPara="1" rIns="91425" wrap="square" tIns="91425">
+            <a:noAutofit/>
+          </a:bodyPr>
+          <a:lstStyle/>
+          <a:p>
+            <a:pPr indent="0" lvl="0" marL="0" rtl="0" algn="l">
+              <a:spcBef>
+                <a:spcPts val="0"/>
+              </a:spcBef>
+              <a:spcAft>
+                <a:spcPts val="0"/>
+              </a:spcAft>
+              <a:buNone/>
+            </a:pPr>
+            <a:r>
+              <a:rPr lang="en-US"/>
+              <a:t>Convnet</a:t>
+            </a:r>
+            <a:endParaRPr/>
+          </a:p>
+        </p:txBody>
+      </p:sp>
+      <p:sp>
+        <p:nvSpPr>
+          <p:cNvPr id="234" name="Google Shape;234;p36"/>
+          <p:cNvSpPr/>
+          <p:nvPr/>
+        </p:nvSpPr>
+        <p:spPr>
+          <a:xfrm>
+            <a:off x="3021475" y="5654850"/>
+            <a:ext cx="903900" cy="265200"/>
+          </a:xfrm>
+          <a:prstGeom prst="roundRect">
+            <a:avLst>
+              <a:gd fmla="val 16667" name="adj"/>
+            </a:avLst>
+          </a:prstGeom>
+          <a:solidFill>
+            <a:schemeClr val="lt2"/>
+          </a:solidFill>
+          <a:ln cap="flat" cmpd="sng" w="9525">
+            <a:solidFill>
+              <a:schemeClr val="dk2"/>
+            </a:solidFill>
+            <a:prstDash val="solid"/>
+            <a:round/>
+            <a:headEnd len="sm" w="sm" type="none"/>
+            <a:tailEnd len="sm" w="sm" type="none"/>
+          </a:ln>
+        </p:spPr>
+        <p:txBody>
+          <a:bodyPr anchorCtr="0" anchor="ctr" bIns="91425" lIns="91425" spcFirstLastPara="1" rIns="91425" wrap="square" tIns="91425">
+            <a:noAutofit/>
+          </a:bodyPr>
+          <a:lstStyle/>
+          <a:p>
+            <a:pPr indent="0" lvl="0" marL="0" rtl="0" algn="l">
+              <a:spcBef>
+                <a:spcPts val="0"/>
+              </a:spcBef>
+              <a:spcAft>
+                <a:spcPts val="0"/>
+              </a:spcAft>
+              <a:buNone/>
+            </a:pPr>
+            <a:r>
+              <a:rPr lang="en-US"/>
+              <a:t>Convnet</a:t>
+            </a:r>
+            <a:endParaRPr/>
+          </a:p>
+        </p:txBody>
+      </p:sp>
+      <p:sp>
+        <p:nvSpPr>
+          <p:cNvPr id="235" name="Google Shape;235;p36"/>
+          <p:cNvSpPr/>
+          <p:nvPr/>
+        </p:nvSpPr>
+        <p:spPr>
+          <a:xfrm>
+            <a:off x="7021375" y="2462000"/>
+            <a:ext cx="819000" cy="265200"/>
+          </a:xfrm>
+          <a:prstGeom prst="roundRect">
+            <a:avLst>
+              <a:gd fmla="val 16667" name="adj"/>
+            </a:avLst>
+          </a:prstGeom>
+          <a:solidFill>
+            <a:schemeClr val="lt2"/>
+          </a:solidFill>
+          <a:ln cap="flat" cmpd="sng" w="9525">
+            <a:solidFill>
+              <a:schemeClr val="dk2"/>
+            </a:solidFill>
+            <a:prstDash val="solid"/>
+            <a:round/>
+            <a:headEnd len="sm" w="sm" type="none"/>
+            <a:tailEnd len="sm" w="sm" type="none"/>
+          </a:ln>
+        </p:spPr>
+        <p:txBody>
+          <a:bodyPr anchorCtr="0" anchor="ctr" bIns="91425" lIns="91425" spcFirstLastPara="1" rIns="91425" wrap="square" tIns="91425">
+            <a:noAutofit/>
+          </a:bodyPr>
+          <a:lstStyle/>
+          <a:p>
+            <a:pPr indent="0" lvl="0" marL="0" rtl="0" algn="l">
+              <a:spcBef>
+                <a:spcPts val="0"/>
+              </a:spcBef>
+              <a:spcAft>
+                <a:spcPts val="0"/>
+              </a:spcAft>
+              <a:buNone/>
+            </a:pPr>
+            <a:r>
+              <a:rPr lang="en-US" sz="1000"/>
+              <a:t>Encoding</a:t>
+            </a:r>
+            <a:endParaRPr sz="1000"/>
+          </a:p>
+        </p:txBody>
+      </p:sp>
+      <p:sp>
+        <p:nvSpPr>
+          <p:cNvPr id="236" name="Google Shape;236;p36"/>
+          <p:cNvSpPr/>
+          <p:nvPr/>
+        </p:nvSpPr>
+        <p:spPr>
+          <a:xfrm>
+            <a:off x="6996450" y="5153125"/>
+            <a:ext cx="819000" cy="265200"/>
+          </a:xfrm>
+          <a:prstGeom prst="roundRect">
+            <a:avLst>
+              <a:gd fmla="val 16667" name="adj"/>
+            </a:avLst>
+          </a:prstGeom>
+          <a:solidFill>
+            <a:schemeClr val="lt2"/>
+          </a:solidFill>
+          <a:ln cap="flat" cmpd="sng" w="9525">
+            <a:solidFill>
+              <a:schemeClr val="dk2"/>
+            </a:solidFill>
+            <a:prstDash val="solid"/>
+            <a:round/>
+            <a:headEnd len="sm" w="sm" type="none"/>
+            <a:tailEnd len="sm" w="sm" type="none"/>
+          </a:ln>
+        </p:spPr>
+        <p:txBody>
+          <a:bodyPr anchorCtr="0" anchor="ctr" bIns="91425" lIns="91425" spcFirstLastPara="1" rIns="91425" wrap="square" tIns="91425">
+            <a:noAutofit/>
+          </a:bodyPr>
+          <a:lstStyle/>
+          <a:p>
+            <a:pPr indent="0" lvl="0" marL="0" rtl="0" algn="l">
+              <a:spcBef>
+                <a:spcPts val="0"/>
+              </a:spcBef>
+              <a:spcAft>
+                <a:spcPts val="0"/>
+              </a:spcAft>
+              <a:buNone/>
+            </a:pPr>
+            <a:r>
+              <a:rPr lang="en-US" sz="1000"/>
+              <a:t>Encoding</a:t>
+            </a:r>
+            <a:endParaRPr sz="1000"/>
+          </a:p>
+        </p:txBody>
+      </p:sp>
     </p:spTree>
   </p:cSld>
   <p:clrMapOvr>
@@ -14145,11 +17489,11 @@
 </file>
 
 <file path=ppt/slides/slide11.xml><?xml version="1.0" encoding="utf-8"?>
-<p:sld xmlns:a="http://schemas.openxmlformats.org/drawingml/2006/main" xmlns:r="http://schemas.openxmlformats.org/officeDocument/2006/relationships" xmlns:mc="http://schemas.openxmlformats.org/markup-compatibility/2006" xmlns:mv="urn:schemas-microsoft-com:mac:vml" xmlns:p="http://schemas.openxmlformats.org/presentationml/2006/main" xmlns:c="http://schemas.openxmlformats.org/drawingml/2006/chart" xmlns:dgm="http://schemas.openxmlformats.org/drawingml/2006/diagram" xmlns:o="urn:schemas-microsoft-com:office:office" xmlns:v="urn:schemas-microsoft-com:vml" xmlns:pvml="urn:schemas-microsoft-com:office:powerpoint" xmlns:com="http://schemas.openxmlformats.org/drawingml/2006/compatibility" xmlns:p14="http://schemas.microsoft.com/office/powerpoint/2010/main" xmlns:p15="http://schemas.microsoft.com/office/powerpoint/2012/main" xmlns:ahyp="http://schemas.microsoft.com/office/drawing/2018/hyperlinkcolor">
+<p:sld xmlns:a="http://schemas.openxmlformats.org/drawingml/2006/main" xmlns:r="http://schemas.openxmlformats.org/officeDocument/2006/relationships" xmlns:mc="http://schemas.openxmlformats.org/markup-compatibility/2006" xmlns:mv="urn:schemas-microsoft-com:mac:vml" xmlns:p="http://schemas.openxmlformats.org/presentationml/2006/main" xmlns:c="http://schemas.openxmlformats.org/drawingml/2006/chart" xmlns:dgm="http://schemas.openxmlformats.org/drawingml/2006/diagram" xmlns:o="urn:schemas-microsoft-com:office:office" xmlns:v="urn:schemas-microsoft-com:vml" xmlns:pvml="urn:schemas-microsoft-com:office:powerpoint" xmlns:com="http://schemas.openxmlformats.org/drawingml/2006/compatibility" xmlns:p14="http://schemas.microsoft.com/office/powerpoint/2010/main" xmlns:p15="http://schemas.microsoft.com/office/powerpoint/2012/main" xmlns:ahyp="http://schemas.microsoft.com/office/drawing/2018/hyperlinkcolor" show="0">
   <p:cSld>
     <p:spTree>
       <p:nvGrpSpPr>
-        <p:cNvPr id="186" name="Shape 186"/>
+        <p:cNvPr id="240" name="Shape 240"/>
         <p:cNvGrpSpPr/>
         <p:nvPr/>
       </p:nvGrpSpPr>
@@ -14163,7 +17507,7 @@
       </p:grpSpPr>
       <p:sp>
         <p:nvSpPr>
-          <p:cNvPr id="187" name="Google Shape;187;p37"/>
+          <p:cNvPr id="241" name="Google Shape;241;p37"/>
           <p:cNvSpPr txBox="1"/>
           <p:nvPr/>
         </p:nvSpPr>
@@ -14208,7 +17552,19 @@
                 <a:cs typeface="Tahoma"/>
                 <a:sym typeface="Tahoma"/>
               </a:rPr>
-              <a:t>Results</a:t>
+              <a:t>Design </a:t>
+            </a:r>
+            <a:r>
+              <a:rPr lang="en-US" sz="2800">
+                <a:solidFill>
+                  <a:srgbClr val="004F9B"/>
+                </a:solidFill>
+                <a:latin typeface="Tahoma"/>
+                <a:ea typeface="Tahoma"/>
+                <a:cs typeface="Tahoma"/>
+                <a:sym typeface="Tahoma"/>
+              </a:rPr>
+              <a:t>choices</a:t>
             </a:r>
             <a:endParaRPr b="0" sz="2800" strike="noStrike">
               <a:solidFill>
@@ -14224,7 +17580,985 @@
       </p:sp>
       <p:sp>
         <p:nvSpPr>
-          <p:cNvPr id="188" name="Google Shape;188;p37"/>
+          <p:cNvPr id="242" name="Google Shape;242;p37"/>
+          <p:cNvSpPr txBox="1"/>
+          <p:nvPr/>
+        </p:nvSpPr>
+        <p:spPr>
+          <a:xfrm>
+            <a:off x="936693" y="1396985"/>
+            <a:ext cx="10515300" cy="4350900"/>
+          </a:xfrm>
+          <a:prstGeom prst="rect">
+            <a:avLst/>
+          </a:prstGeom>
+          <a:noFill/>
+          <a:ln>
+            <a:noFill/>
+          </a:ln>
+        </p:spPr>
+        <p:txBody>
+          <a:bodyPr anchorCtr="0" anchor="t" bIns="45700" lIns="91425" spcFirstLastPara="1" rIns="91425" wrap="square" tIns="45700">
+            <a:noAutofit/>
+          </a:bodyPr>
+          <a:lstStyle/>
+          <a:p>
+            <a:pPr indent="-228240" lvl="0" marL="228600" marR="0" rtl="0" algn="l">
+              <a:lnSpc>
+                <a:spcPct val="90000"/>
+              </a:lnSpc>
+              <a:spcBef>
+                <a:spcPts val="0"/>
+              </a:spcBef>
+              <a:spcAft>
+                <a:spcPts val="0"/>
+              </a:spcAft>
+              <a:buClr>
+                <a:srgbClr val="000000"/>
+              </a:buClr>
+              <a:buSzPts val="2800"/>
+              <a:buFont typeface="Arial"/>
+              <a:buChar char="•"/>
+            </a:pPr>
+            <a:r>
+              <a:rPr lang="en-US" sz="2800">
+                <a:latin typeface="Tahoma"/>
+                <a:ea typeface="Tahoma"/>
+                <a:cs typeface="Tahoma"/>
+                <a:sym typeface="Tahoma"/>
+              </a:rPr>
+              <a:t>Architecture</a:t>
+            </a:r>
+            <a:endParaRPr b="0" i="0" sz="2400" u="none" cap="none" strike="noStrike">
+              <a:solidFill>
+                <a:srgbClr val="000000"/>
+              </a:solidFill>
+              <a:latin typeface="Tahoma"/>
+              <a:ea typeface="Tahoma"/>
+              <a:cs typeface="Tahoma"/>
+              <a:sym typeface="Tahoma"/>
+            </a:endParaRPr>
+          </a:p>
+          <a:p>
+            <a:pPr indent="0" lvl="0" marL="0" marR="0" rtl="0" algn="l">
+              <a:spcBef>
+                <a:spcPts val="0"/>
+              </a:spcBef>
+              <a:spcAft>
+                <a:spcPts val="0"/>
+              </a:spcAft>
+              <a:buNone/>
+            </a:pPr>
+            <a:r>
+              <a:t/>
+            </a:r>
+            <a:endParaRPr b="0" sz="2400" strike="noStrike">
+              <a:solidFill>
+                <a:srgbClr val="000000"/>
+              </a:solidFill>
+              <a:latin typeface="Tahoma"/>
+              <a:ea typeface="Tahoma"/>
+              <a:cs typeface="Tahoma"/>
+              <a:sym typeface="Tahoma"/>
+            </a:endParaRPr>
+          </a:p>
+        </p:txBody>
+      </p:sp>
+      <p:pic>
+        <p:nvPicPr>
+          <p:cNvPr id="243" name="Google Shape;243;p37"/>
+          <p:cNvPicPr preferRelativeResize="0"/>
+          <p:nvPr/>
+        </p:nvPicPr>
+        <p:blipFill>
+          <a:blip r:embed="rId3">
+            <a:alphaModFix/>
+          </a:blip>
+          <a:stretch>
+            <a:fillRect/>
+          </a:stretch>
+        </p:blipFill>
+        <p:spPr>
+          <a:xfrm>
+            <a:off x="936700" y="2179225"/>
+            <a:ext cx="5195502" cy="3766000"/>
+          </a:xfrm>
+          <a:prstGeom prst="rect">
+            <a:avLst/>
+          </a:prstGeom>
+          <a:noFill/>
+          <a:ln>
+            <a:noFill/>
+          </a:ln>
+        </p:spPr>
+      </p:pic>
+      <p:sp>
+        <p:nvSpPr>
+          <p:cNvPr id="244" name="Google Shape;244;p37"/>
+          <p:cNvSpPr txBox="1"/>
+          <p:nvPr>
+            <p:ph idx="12" type="sldNum"/>
+          </p:nvPr>
+        </p:nvSpPr>
+        <p:spPr>
+          <a:xfrm>
+            <a:off x="11409045" y="6333134"/>
+            <a:ext cx="731700" cy="525000"/>
+          </a:xfrm>
+          <a:prstGeom prst="rect">
+            <a:avLst/>
+          </a:prstGeom>
+        </p:spPr>
+        <p:txBody>
+          <a:bodyPr anchorCtr="0" anchor="t" bIns="91425" lIns="91425" spcFirstLastPara="1" rIns="91425" wrap="square" tIns="91425">
+            <a:noAutofit/>
+          </a:bodyPr>
+          <a:lstStyle/>
+          <a:p>
+            <a:pPr indent="0" lvl="0" marL="0" rtl="0" algn="r">
+              <a:spcBef>
+                <a:spcPts val="0"/>
+              </a:spcBef>
+              <a:spcAft>
+                <a:spcPts val="0"/>
+              </a:spcAft>
+              <a:buNone/>
+            </a:pPr>
+            <a:fld id="{00000000-1234-1234-1234-123412341234}" type="slidenum">
+              <a:rPr lang="en-US"/>
+              <a:t>‹#›</a:t>
+            </a:fld>
+            <a:endParaRPr/>
+          </a:p>
+        </p:txBody>
+      </p:sp>
+      <p:sp>
+        <p:nvSpPr>
+          <p:cNvPr id="245" name="Google Shape;245;p37"/>
+          <p:cNvSpPr/>
+          <p:nvPr/>
+        </p:nvSpPr>
+        <p:spPr>
+          <a:xfrm>
+            <a:off x="7274750" y="2153025"/>
+            <a:ext cx="4321200" cy="3818400"/>
+          </a:xfrm>
+          <a:prstGeom prst="rect">
+            <a:avLst/>
+          </a:prstGeom>
+          <a:noFill/>
+          <a:ln>
+            <a:noFill/>
+          </a:ln>
+        </p:spPr>
+        <p:txBody>
+          <a:bodyPr anchorCtr="0" anchor="t" bIns="45000" lIns="90000" spcFirstLastPara="1" rIns="90000" wrap="square" tIns="45000">
+            <a:noAutofit/>
+          </a:bodyPr>
+          <a:lstStyle/>
+          <a:p>
+            <a:pPr indent="-342900" lvl="0" marL="457200" marR="0" rtl="0" algn="l">
+              <a:lnSpc>
+                <a:spcPct val="100000"/>
+              </a:lnSpc>
+              <a:spcBef>
+                <a:spcPts val="0"/>
+              </a:spcBef>
+              <a:spcAft>
+                <a:spcPts val="0"/>
+              </a:spcAft>
+              <a:buSzPts val="1800"/>
+              <a:buFont typeface="Tahoma"/>
+              <a:buChar char="●"/>
+            </a:pPr>
+            <a:r>
+              <a:rPr lang="en-US" sz="1800">
+                <a:latin typeface="Tahoma"/>
+                <a:ea typeface="Tahoma"/>
+                <a:cs typeface="Tahoma"/>
+                <a:sym typeface="Tahoma"/>
+              </a:rPr>
+              <a:t>4 conv layers followed by a linear</a:t>
+            </a:r>
+            <a:endParaRPr sz="1800">
+              <a:latin typeface="Tahoma"/>
+              <a:ea typeface="Tahoma"/>
+              <a:cs typeface="Tahoma"/>
+              <a:sym typeface="Tahoma"/>
+            </a:endParaRPr>
+          </a:p>
+          <a:p>
+            <a:pPr indent="0" lvl="0" marL="457200" marR="0" rtl="0" algn="l">
+              <a:lnSpc>
+                <a:spcPct val="100000"/>
+              </a:lnSpc>
+              <a:spcBef>
+                <a:spcPts val="0"/>
+              </a:spcBef>
+              <a:spcAft>
+                <a:spcPts val="0"/>
+              </a:spcAft>
+              <a:buNone/>
+            </a:pPr>
+            <a:r>
+              <a:t/>
+            </a:r>
+            <a:endParaRPr sz="1800">
+              <a:latin typeface="Tahoma"/>
+              <a:ea typeface="Tahoma"/>
+              <a:cs typeface="Tahoma"/>
+              <a:sym typeface="Tahoma"/>
+            </a:endParaRPr>
+          </a:p>
+          <a:p>
+            <a:pPr indent="-342900" lvl="0" marL="457200" marR="0" rtl="0" algn="l">
+              <a:lnSpc>
+                <a:spcPct val="100000"/>
+              </a:lnSpc>
+              <a:spcBef>
+                <a:spcPts val="0"/>
+              </a:spcBef>
+              <a:spcAft>
+                <a:spcPts val="0"/>
+              </a:spcAft>
+              <a:buSzPts val="1800"/>
+              <a:buFont typeface="Tahoma"/>
+              <a:buChar char="●"/>
+            </a:pPr>
+            <a:r>
+              <a:t/>
+            </a:r>
+            <a:endParaRPr sz="1800">
+              <a:latin typeface="Tahoma"/>
+              <a:ea typeface="Tahoma"/>
+              <a:cs typeface="Tahoma"/>
+              <a:sym typeface="Tahoma"/>
+            </a:endParaRPr>
+          </a:p>
+          <a:p>
+            <a:pPr indent="0" lvl="0" marL="0" marR="0" rtl="0" algn="l">
+              <a:lnSpc>
+                <a:spcPct val="100000"/>
+              </a:lnSpc>
+              <a:spcBef>
+                <a:spcPts val="0"/>
+              </a:spcBef>
+              <a:spcAft>
+                <a:spcPts val="0"/>
+              </a:spcAft>
+              <a:buNone/>
+            </a:pPr>
+            <a:r>
+              <a:t/>
+            </a:r>
+            <a:endParaRPr sz="1800">
+              <a:latin typeface="Tahoma"/>
+              <a:ea typeface="Tahoma"/>
+              <a:cs typeface="Tahoma"/>
+              <a:sym typeface="Tahoma"/>
+            </a:endParaRPr>
+          </a:p>
+          <a:p>
+            <a:pPr indent="0" lvl="0" marL="0" marR="0" rtl="0" algn="l">
+              <a:lnSpc>
+                <a:spcPct val="100000"/>
+              </a:lnSpc>
+              <a:spcBef>
+                <a:spcPts val="0"/>
+              </a:spcBef>
+              <a:spcAft>
+                <a:spcPts val="0"/>
+              </a:spcAft>
+              <a:buNone/>
+            </a:pPr>
+            <a:r>
+              <a:t/>
+            </a:r>
+            <a:endParaRPr sz="1800">
+              <a:latin typeface="Tahoma"/>
+              <a:ea typeface="Tahoma"/>
+              <a:cs typeface="Tahoma"/>
+              <a:sym typeface="Tahoma"/>
+            </a:endParaRPr>
+          </a:p>
+          <a:p>
+            <a:pPr indent="0" lvl="0" marL="0" marR="0" rtl="0" algn="l">
+              <a:lnSpc>
+                <a:spcPct val="100000"/>
+              </a:lnSpc>
+              <a:spcBef>
+                <a:spcPts val="0"/>
+              </a:spcBef>
+              <a:spcAft>
+                <a:spcPts val="0"/>
+              </a:spcAft>
+              <a:buNone/>
+            </a:pPr>
+            <a:r>
+              <a:t/>
+            </a:r>
+            <a:endParaRPr sz="1800">
+              <a:latin typeface="Tahoma"/>
+              <a:ea typeface="Tahoma"/>
+              <a:cs typeface="Tahoma"/>
+              <a:sym typeface="Tahoma"/>
+            </a:endParaRPr>
+          </a:p>
+          <a:p>
+            <a:pPr indent="0" lvl="0" marL="457200" marR="0" rtl="0" algn="l">
+              <a:lnSpc>
+                <a:spcPct val="100000"/>
+              </a:lnSpc>
+              <a:spcBef>
+                <a:spcPts val="0"/>
+              </a:spcBef>
+              <a:spcAft>
+                <a:spcPts val="0"/>
+              </a:spcAft>
+              <a:buNone/>
+            </a:pPr>
+            <a:r>
+              <a:t/>
+            </a:r>
+            <a:endParaRPr sz="1800">
+              <a:latin typeface="Tahoma"/>
+              <a:ea typeface="Tahoma"/>
+              <a:cs typeface="Tahoma"/>
+              <a:sym typeface="Tahoma"/>
+            </a:endParaRPr>
+          </a:p>
+          <a:p>
+            <a:pPr indent="0" lvl="0" marL="457200" marR="0" rtl="0" algn="l">
+              <a:lnSpc>
+                <a:spcPct val="100000"/>
+              </a:lnSpc>
+              <a:spcBef>
+                <a:spcPts val="0"/>
+              </a:spcBef>
+              <a:spcAft>
+                <a:spcPts val="0"/>
+              </a:spcAft>
+              <a:buNone/>
+            </a:pPr>
+            <a:r>
+              <a:t/>
+            </a:r>
+            <a:endParaRPr sz="2100">
+              <a:latin typeface="Tahoma"/>
+              <a:ea typeface="Tahoma"/>
+              <a:cs typeface="Tahoma"/>
+              <a:sym typeface="Tahoma"/>
+            </a:endParaRPr>
+          </a:p>
+          <a:p>
+            <a:pPr indent="0" lvl="0" marL="0" marR="0" rtl="0" algn="l">
+              <a:lnSpc>
+                <a:spcPct val="100000"/>
+              </a:lnSpc>
+              <a:spcBef>
+                <a:spcPts val="0"/>
+              </a:spcBef>
+              <a:spcAft>
+                <a:spcPts val="0"/>
+              </a:spcAft>
+              <a:buNone/>
+            </a:pPr>
+            <a:r>
+              <a:t/>
+            </a:r>
+            <a:endParaRPr b="0" sz="1800" strike="noStrike">
+              <a:latin typeface="Arial"/>
+              <a:ea typeface="Arial"/>
+              <a:cs typeface="Arial"/>
+              <a:sym typeface="Arial"/>
+            </a:endParaRPr>
+          </a:p>
+        </p:txBody>
+      </p:sp>
+    </p:spTree>
+  </p:cSld>
+  <p:clrMapOvr>
+    <a:masterClrMapping/>
+  </p:clrMapOvr>
+</p:sld>
+</file>
+
+<file path=ppt/slides/slide12.xml><?xml version="1.0" encoding="utf-8"?>
+<p:sld xmlns:a="http://schemas.openxmlformats.org/drawingml/2006/main" xmlns:r="http://schemas.openxmlformats.org/officeDocument/2006/relationships" xmlns:mc="http://schemas.openxmlformats.org/markup-compatibility/2006" xmlns:mv="urn:schemas-microsoft-com:mac:vml" xmlns:p="http://schemas.openxmlformats.org/presentationml/2006/main" xmlns:c="http://schemas.openxmlformats.org/drawingml/2006/chart" xmlns:dgm="http://schemas.openxmlformats.org/drawingml/2006/diagram" xmlns:o="urn:schemas-microsoft-com:office:office" xmlns:v="urn:schemas-microsoft-com:vml" xmlns:pvml="urn:schemas-microsoft-com:office:powerpoint" xmlns:com="http://schemas.openxmlformats.org/drawingml/2006/compatibility" xmlns:p14="http://schemas.microsoft.com/office/powerpoint/2010/main" xmlns:p15="http://schemas.microsoft.com/office/powerpoint/2012/main" xmlns:ahyp="http://schemas.microsoft.com/office/drawing/2018/hyperlinkcolor">
+  <p:cSld>
+    <p:spTree>
+      <p:nvGrpSpPr>
+        <p:cNvPr id="249" name="Shape 249"/>
+        <p:cNvGrpSpPr/>
+        <p:nvPr/>
+      </p:nvGrpSpPr>
+      <p:grpSpPr>
+        <a:xfrm>
+          <a:off x="0" y="0"/>
+          <a:ext cx="0" cy="0"/>
+          <a:chOff x="0" y="0"/>
+          <a:chExt cx="0" cy="0"/>
+        </a:xfrm>
+      </p:grpSpPr>
+      <p:sp>
+        <p:nvSpPr>
+          <p:cNvPr id="250" name="Google Shape;250;p38"/>
+          <p:cNvSpPr txBox="1"/>
+          <p:nvPr/>
+        </p:nvSpPr>
+        <p:spPr>
+          <a:xfrm>
+            <a:off x="838080" y="365040"/>
+            <a:ext cx="10515300" cy="1325100"/>
+          </a:xfrm>
+          <a:prstGeom prst="rect">
+            <a:avLst/>
+          </a:prstGeom>
+          <a:noFill/>
+          <a:ln>
+            <a:noFill/>
+          </a:ln>
+        </p:spPr>
+        <p:txBody>
+          <a:bodyPr anchorCtr="0" anchor="ctr" bIns="45700" lIns="91425" spcFirstLastPara="1" rIns="91425" wrap="square" tIns="45700">
+            <a:noAutofit/>
+          </a:bodyPr>
+          <a:lstStyle/>
+          <a:p>
+            <a:pPr indent="0" lvl="0" marL="0" marR="0" rtl="0" algn="l">
+              <a:lnSpc>
+                <a:spcPct val="90000"/>
+              </a:lnSpc>
+              <a:spcBef>
+                <a:spcPts val="0"/>
+              </a:spcBef>
+              <a:spcAft>
+                <a:spcPts val="0"/>
+              </a:spcAft>
+              <a:buNone/>
+            </a:pPr>
+            <a:r>
+              <a:rPr lang="en-US" sz="2800">
+                <a:solidFill>
+                  <a:srgbClr val="004F9B"/>
+                </a:solidFill>
+                <a:latin typeface="Tahoma"/>
+                <a:ea typeface="Tahoma"/>
+                <a:cs typeface="Tahoma"/>
+                <a:sym typeface="Tahoma"/>
+              </a:rPr>
+              <a:t>Contrastive loss</a:t>
+            </a:r>
+            <a:endParaRPr b="0" sz="2800" strike="noStrike">
+              <a:solidFill>
+                <a:srgbClr val="000000"/>
+              </a:solidFill>
+              <a:latin typeface="Arial"/>
+              <a:ea typeface="Arial"/>
+              <a:cs typeface="Arial"/>
+              <a:sym typeface="Arial"/>
+            </a:endParaRPr>
+          </a:p>
+        </p:txBody>
+      </p:sp>
+      <p:sp>
+        <p:nvSpPr>
+          <p:cNvPr id="251" name="Google Shape;251;p38"/>
+          <p:cNvSpPr txBox="1"/>
+          <p:nvPr/>
+        </p:nvSpPr>
+        <p:spPr>
+          <a:xfrm>
+            <a:off x="838080" y="1825560"/>
+            <a:ext cx="10515300" cy="4350900"/>
+          </a:xfrm>
+          <a:prstGeom prst="rect">
+            <a:avLst/>
+          </a:prstGeom>
+          <a:noFill/>
+          <a:ln>
+            <a:noFill/>
+          </a:ln>
+        </p:spPr>
+        <p:txBody>
+          <a:bodyPr anchorCtr="0" anchor="t" bIns="45700" lIns="91425" spcFirstLastPara="1" rIns="91425" wrap="square" tIns="45700">
+            <a:noAutofit/>
+          </a:bodyPr>
+          <a:lstStyle/>
+          <a:p>
+            <a:pPr indent="0" lvl="0" marL="0" marR="0" rtl="0" algn="l">
+              <a:spcBef>
+                <a:spcPts val="0"/>
+              </a:spcBef>
+              <a:spcAft>
+                <a:spcPts val="0"/>
+              </a:spcAft>
+              <a:buNone/>
+            </a:pPr>
+            <a:r>
+              <a:t/>
+            </a:r>
+            <a:endParaRPr b="0" sz="2800" strike="noStrike">
+              <a:solidFill>
+                <a:srgbClr val="000000"/>
+              </a:solidFill>
+              <a:latin typeface="Tahoma"/>
+              <a:ea typeface="Tahoma"/>
+              <a:cs typeface="Tahoma"/>
+              <a:sym typeface="Tahoma"/>
+            </a:endParaRPr>
+          </a:p>
+        </p:txBody>
+      </p:sp>
+      <p:sp>
+        <p:nvSpPr>
+          <p:cNvPr id="252" name="Google Shape;252;p38"/>
+          <p:cNvSpPr txBox="1"/>
+          <p:nvPr/>
+        </p:nvSpPr>
+        <p:spPr>
+          <a:xfrm>
+            <a:off x="838350" y="1421974"/>
+            <a:ext cx="10515300" cy="4623300"/>
+          </a:xfrm>
+          <a:prstGeom prst="rect">
+            <a:avLst/>
+          </a:prstGeom>
+          <a:noFill/>
+          <a:ln>
+            <a:noFill/>
+          </a:ln>
+        </p:spPr>
+        <p:txBody>
+          <a:bodyPr anchorCtr="0" anchor="t" bIns="45700" lIns="91425" spcFirstLastPara="1" rIns="91425" wrap="square" tIns="45700">
+            <a:normAutofit/>
+          </a:bodyPr>
+          <a:lstStyle/>
+          <a:p>
+            <a:pPr indent="-381000" lvl="0" marL="457200" marR="0" rtl="0" algn="l">
+              <a:spcBef>
+                <a:spcPts val="0"/>
+              </a:spcBef>
+              <a:spcAft>
+                <a:spcPts val="0"/>
+              </a:spcAft>
+              <a:buSzPts val="2400"/>
+              <a:buFont typeface="Tahoma"/>
+              <a:buChar char="●"/>
+            </a:pPr>
+            <a:r>
+              <a:rPr lang="en-US" sz="2400">
+                <a:latin typeface="Tahoma"/>
+                <a:ea typeface="Tahoma"/>
+                <a:cs typeface="Tahoma"/>
+                <a:sym typeface="Tahoma"/>
+              </a:rPr>
+              <a:t>Objective is to have a small distance for positive pairs and a large distance for negative pairs</a:t>
+            </a:r>
+            <a:endParaRPr sz="2400">
+              <a:latin typeface="Tahoma"/>
+              <a:ea typeface="Tahoma"/>
+              <a:cs typeface="Tahoma"/>
+              <a:sym typeface="Tahoma"/>
+            </a:endParaRPr>
+          </a:p>
+          <a:p>
+            <a:pPr indent="0" lvl="0" marL="0" marR="0" rtl="0" algn="l">
+              <a:spcBef>
+                <a:spcPts val="0"/>
+              </a:spcBef>
+              <a:spcAft>
+                <a:spcPts val="0"/>
+              </a:spcAft>
+              <a:buNone/>
+            </a:pPr>
+            <a:r>
+              <a:t/>
+            </a:r>
+            <a:endParaRPr sz="2400">
+              <a:latin typeface="Tahoma"/>
+              <a:ea typeface="Tahoma"/>
+              <a:cs typeface="Tahoma"/>
+              <a:sym typeface="Tahoma"/>
+            </a:endParaRPr>
+          </a:p>
+          <a:p>
+            <a:pPr indent="0" lvl="0" marL="0" marR="0" rtl="0" algn="l">
+              <a:spcBef>
+                <a:spcPts val="0"/>
+              </a:spcBef>
+              <a:spcAft>
+                <a:spcPts val="0"/>
+              </a:spcAft>
+              <a:buNone/>
+            </a:pPr>
+            <a:r>
+              <a:t/>
+            </a:r>
+            <a:endParaRPr sz="2400">
+              <a:latin typeface="Tahoma"/>
+              <a:ea typeface="Tahoma"/>
+              <a:cs typeface="Tahoma"/>
+              <a:sym typeface="Tahoma"/>
+            </a:endParaRPr>
+          </a:p>
+        </p:txBody>
+      </p:sp>
+      <p:sp>
+        <p:nvSpPr>
+          <p:cNvPr id="253" name="Google Shape;253;p38"/>
+          <p:cNvSpPr txBox="1"/>
+          <p:nvPr>
+            <p:ph idx="12" type="sldNum"/>
+          </p:nvPr>
+        </p:nvSpPr>
+        <p:spPr>
+          <a:xfrm>
+            <a:off x="11409045" y="6333134"/>
+            <a:ext cx="731700" cy="525000"/>
+          </a:xfrm>
+          <a:prstGeom prst="rect">
+            <a:avLst/>
+          </a:prstGeom>
+        </p:spPr>
+        <p:txBody>
+          <a:bodyPr anchorCtr="0" anchor="t" bIns="91425" lIns="91425" spcFirstLastPara="1" rIns="91425" wrap="square" tIns="91425">
+            <a:noAutofit/>
+          </a:bodyPr>
+          <a:lstStyle/>
+          <a:p>
+            <a:pPr indent="0" lvl="0" marL="0" rtl="0" algn="r">
+              <a:spcBef>
+                <a:spcPts val="0"/>
+              </a:spcBef>
+              <a:spcAft>
+                <a:spcPts val="0"/>
+              </a:spcAft>
+              <a:buNone/>
+            </a:pPr>
+            <a:fld id="{00000000-1234-1234-1234-123412341234}" type="slidenum">
+              <a:rPr lang="en-US"/>
+              <a:t>‹#›</a:t>
+            </a:fld>
+            <a:endParaRPr/>
+          </a:p>
+        </p:txBody>
+      </p:sp>
+      <p:sp>
+        <p:nvSpPr>
+          <p:cNvPr id="254" name="Google Shape;254;p38"/>
+          <p:cNvSpPr txBox="1"/>
+          <p:nvPr/>
+        </p:nvSpPr>
+        <p:spPr>
+          <a:xfrm>
+            <a:off x="1059475" y="6289300"/>
+            <a:ext cx="6414000" cy="222300"/>
+          </a:xfrm>
+          <a:prstGeom prst="rect">
+            <a:avLst/>
+          </a:prstGeom>
+          <a:noFill/>
+          <a:ln>
+            <a:noFill/>
+          </a:ln>
+        </p:spPr>
+        <p:txBody>
+          <a:bodyPr anchorCtr="0" anchor="t" bIns="45700" lIns="91425" spcFirstLastPara="1" rIns="91425" wrap="square" tIns="45700">
+            <a:normAutofit fontScale="25000" lnSpcReduction="20000"/>
+          </a:bodyPr>
+          <a:lstStyle/>
+          <a:p>
+            <a:pPr indent="0" lvl="0" marL="0" rtl="0" algn="l">
+              <a:lnSpc>
+                <a:spcPct val="90000"/>
+              </a:lnSpc>
+              <a:spcBef>
+                <a:spcPts val="499"/>
+              </a:spcBef>
+              <a:spcAft>
+                <a:spcPts val="0"/>
+              </a:spcAft>
+              <a:buNone/>
+            </a:pPr>
+            <a:r>
+              <a:rPr lang="en-US" sz="4400">
+                <a:latin typeface="Tahoma"/>
+                <a:ea typeface="Tahoma"/>
+                <a:cs typeface="Tahoma"/>
+                <a:sym typeface="Tahoma"/>
+              </a:rPr>
+              <a:t>Source: </a:t>
+            </a:r>
+            <a:r>
+              <a:rPr lang="en-US" sz="4400" u="sng">
+                <a:solidFill>
+                  <a:schemeClr val="hlink"/>
+                </a:solidFill>
+                <a:latin typeface="Tahoma"/>
+                <a:ea typeface="Tahoma"/>
+                <a:cs typeface="Tahoma"/>
+                <a:sym typeface="Tahoma"/>
+                <a:hlinkClick r:id="rId3"/>
+              </a:rPr>
+              <a:t>Contrastive Loss figure</a:t>
+            </a:r>
+            <a:endParaRPr sz="4400">
+              <a:latin typeface="Tahoma"/>
+              <a:ea typeface="Tahoma"/>
+              <a:cs typeface="Tahoma"/>
+              <a:sym typeface="Tahoma"/>
+            </a:endParaRPr>
+          </a:p>
+          <a:p>
+            <a:pPr indent="0" lvl="0" marL="0" marR="0" rtl="0" algn="l">
+              <a:spcBef>
+                <a:spcPts val="0"/>
+              </a:spcBef>
+              <a:spcAft>
+                <a:spcPts val="0"/>
+              </a:spcAft>
+              <a:buNone/>
+            </a:pPr>
+            <a:r>
+              <a:t/>
+            </a:r>
+            <a:endParaRPr b="0" sz="2400" strike="noStrike">
+              <a:solidFill>
+                <a:srgbClr val="000000"/>
+              </a:solidFill>
+              <a:latin typeface="Tahoma"/>
+              <a:ea typeface="Tahoma"/>
+              <a:cs typeface="Tahoma"/>
+              <a:sym typeface="Tahoma"/>
+            </a:endParaRPr>
+          </a:p>
+          <a:p>
+            <a:pPr indent="0" lvl="0" marL="0" marR="0" rtl="0" algn="l">
+              <a:spcBef>
+                <a:spcPts val="0"/>
+              </a:spcBef>
+              <a:spcAft>
+                <a:spcPts val="0"/>
+              </a:spcAft>
+              <a:buNone/>
+            </a:pPr>
+            <a:r>
+              <a:t/>
+            </a:r>
+            <a:endParaRPr b="0" sz="2400" strike="noStrike">
+              <a:solidFill>
+                <a:srgbClr val="000000"/>
+              </a:solidFill>
+              <a:latin typeface="Tahoma"/>
+              <a:ea typeface="Tahoma"/>
+              <a:cs typeface="Tahoma"/>
+              <a:sym typeface="Tahoma"/>
+            </a:endParaRPr>
+          </a:p>
+        </p:txBody>
+      </p:sp>
+      <p:pic>
+        <p:nvPicPr>
+          <p:cNvPr id="255" name="Google Shape;255;p38"/>
+          <p:cNvPicPr preferRelativeResize="0"/>
+          <p:nvPr/>
+        </p:nvPicPr>
+        <p:blipFill>
+          <a:blip r:embed="rId4">
+            <a:alphaModFix/>
+          </a:blip>
+          <a:stretch>
+            <a:fillRect/>
+          </a:stretch>
+        </p:blipFill>
+        <p:spPr>
+          <a:xfrm>
+            <a:off x="2890838" y="2270800"/>
+            <a:ext cx="7019925" cy="952500"/>
+          </a:xfrm>
+          <a:prstGeom prst="rect">
+            <a:avLst/>
+          </a:prstGeom>
+          <a:noFill/>
+          <a:ln>
+            <a:noFill/>
+          </a:ln>
+        </p:spPr>
+      </p:pic>
+      <p:pic>
+        <p:nvPicPr>
+          <p:cNvPr id="256" name="Google Shape;256;p38"/>
+          <p:cNvPicPr preferRelativeResize="0"/>
+          <p:nvPr/>
+        </p:nvPicPr>
+        <p:blipFill>
+          <a:blip r:embed="rId5">
+            <a:alphaModFix/>
+          </a:blip>
+          <a:stretch>
+            <a:fillRect/>
+          </a:stretch>
+        </p:blipFill>
+        <p:spPr>
+          <a:xfrm>
+            <a:off x="3043250" y="3278648"/>
+            <a:ext cx="1385075" cy="469950"/>
+          </a:xfrm>
+          <a:prstGeom prst="rect">
+            <a:avLst/>
+          </a:prstGeom>
+          <a:noFill/>
+          <a:ln>
+            <a:noFill/>
+          </a:ln>
+        </p:spPr>
+      </p:pic>
+      <p:pic>
+        <p:nvPicPr>
+          <p:cNvPr id="257" name="Google Shape;257;p38"/>
+          <p:cNvPicPr preferRelativeResize="0"/>
+          <p:nvPr/>
+        </p:nvPicPr>
+        <p:blipFill>
+          <a:blip r:embed="rId6">
+            <a:alphaModFix/>
+          </a:blip>
+          <a:stretch>
+            <a:fillRect/>
+          </a:stretch>
+        </p:blipFill>
+        <p:spPr>
+          <a:xfrm>
+            <a:off x="2841500" y="3632525"/>
+            <a:ext cx="2190750" cy="714375"/>
+          </a:xfrm>
+          <a:prstGeom prst="rect">
+            <a:avLst/>
+          </a:prstGeom>
+          <a:noFill/>
+          <a:ln>
+            <a:noFill/>
+          </a:ln>
+        </p:spPr>
+      </p:pic>
+      <p:pic>
+        <p:nvPicPr>
+          <p:cNvPr id="258" name="Google Shape;258;p38"/>
+          <p:cNvPicPr preferRelativeResize="0"/>
+          <p:nvPr/>
+        </p:nvPicPr>
+        <p:blipFill>
+          <a:blip r:embed="rId7">
+            <a:alphaModFix/>
+          </a:blip>
+          <a:stretch>
+            <a:fillRect/>
+          </a:stretch>
+        </p:blipFill>
+        <p:spPr>
+          <a:xfrm>
+            <a:off x="2958475" y="4252247"/>
+            <a:ext cx="1447708" cy="469950"/>
+          </a:xfrm>
+          <a:prstGeom prst="rect">
+            <a:avLst/>
+          </a:prstGeom>
+          <a:noFill/>
+          <a:ln>
+            <a:noFill/>
+          </a:ln>
+        </p:spPr>
+      </p:pic>
+    </p:spTree>
+  </p:cSld>
+  <p:clrMapOvr>
+    <a:masterClrMapping/>
+  </p:clrMapOvr>
+</p:sld>
+</file>
+
+<file path=ppt/slides/slide13.xml><?xml version="1.0" encoding="utf-8"?>
+<p:sld xmlns:a="http://schemas.openxmlformats.org/drawingml/2006/main" xmlns:r="http://schemas.openxmlformats.org/officeDocument/2006/relationships" xmlns:mc="http://schemas.openxmlformats.org/markup-compatibility/2006" xmlns:mv="urn:schemas-microsoft-com:mac:vml" xmlns:p="http://schemas.openxmlformats.org/presentationml/2006/main" xmlns:c="http://schemas.openxmlformats.org/drawingml/2006/chart" xmlns:dgm="http://schemas.openxmlformats.org/drawingml/2006/diagram" xmlns:o="urn:schemas-microsoft-com:office:office" xmlns:v="urn:schemas-microsoft-com:vml" xmlns:pvml="urn:schemas-microsoft-com:office:powerpoint" xmlns:com="http://schemas.openxmlformats.org/drawingml/2006/compatibility" xmlns:p14="http://schemas.microsoft.com/office/powerpoint/2010/main" xmlns:p15="http://schemas.microsoft.com/office/powerpoint/2012/main" xmlns:ahyp="http://schemas.microsoft.com/office/drawing/2018/hyperlinkcolor">
+  <p:cSld>
+    <p:spTree>
+      <p:nvGrpSpPr>
+        <p:cNvPr id="262" name="Shape 262"/>
+        <p:cNvGrpSpPr/>
+        <p:nvPr/>
+      </p:nvGrpSpPr>
+      <p:grpSpPr>
+        <a:xfrm>
+          <a:off x="0" y="0"/>
+          <a:ext cx="0" cy="0"/>
+          <a:chOff x="0" y="0"/>
+          <a:chExt cx="0" cy="0"/>
+        </a:xfrm>
+      </p:grpSpPr>
+      <p:sp>
+        <p:nvSpPr>
+          <p:cNvPr id="263" name="Google Shape;263;p39"/>
+          <p:cNvSpPr txBox="1"/>
+          <p:nvPr/>
+        </p:nvSpPr>
+        <p:spPr>
+          <a:xfrm>
+            <a:off x="838080" y="365040"/>
+            <a:ext cx="10515240" cy="1325160"/>
+          </a:xfrm>
+          <a:prstGeom prst="rect">
+            <a:avLst/>
+          </a:prstGeom>
+          <a:noFill/>
+          <a:ln>
+            <a:noFill/>
+          </a:ln>
+        </p:spPr>
+        <p:txBody>
+          <a:bodyPr anchorCtr="0" anchor="ctr" bIns="45700" lIns="91425" spcFirstLastPara="1" rIns="91425" wrap="square" tIns="45700">
+            <a:noAutofit/>
+          </a:bodyPr>
+          <a:lstStyle/>
+          <a:p>
+            <a:pPr indent="0" lvl="0" marL="0" marR="0" rtl="0" algn="l">
+              <a:lnSpc>
+                <a:spcPct val="90000"/>
+              </a:lnSpc>
+              <a:spcBef>
+                <a:spcPts val="0"/>
+              </a:spcBef>
+              <a:spcAft>
+                <a:spcPts val="0"/>
+              </a:spcAft>
+              <a:buNone/>
+            </a:pPr>
+            <a:r>
+              <a:rPr lang="en-US" sz="2800">
+                <a:solidFill>
+                  <a:srgbClr val="004F9B"/>
+                </a:solidFill>
+                <a:latin typeface="Tahoma"/>
+                <a:ea typeface="Tahoma"/>
+                <a:cs typeface="Tahoma"/>
+                <a:sym typeface="Tahoma"/>
+              </a:rPr>
+              <a:t>Training parameters</a:t>
+            </a:r>
+            <a:endParaRPr b="0" sz="2800" strike="noStrike">
+              <a:solidFill>
+                <a:srgbClr val="000000"/>
+              </a:solidFill>
+              <a:latin typeface="Arial"/>
+              <a:ea typeface="Arial"/>
+              <a:cs typeface="Arial"/>
+              <a:sym typeface="Arial"/>
+            </a:endParaRPr>
+          </a:p>
+        </p:txBody>
+      </p:sp>
+      <p:sp>
+        <p:nvSpPr>
+          <p:cNvPr id="264" name="Google Shape;264;p39"/>
           <p:cNvSpPr txBox="1"/>
           <p:nvPr/>
         </p:nvSpPr>
@@ -14271,6 +18605,1900 @@
           </a:p>
         </p:txBody>
       </p:sp>
+      <p:sp>
+        <p:nvSpPr>
+          <p:cNvPr id="265" name="Google Shape;265;p39"/>
+          <p:cNvSpPr txBox="1"/>
+          <p:nvPr/>
+        </p:nvSpPr>
+        <p:spPr>
+          <a:xfrm>
+            <a:off x="838355" y="1421985"/>
+            <a:ext cx="10515300" cy="4350900"/>
+          </a:xfrm>
+          <a:prstGeom prst="rect">
+            <a:avLst/>
+          </a:prstGeom>
+          <a:noFill/>
+          <a:ln>
+            <a:noFill/>
+          </a:ln>
+        </p:spPr>
+        <p:txBody>
+          <a:bodyPr anchorCtr="0" anchor="t" bIns="45700" lIns="91425" spcFirstLastPara="1" rIns="91425" wrap="square" tIns="45700">
+            <a:normAutofit/>
+          </a:bodyPr>
+          <a:lstStyle/>
+          <a:p>
+            <a:pPr indent="-381000" lvl="0" marL="457200" marR="0" rtl="0" algn="l">
+              <a:spcBef>
+                <a:spcPts val="0"/>
+              </a:spcBef>
+              <a:spcAft>
+                <a:spcPts val="0"/>
+              </a:spcAft>
+              <a:buClr>
+                <a:srgbClr val="000000"/>
+              </a:buClr>
+              <a:buSzPts val="2400"/>
+              <a:buFont typeface="Tahoma"/>
+              <a:buChar char="●"/>
+            </a:pPr>
+            <a:r>
+              <a:rPr lang="en-US" sz="2400">
+                <a:latin typeface="Tahoma"/>
+                <a:ea typeface="Tahoma"/>
+                <a:cs typeface="Tahoma"/>
+                <a:sym typeface="Tahoma"/>
+              </a:rPr>
+              <a:t>Epochs 				- 200</a:t>
+            </a:r>
+            <a:endParaRPr sz="2400">
+              <a:latin typeface="Tahoma"/>
+              <a:ea typeface="Tahoma"/>
+              <a:cs typeface="Tahoma"/>
+              <a:sym typeface="Tahoma"/>
+            </a:endParaRPr>
+          </a:p>
+          <a:p>
+            <a:pPr indent="-381000" lvl="0" marL="457200" marR="0" rtl="0" algn="l">
+              <a:spcBef>
+                <a:spcPts val="0"/>
+              </a:spcBef>
+              <a:spcAft>
+                <a:spcPts val="0"/>
+              </a:spcAft>
+              <a:buSzPts val="2400"/>
+              <a:buFont typeface="Tahoma"/>
+              <a:buChar char="●"/>
+            </a:pPr>
+            <a:r>
+              <a:rPr lang="en-US" sz="2400">
+                <a:latin typeface="Tahoma"/>
+                <a:ea typeface="Tahoma"/>
+                <a:cs typeface="Tahoma"/>
+                <a:sym typeface="Tahoma"/>
+              </a:rPr>
+              <a:t>learning_rate   		- 0.0005</a:t>
+            </a:r>
+            <a:endParaRPr sz="2400">
+              <a:latin typeface="Tahoma"/>
+              <a:ea typeface="Tahoma"/>
+              <a:cs typeface="Tahoma"/>
+              <a:sym typeface="Tahoma"/>
+            </a:endParaRPr>
+          </a:p>
+          <a:p>
+            <a:pPr indent="-381000" lvl="0" marL="457200" marR="0" rtl="0" algn="l">
+              <a:spcBef>
+                <a:spcPts val="0"/>
+              </a:spcBef>
+              <a:spcAft>
+                <a:spcPts val="0"/>
+              </a:spcAft>
+              <a:buSzPts val="2400"/>
+              <a:buFont typeface="Tahoma"/>
+              <a:buChar char="●"/>
+            </a:pPr>
+            <a:r>
+              <a:rPr lang="en-US" sz="2400">
+                <a:latin typeface="Tahoma"/>
+                <a:ea typeface="Tahoma"/>
+                <a:cs typeface="Tahoma"/>
+                <a:sym typeface="Tahoma"/>
+              </a:rPr>
+              <a:t>training_batch_size	- 4</a:t>
+            </a:r>
+            <a:endParaRPr sz="2400">
+              <a:latin typeface="Tahoma"/>
+              <a:ea typeface="Tahoma"/>
+              <a:cs typeface="Tahoma"/>
+              <a:sym typeface="Tahoma"/>
+            </a:endParaRPr>
+          </a:p>
+          <a:p>
+            <a:pPr indent="-381000" lvl="0" marL="457200" marR="0" rtl="0" algn="l">
+              <a:spcBef>
+                <a:spcPts val="0"/>
+              </a:spcBef>
+              <a:spcAft>
+                <a:spcPts val="0"/>
+              </a:spcAft>
+              <a:buSzPts val="2400"/>
+              <a:buFont typeface="Tahoma"/>
+              <a:buChar char="●"/>
+            </a:pPr>
+            <a:r>
+              <a:rPr lang="en-US" sz="2400">
+                <a:latin typeface="Tahoma"/>
+                <a:ea typeface="Tahoma"/>
+                <a:cs typeface="Tahoma"/>
+                <a:sym typeface="Tahoma"/>
+              </a:rPr>
+              <a:t>valid_batch_size 		- 4</a:t>
+            </a:r>
+            <a:endParaRPr sz="2400">
+              <a:latin typeface="Tahoma"/>
+              <a:ea typeface="Tahoma"/>
+              <a:cs typeface="Tahoma"/>
+              <a:sym typeface="Tahoma"/>
+            </a:endParaRPr>
+          </a:p>
+          <a:p>
+            <a:pPr indent="0" lvl="0" marL="0" marR="0" rtl="0" algn="l">
+              <a:spcBef>
+                <a:spcPts val="0"/>
+              </a:spcBef>
+              <a:spcAft>
+                <a:spcPts val="0"/>
+              </a:spcAft>
+              <a:buNone/>
+            </a:pPr>
+            <a:r>
+              <a:t/>
+            </a:r>
+            <a:endParaRPr sz="2400">
+              <a:latin typeface="Tahoma"/>
+              <a:ea typeface="Tahoma"/>
+              <a:cs typeface="Tahoma"/>
+              <a:sym typeface="Tahoma"/>
+            </a:endParaRPr>
+          </a:p>
+          <a:p>
+            <a:pPr indent="-381000" lvl="0" marL="457200" marR="0" rtl="0" algn="l">
+              <a:spcBef>
+                <a:spcPts val="0"/>
+              </a:spcBef>
+              <a:spcAft>
+                <a:spcPts val="0"/>
+              </a:spcAft>
+              <a:buSzPts val="2400"/>
+              <a:buFont typeface="Tahoma"/>
+              <a:buChar char="●"/>
+            </a:pPr>
+            <a:r>
+              <a:rPr lang="en-US" sz="2400">
+                <a:latin typeface="Tahoma"/>
+                <a:ea typeface="Tahoma"/>
+                <a:cs typeface="Tahoma"/>
+                <a:sym typeface="Tahoma"/>
+              </a:rPr>
+              <a:t>Validated for every 2 epochs and saves the model</a:t>
+            </a:r>
+            <a:endParaRPr sz="2400">
+              <a:latin typeface="Tahoma"/>
+              <a:ea typeface="Tahoma"/>
+              <a:cs typeface="Tahoma"/>
+              <a:sym typeface="Tahoma"/>
+            </a:endParaRPr>
+          </a:p>
+          <a:p>
+            <a:pPr indent="-381000" lvl="0" marL="457200" marR="0" rtl="0" algn="l">
+              <a:spcBef>
+                <a:spcPts val="0"/>
+              </a:spcBef>
+              <a:spcAft>
+                <a:spcPts val="0"/>
+              </a:spcAft>
+              <a:buSzPts val="2400"/>
+              <a:buFont typeface="Tahoma"/>
+              <a:buChar char="●"/>
+            </a:pPr>
+            <a:r>
+              <a:rPr lang="en-US" sz="2400">
+                <a:latin typeface="Tahoma"/>
+                <a:ea typeface="Tahoma"/>
+                <a:cs typeface="Tahoma"/>
+                <a:sym typeface="Tahoma"/>
+              </a:rPr>
+              <a:t>Model saved after every 2 epochs</a:t>
+            </a:r>
+            <a:endParaRPr sz="2400">
+              <a:latin typeface="Tahoma"/>
+              <a:ea typeface="Tahoma"/>
+              <a:cs typeface="Tahoma"/>
+              <a:sym typeface="Tahoma"/>
+            </a:endParaRPr>
+          </a:p>
+          <a:p>
+            <a:pPr indent="0" lvl="0" marL="0" marR="0" rtl="0" algn="l">
+              <a:spcBef>
+                <a:spcPts val="0"/>
+              </a:spcBef>
+              <a:spcAft>
+                <a:spcPts val="0"/>
+              </a:spcAft>
+              <a:buNone/>
+            </a:pPr>
+            <a:r>
+              <a:t/>
+            </a:r>
+            <a:endParaRPr sz="2400">
+              <a:latin typeface="Tahoma"/>
+              <a:ea typeface="Tahoma"/>
+              <a:cs typeface="Tahoma"/>
+              <a:sym typeface="Tahoma"/>
+            </a:endParaRPr>
+          </a:p>
+          <a:p>
+            <a:pPr indent="-381000" lvl="0" marL="457200" marR="0" rtl="0" algn="l">
+              <a:spcBef>
+                <a:spcPts val="0"/>
+              </a:spcBef>
+              <a:spcAft>
+                <a:spcPts val="0"/>
+              </a:spcAft>
+              <a:buSzPts val="2400"/>
+              <a:buFont typeface="Tahoma"/>
+              <a:buChar char="●"/>
+            </a:pPr>
+            <a:r>
+              <a:rPr lang="en-US" sz="2400">
+                <a:latin typeface="Tahoma"/>
+                <a:ea typeface="Tahoma"/>
+                <a:cs typeface="Tahoma"/>
+                <a:sym typeface="Tahoma"/>
+              </a:rPr>
+              <a:t>Took around 8+ hours to train on NVIDIA </a:t>
+            </a:r>
+            <a:r>
+              <a:rPr lang="en-US" sz="2400">
+                <a:latin typeface="Tahoma"/>
+                <a:ea typeface="Tahoma"/>
+                <a:cs typeface="Tahoma"/>
+                <a:sym typeface="Tahoma"/>
+              </a:rPr>
+              <a:t>3060 TI</a:t>
+            </a:r>
+            <a:r>
+              <a:rPr lang="en-US" sz="2400">
+                <a:latin typeface="Tahoma"/>
+                <a:ea typeface="Tahoma"/>
+                <a:cs typeface="Tahoma"/>
+                <a:sym typeface="Tahoma"/>
+              </a:rPr>
+              <a:t> 8GB GPU</a:t>
+            </a:r>
+            <a:endParaRPr sz="2400">
+              <a:latin typeface="Tahoma"/>
+              <a:ea typeface="Tahoma"/>
+              <a:cs typeface="Tahoma"/>
+              <a:sym typeface="Tahoma"/>
+            </a:endParaRPr>
+          </a:p>
+          <a:p>
+            <a:pPr indent="0" lvl="0" marL="0" marR="0" rtl="0" algn="l">
+              <a:spcBef>
+                <a:spcPts val="0"/>
+              </a:spcBef>
+              <a:spcAft>
+                <a:spcPts val="0"/>
+              </a:spcAft>
+              <a:buNone/>
+            </a:pPr>
+            <a:r>
+              <a:t/>
+            </a:r>
+            <a:endParaRPr sz="2400">
+              <a:latin typeface="Tahoma"/>
+              <a:ea typeface="Tahoma"/>
+              <a:cs typeface="Tahoma"/>
+              <a:sym typeface="Tahoma"/>
+            </a:endParaRPr>
+          </a:p>
+          <a:p>
+            <a:pPr indent="0" lvl="0" marL="0" marR="0" rtl="0" algn="l">
+              <a:spcBef>
+                <a:spcPts val="0"/>
+              </a:spcBef>
+              <a:spcAft>
+                <a:spcPts val="0"/>
+              </a:spcAft>
+              <a:buNone/>
+            </a:pPr>
+            <a:r>
+              <a:t/>
+            </a:r>
+            <a:endParaRPr sz="2400">
+              <a:latin typeface="Tahoma"/>
+              <a:ea typeface="Tahoma"/>
+              <a:cs typeface="Tahoma"/>
+              <a:sym typeface="Tahoma"/>
+            </a:endParaRPr>
+          </a:p>
+        </p:txBody>
+      </p:sp>
+      <p:sp>
+        <p:nvSpPr>
+          <p:cNvPr id="266" name="Google Shape;266;p39"/>
+          <p:cNvSpPr txBox="1"/>
+          <p:nvPr>
+            <p:ph idx="12" type="sldNum"/>
+          </p:nvPr>
+        </p:nvSpPr>
+        <p:spPr>
+          <a:xfrm>
+            <a:off x="11409045" y="6333134"/>
+            <a:ext cx="731700" cy="525000"/>
+          </a:xfrm>
+          <a:prstGeom prst="rect">
+            <a:avLst/>
+          </a:prstGeom>
+        </p:spPr>
+        <p:txBody>
+          <a:bodyPr anchorCtr="0" anchor="t" bIns="91425" lIns="91425" spcFirstLastPara="1" rIns="91425" wrap="square" tIns="91425">
+            <a:noAutofit/>
+          </a:bodyPr>
+          <a:lstStyle/>
+          <a:p>
+            <a:pPr indent="0" lvl="0" marL="0" rtl="0" algn="r">
+              <a:spcBef>
+                <a:spcPts val="0"/>
+              </a:spcBef>
+              <a:spcAft>
+                <a:spcPts val="0"/>
+              </a:spcAft>
+              <a:buNone/>
+            </a:pPr>
+            <a:fld id="{00000000-1234-1234-1234-123412341234}" type="slidenum">
+              <a:rPr lang="en-US"/>
+              <a:t>‹#›</a:t>
+            </a:fld>
+            <a:endParaRPr/>
+          </a:p>
+        </p:txBody>
+      </p:sp>
+    </p:spTree>
+  </p:cSld>
+  <p:clrMapOvr>
+    <a:masterClrMapping/>
+  </p:clrMapOvr>
+</p:sld>
+</file>
+
+<file path=ppt/slides/slide14.xml><?xml version="1.0" encoding="utf-8"?>
+<p:sld xmlns:a="http://schemas.openxmlformats.org/drawingml/2006/main" xmlns:r="http://schemas.openxmlformats.org/officeDocument/2006/relationships" xmlns:mc="http://schemas.openxmlformats.org/markup-compatibility/2006" xmlns:mv="urn:schemas-microsoft-com:mac:vml" xmlns:p="http://schemas.openxmlformats.org/presentationml/2006/main" xmlns:c="http://schemas.openxmlformats.org/drawingml/2006/chart" xmlns:dgm="http://schemas.openxmlformats.org/drawingml/2006/diagram" xmlns:o="urn:schemas-microsoft-com:office:office" xmlns:v="urn:schemas-microsoft-com:vml" xmlns:pvml="urn:schemas-microsoft-com:office:powerpoint" xmlns:com="http://schemas.openxmlformats.org/drawingml/2006/compatibility" xmlns:p14="http://schemas.microsoft.com/office/powerpoint/2010/main" xmlns:p15="http://schemas.microsoft.com/office/powerpoint/2012/main" xmlns:ahyp="http://schemas.microsoft.com/office/drawing/2018/hyperlinkcolor">
+  <p:cSld>
+    <p:spTree>
+      <p:nvGrpSpPr>
+        <p:cNvPr id="270" name="Shape 270"/>
+        <p:cNvGrpSpPr/>
+        <p:nvPr/>
+      </p:nvGrpSpPr>
+      <p:grpSpPr>
+        <a:xfrm>
+          <a:off x="0" y="0"/>
+          <a:ext cx="0" cy="0"/>
+          <a:chOff x="0" y="0"/>
+          <a:chExt cx="0" cy="0"/>
+        </a:xfrm>
+      </p:grpSpPr>
+      <p:sp>
+        <p:nvSpPr>
+          <p:cNvPr id="271" name="Google Shape;271;p40"/>
+          <p:cNvSpPr txBox="1"/>
+          <p:nvPr/>
+        </p:nvSpPr>
+        <p:spPr>
+          <a:xfrm>
+            <a:off x="838080" y="365040"/>
+            <a:ext cx="10515300" cy="1325100"/>
+          </a:xfrm>
+          <a:prstGeom prst="rect">
+            <a:avLst/>
+          </a:prstGeom>
+          <a:noFill/>
+          <a:ln>
+            <a:noFill/>
+          </a:ln>
+        </p:spPr>
+        <p:txBody>
+          <a:bodyPr anchorCtr="0" anchor="ctr" bIns="45700" lIns="91425" spcFirstLastPara="1" rIns="91425" wrap="square" tIns="45700">
+            <a:noAutofit/>
+          </a:bodyPr>
+          <a:lstStyle/>
+          <a:p>
+            <a:pPr indent="0" lvl="0" marL="0" marR="0" rtl="0" algn="l">
+              <a:lnSpc>
+                <a:spcPct val="90000"/>
+              </a:lnSpc>
+              <a:spcBef>
+                <a:spcPts val="0"/>
+              </a:spcBef>
+              <a:spcAft>
+                <a:spcPts val="0"/>
+              </a:spcAft>
+              <a:buNone/>
+            </a:pPr>
+            <a:r>
+              <a:rPr lang="en-US" sz="2800">
+                <a:solidFill>
+                  <a:srgbClr val="004F9B"/>
+                </a:solidFill>
+                <a:latin typeface="Tahoma"/>
+                <a:ea typeface="Tahoma"/>
+                <a:cs typeface="Tahoma"/>
+                <a:sym typeface="Tahoma"/>
+              </a:rPr>
+              <a:t>Training and validation loss</a:t>
+            </a:r>
+            <a:endParaRPr b="0" sz="2800" strike="noStrike">
+              <a:solidFill>
+                <a:srgbClr val="000000"/>
+              </a:solidFill>
+              <a:latin typeface="Arial"/>
+              <a:ea typeface="Arial"/>
+              <a:cs typeface="Arial"/>
+              <a:sym typeface="Arial"/>
+            </a:endParaRPr>
+          </a:p>
+        </p:txBody>
+      </p:sp>
+      <p:sp>
+        <p:nvSpPr>
+          <p:cNvPr id="272" name="Google Shape;272;p40"/>
+          <p:cNvSpPr txBox="1"/>
+          <p:nvPr/>
+        </p:nvSpPr>
+        <p:spPr>
+          <a:xfrm>
+            <a:off x="838080" y="1825560"/>
+            <a:ext cx="10515300" cy="4350900"/>
+          </a:xfrm>
+          <a:prstGeom prst="rect">
+            <a:avLst/>
+          </a:prstGeom>
+          <a:noFill/>
+          <a:ln>
+            <a:noFill/>
+          </a:ln>
+        </p:spPr>
+        <p:txBody>
+          <a:bodyPr anchorCtr="0" anchor="t" bIns="45700" lIns="91425" spcFirstLastPara="1" rIns="91425" wrap="square" tIns="45700">
+            <a:noAutofit/>
+          </a:bodyPr>
+          <a:lstStyle/>
+          <a:p>
+            <a:pPr indent="0" lvl="0" marL="0" marR="0" rtl="0" algn="l">
+              <a:spcBef>
+                <a:spcPts val="0"/>
+              </a:spcBef>
+              <a:spcAft>
+                <a:spcPts val="0"/>
+              </a:spcAft>
+              <a:buNone/>
+            </a:pPr>
+            <a:r>
+              <a:t/>
+            </a:r>
+            <a:endParaRPr b="0" sz="2800" strike="noStrike">
+              <a:solidFill>
+                <a:srgbClr val="000000"/>
+              </a:solidFill>
+              <a:latin typeface="Tahoma"/>
+              <a:ea typeface="Tahoma"/>
+              <a:cs typeface="Tahoma"/>
+              <a:sym typeface="Tahoma"/>
+            </a:endParaRPr>
+          </a:p>
+        </p:txBody>
+      </p:sp>
+      <p:sp>
+        <p:nvSpPr>
+          <p:cNvPr id="273" name="Google Shape;273;p40"/>
+          <p:cNvSpPr txBox="1"/>
+          <p:nvPr/>
+        </p:nvSpPr>
+        <p:spPr>
+          <a:xfrm>
+            <a:off x="838355" y="1421985"/>
+            <a:ext cx="10515300" cy="4350900"/>
+          </a:xfrm>
+          <a:prstGeom prst="rect">
+            <a:avLst/>
+          </a:prstGeom>
+          <a:noFill/>
+          <a:ln>
+            <a:noFill/>
+          </a:ln>
+        </p:spPr>
+        <p:txBody>
+          <a:bodyPr anchorCtr="0" anchor="t" bIns="45700" lIns="91425" spcFirstLastPara="1" rIns="91425" wrap="square" tIns="45700">
+            <a:normAutofit/>
+          </a:bodyPr>
+          <a:lstStyle/>
+          <a:p>
+            <a:pPr indent="0" lvl="0" marL="457200" marR="0" rtl="0" algn="l">
+              <a:spcBef>
+                <a:spcPts val="0"/>
+              </a:spcBef>
+              <a:spcAft>
+                <a:spcPts val="0"/>
+              </a:spcAft>
+              <a:buNone/>
+            </a:pPr>
+            <a:r>
+              <a:t/>
+            </a:r>
+            <a:endParaRPr sz="2400">
+              <a:latin typeface="Tahoma"/>
+              <a:ea typeface="Tahoma"/>
+              <a:cs typeface="Tahoma"/>
+              <a:sym typeface="Tahoma"/>
+            </a:endParaRPr>
+          </a:p>
+          <a:p>
+            <a:pPr indent="0" lvl="0" marL="0" marR="0" rtl="0" algn="l">
+              <a:spcBef>
+                <a:spcPts val="0"/>
+              </a:spcBef>
+              <a:spcAft>
+                <a:spcPts val="0"/>
+              </a:spcAft>
+              <a:buNone/>
+            </a:pPr>
+            <a:r>
+              <a:t/>
+            </a:r>
+            <a:endParaRPr sz="2400">
+              <a:latin typeface="Tahoma"/>
+              <a:ea typeface="Tahoma"/>
+              <a:cs typeface="Tahoma"/>
+              <a:sym typeface="Tahoma"/>
+            </a:endParaRPr>
+          </a:p>
+          <a:p>
+            <a:pPr indent="0" lvl="0" marL="0" marR="0" rtl="0" algn="l">
+              <a:spcBef>
+                <a:spcPts val="0"/>
+              </a:spcBef>
+              <a:spcAft>
+                <a:spcPts val="0"/>
+              </a:spcAft>
+              <a:buNone/>
+            </a:pPr>
+            <a:r>
+              <a:t/>
+            </a:r>
+            <a:endParaRPr sz="2400">
+              <a:latin typeface="Tahoma"/>
+              <a:ea typeface="Tahoma"/>
+              <a:cs typeface="Tahoma"/>
+              <a:sym typeface="Tahoma"/>
+            </a:endParaRPr>
+          </a:p>
+          <a:p>
+            <a:pPr indent="0" lvl="0" marL="0" marR="0" rtl="0" algn="l">
+              <a:spcBef>
+                <a:spcPts val="0"/>
+              </a:spcBef>
+              <a:spcAft>
+                <a:spcPts val="0"/>
+              </a:spcAft>
+              <a:buNone/>
+            </a:pPr>
+            <a:r>
+              <a:t/>
+            </a:r>
+            <a:endParaRPr sz="2400">
+              <a:latin typeface="Tahoma"/>
+              <a:ea typeface="Tahoma"/>
+              <a:cs typeface="Tahoma"/>
+              <a:sym typeface="Tahoma"/>
+            </a:endParaRPr>
+          </a:p>
+        </p:txBody>
+      </p:sp>
+      <p:pic>
+        <p:nvPicPr>
+          <p:cNvPr id="274" name="Google Shape;274;p40"/>
+          <p:cNvPicPr preferRelativeResize="0"/>
+          <p:nvPr/>
+        </p:nvPicPr>
+        <p:blipFill>
+          <a:blip r:embed="rId3">
+            <a:alphaModFix/>
+          </a:blip>
+          <a:stretch>
+            <a:fillRect/>
+          </a:stretch>
+        </p:blipFill>
+        <p:spPr>
+          <a:xfrm>
+            <a:off x="1333500" y="1421975"/>
+            <a:ext cx="9525000" cy="4762500"/>
+          </a:xfrm>
+          <a:prstGeom prst="rect">
+            <a:avLst/>
+          </a:prstGeom>
+          <a:noFill/>
+          <a:ln>
+            <a:noFill/>
+          </a:ln>
+        </p:spPr>
+      </p:pic>
+      <p:sp>
+        <p:nvSpPr>
+          <p:cNvPr id="275" name="Google Shape;275;p40"/>
+          <p:cNvSpPr txBox="1"/>
+          <p:nvPr>
+            <p:ph idx="12" type="sldNum"/>
+          </p:nvPr>
+        </p:nvSpPr>
+        <p:spPr>
+          <a:xfrm>
+            <a:off x="11409045" y="6333134"/>
+            <a:ext cx="731700" cy="525000"/>
+          </a:xfrm>
+          <a:prstGeom prst="rect">
+            <a:avLst/>
+          </a:prstGeom>
+        </p:spPr>
+        <p:txBody>
+          <a:bodyPr anchorCtr="0" anchor="t" bIns="91425" lIns="91425" spcFirstLastPara="1" rIns="91425" wrap="square" tIns="91425">
+            <a:noAutofit/>
+          </a:bodyPr>
+          <a:lstStyle/>
+          <a:p>
+            <a:pPr indent="0" lvl="0" marL="0" rtl="0" algn="r">
+              <a:spcBef>
+                <a:spcPts val="0"/>
+              </a:spcBef>
+              <a:spcAft>
+                <a:spcPts val="0"/>
+              </a:spcAft>
+              <a:buNone/>
+            </a:pPr>
+            <a:fld id="{00000000-1234-1234-1234-123412341234}" type="slidenum">
+              <a:rPr lang="en-US"/>
+              <a:t>‹#›</a:t>
+            </a:fld>
+            <a:endParaRPr/>
+          </a:p>
+        </p:txBody>
+      </p:sp>
+    </p:spTree>
+  </p:cSld>
+  <p:clrMapOvr>
+    <a:masterClrMapping/>
+  </p:clrMapOvr>
+</p:sld>
+</file>
+
+<file path=ppt/slides/slide15.xml><?xml version="1.0" encoding="utf-8"?>
+<p:sld xmlns:a="http://schemas.openxmlformats.org/drawingml/2006/main" xmlns:r="http://schemas.openxmlformats.org/officeDocument/2006/relationships" xmlns:mc="http://schemas.openxmlformats.org/markup-compatibility/2006" xmlns:mv="urn:schemas-microsoft-com:mac:vml" xmlns:p="http://schemas.openxmlformats.org/presentationml/2006/main" xmlns:c="http://schemas.openxmlformats.org/drawingml/2006/chart" xmlns:dgm="http://schemas.openxmlformats.org/drawingml/2006/diagram" xmlns:o="urn:schemas-microsoft-com:office:office" xmlns:v="urn:schemas-microsoft-com:vml" xmlns:pvml="urn:schemas-microsoft-com:office:powerpoint" xmlns:com="http://schemas.openxmlformats.org/drawingml/2006/compatibility" xmlns:p14="http://schemas.microsoft.com/office/powerpoint/2010/main" xmlns:p15="http://schemas.microsoft.com/office/powerpoint/2012/main" xmlns:ahyp="http://schemas.microsoft.com/office/drawing/2018/hyperlinkcolor">
+  <p:cSld>
+    <p:spTree>
+      <p:nvGrpSpPr>
+        <p:cNvPr id="279" name="Shape 279"/>
+        <p:cNvGrpSpPr/>
+        <p:nvPr/>
+      </p:nvGrpSpPr>
+      <p:grpSpPr>
+        <a:xfrm>
+          <a:off x="0" y="0"/>
+          <a:ext cx="0" cy="0"/>
+          <a:chOff x="0" y="0"/>
+          <a:chExt cx="0" cy="0"/>
+        </a:xfrm>
+      </p:grpSpPr>
+      <p:sp>
+        <p:nvSpPr>
+          <p:cNvPr id="280" name="Google Shape;280;p41"/>
+          <p:cNvSpPr txBox="1"/>
+          <p:nvPr/>
+        </p:nvSpPr>
+        <p:spPr>
+          <a:xfrm>
+            <a:off x="838080" y="365040"/>
+            <a:ext cx="10515300" cy="1325100"/>
+          </a:xfrm>
+          <a:prstGeom prst="rect">
+            <a:avLst/>
+          </a:prstGeom>
+          <a:noFill/>
+          <a:ln>
+            <a:noFill/>
+          </a:ln>
+        </p:spPr>
+        <p:txBody>
+          <a:bodyPr anchorCtr="0" anchor="ctr" bIns="45700" lIns="91425" spcFirstLastPara="1" rIns="91425" wrap="square" tIns="45700">
+            <a:noAutofit/>
+          </a:bodyPr>
+          <a:lstStyle/>
+          <a:p>
+            <a:pPr indent="0" lvl="0" marL="0" marR="0" rtl="0" algn="l">
+              <a:lnSpc>
+                <a:spcPct val="90000"/>
+              </a:lnSpc>
+              <a:spcBef>
+                <a:spcPts val="0"/>
+              </a:spcBef>
+              <a:spcAft>
+                <a:spcPts val="0"/>
+              </a:spcAft>
+              <a:buNone/>
+            </a:pPr>
+            <a:r>
+              <a:rPr lang="en-US" sz="2800">
+                <a:solidFill>
+                  <a:srgbClr val="004F9B"/>
+                </a:solidFill>
+                <a:latin typeface="Tahoma"/>
+                <a:ea typeface="Tahoma"/>
+                <a:cs typeface="Tahoma"/>
+                <a:sym typeface="Tahoma"/>
+              </a:rPr>
+              <a:t>Evaluation</a:t>
+            </a:r>
+            <a:endParaRPr b="0" sz="2800" strike="noStrike">
+              <a:solidFill>
+                <a:srgbClr val="000000"/>
+              </a:solidFill>
+              <a:latin typeface="Arial"/>
+              <a:ea typeface="Arial"/>
+              <a:cs typeface="Arial"/>
+              <a:sym typeface="Arial"/>
+            </a:endParaRPr>
+          </a:p>
+        </p:txBody>
+      </p:sp>
+      <p:sp>
+        <p:nvSpPr>
+          <p:cNvPr id="281" name="Google Shape;281;p41"/>
+          <p:cNvSpPr txBox="1"/>
+          <p:nvPr/>
+        </p:nvSpPr>
+        <p:spPr>
+          <a:xfrm>
+            <a:off x="838080" y="1825560"/>
+            <a:ext cx="10515300" cy="4350900"/>
+          </a:xfrm>
+          <a:prstGeom prst="rect">
+            <a:avLst/>
+          </a:prstGeom>
+          <a:noFill/>
+          <a:ln>
+            <a:noFill/>
+          </a:ln>
+        </p:spPr>
+        <p:txBody>
+          <a:bodyPr anchorCtr="0" anchor="t" bIns="45700" lIns="91425" spcFirstLastPara="1" rIns="91425" wrap="square" tIns="45700">
+            <a:noAutofit/>
+          </a:bodyPr>
+          <a:lstStyle/>
+          <a:p>
+            <a:pPr indent="0" lvl="0" marL="0" marR="0" rtl="0" algn="l">
+              <a:spcBef>
+                <a:spcPts val="0"/>
+              </a:spcBef>
+              <a:spcAft>
+                <a:spcPts val="0"/>
+              </a:spcAft>
+              <a:buNone/>
+            </a:pPr>
+            <a:r>
+              <a:t/>
+            </a:r>
+            <a:endParaRPr b="0" sz="2800" strike="noStrike">
+              <a:solidFill>
+                <a:srgbClr val="000000"/>
+              </a:solidFill>
+              <a:latin typeface="Tahoma"/>
+              <a:ea typeface="Tahoma"/>
+              <a:cs typeface="Tahoma"/>
+              <a:sym typeface="Tahoma"/>
+            </a:endParaRPr>
+          </a:p>
+        </p:txBody>
+      </p:sp>
+      <p:sp>
+        <p:nvSpPr>
+          <p:cNvPr id="282" name="Google Shape;282;p41"/>
+          <p:cNvSpPr txBox="1"/>
+          <p:nvPr/>
+        </p:nvSpPr>
+        <p:spPr>
+          <a:xfrm>
+            <a:off x="838355" y="1421985"/>
+            <a:ext cx="10515300" cy="4350900"/>
+          </a:xfrm>
+          <a:prstGeom prst="rect">
+            <a:avLst/>
+          </a:prstGeom>
+          <a:noFill/>
+          <a:ln>
+            <a:noFill/>
+          </a:ln>
+        </p:spPr>
+        <p:txBody>
+          <a:bodyPr anchorCtr="0" anchor="t" bIns="45700" lIns="91425" spcFirstLastPara="1" rIns="91425" wrap="square" tIns="45700">
+            <a:normAutofit/>
+          </a:bodyPr>
+          <a:lstStyle/>
+          <a:p>
+            <a:pPr indent="0" lvl="0" marL="457200" marR="0" rtl="0" algn="l">
+              <a:spcBef>
+                <a:spcPts val="0"/>
+              </a:spcBef>
+              <a:spcAft>
+                <a:spcPts val="0"/>
+              </a:spcAft>
+              <a:buNone/>
+            </a:pPr>
+            <a:r>
+              <a:t/>
+            </a:r>
+            <a:endParaRPr sz="2400">
+              <a:latin typeface="Tahoma"/>
+              <a:ea typeface="Tahoma"/>
+              <a:cs typeface="Tahoma"/>
+              <a:sym typeface="Tahoma"/>
+            </a:endParaRPr>
+          </a:p>
+          <a:p>
+            <a:pPr indent="0" lvl="0" marL="0" marR="0" rtl="0" algn="l">
+              <a:spcBef>
+                <a:spcPts val="0"/>
+              </a:spcBef>
+              <a:spcAft>
+                <a:spcPts val="0"/>
+              </a:spcAft>
+              <a:buNone/>
+            </a:pPr>
+            <a:r>
+              <a:t/>
+            </a:r>
+            <a:endParaRPr sz="2400">
+              <a:latin typeface="Tahoma"/>
+              <a:ea typeface="Tahoma"/>
+              <a:cs typeface="Tahoma"/>
+              <a:sym typeface="Tahoma"/>
+            </a:endParaRPr>
+          </a:p>
+          <a:p>
+            <a:pPr indent="0" lvl="0" marL="0" marR="0" rtl="0" algn="l">
+              <a:spcBef>
+                <a:spcPts val="0"/>
+              </a:spcBef>
+              <a:spcAft>
+                <a:spcPts val="0"/>
+              </a:spcAft>
+              <a:buNone/>
+            </a:pPr>
+            <a:r>
+              <a:t/>
+            </a:r>
+            <a:endParaRPr sz="2400">
+              <a:latin typeface="Tahoma"/>
+              <a:ea typeface="Tahoma"/>
+              <a:cs typeface="Tahoma"/>
+              <a:sym typeface="Tahoma"/>
+            </a:endParaRPr>
+          </a:p>
+          <a:p>
+            <a:pPr indent="0" lvl="0" marL="0" marR="0" rtl="0" algn="l">
+              <a:spcBef>
+                <a:spcPts val="0"/>
+              </a:spcBef>
+              <a:spcAft>
+                <a:spcPts val="0"/>
+              </a:spcAft>
+              <a:buNone/>
+            </a:pPr>
+            <a:r>
+              <a:t/>
+            </a:r>
+            <a:endParaRPr sz="2400">
+              <a:latin typeface="Tahoma"/>
+              <a:ea typeface="Tahoma"/>
+              <a:cs typeface="Tahoma"/>
+              <a:sym typeface="Tahoma"/>
+            </a:endParaRPr>
+          </a:p>
+        </p:txBody>
+      </p:sp>
+      <p:sp>
+        <p:nvSpPr>
+          <p:cNvPr id="283" name="Google Shape;283;p41"/>
+          <p:cNvSpPr txBox="1"/>
+          <p:nvPr>
+            <p:ph idx="12" type="sldNum"/>
+          </p:nvPr>
+        </p:nvSpPr>
+        <p:spPr>
+          <a:xfrm>
+            <a:off x="11409045" y="6333134"/>
+            <a:ext cx="731700" cy="525000"/>
+          </a:xfrm>
+          <a:prstGeom prst="rect">
+            <a:avLst/>
+          </a:prstGeom>
+        </p:spPr>
+        <p:txBody>
+          <a:bodyPr anchorCtr="0" anchor="t" bIns="91425" lIns="91425" spcFirstLastPara="1" rIns="91425" wrap="square" tIns="91425">
+            <a:noAutofit/>
+          </a:bodyPr>
+          <a:lstStyle/>
+          <a:p>
+            <a:pPr indent="0" lvl="0" marL="0" rtl="0" algn="r">
+              <a:spcBef>
+                <a:spcPts val="0"/>
+              </a:spcBef>
+              <a:spcAft>
+                <a:spcPts val="0"/>
+              </a:spcAft>
+              <a:buNone/>
+            </a:pPr>
+            <a:fld id="{00000000-1234-1234-1234-123412341234}" type="slidenum">
+              <a:rPr lang="en-US"/>
+              <a:t>‹#›</a:t>
+            </a:fld>
+            <a:endParaRPr/>
+          </a:p>
+        </p:txBody>
+      </p:sp>
+      <p:pic>
+        <p:nvPicPr>
+          <p:cNvPr id="284" name="Google Shape;284;p41"/>
+          <p:cNvPicPr preferRelativeResize="0"/>
+          <p:nvPr/>
+        </p:nvPicPr>
+        <p:blipFill>
+          <a:blip r:embed="rId3">
+            <a:alphaModFix/>
+          </a:blip>
+          <a:stretch>
+            <a:fillRect/>
+          </a:stretch>
+        </p:blipFill>
+        <p:spPr>
+          <a:xfrm>
+            <a:off x="838075" y="1604450"/>
+            <a:ext cx="3513550" cy="2635175"/>
+          </a:xfrm>
+          <a:prstGeom prst="rect">
+            <a:avLst/>
+          </a:prstGeom>
+          <a:noFill/>
+          <a:ln>
+            <a:noFill/>
+          </a:ln>
+        </p:spPr>
+      </p:pic>
+      <p:pic>
+        <p:nvPicPr>
+          <p:cNvPr id="285" name="Google Shape;285;p41"/>
+          <p:cNvPicPr preferRelativeResize="0"/>
+          <p:nvPr/>
+        </p:nvPicPr>
+        <p:blipFill>
+          <a:blip r:embed="rId4">
+            <a:alphaModFix/>
+          </a:blip>
+          <a:stretch>
+            <a:fillRect/>
+          </a:stretch>
+        </p:blipFill>
+        <p:spPr>
+          <a:xfrm>
+            <a:off x="4078075" y="1532338"/>
+            <a:ext cx="3705875" cy="2779400"/>
+          </a:xfrm>
+          <a:prstGeom prst="rect">
+            <a:avLst/>
+          </a:prstGeom>
+          <a:noFill/>
+          <a:ln>
+            <a:noFill/>
+          </a:ln>
+        </p:spPr>
+      </p:pic>
+      <p:pic>
+        <p:nvPicPr>
+          <p:cNvPr id="286" name="Google Shape;286;p41"/>
+          <p:cNvPicPr preferRelativeResize="0"/>
+          <p:nvPr/>
+        </p:nvPicPr>
+        <p:blipFill>
+          <a:blip r:embed="rId5">
+            <a:alphaModFix/>
+          </a:blip>
+          <a:stretch>
+            <a:fillRect/>
+          </a:stretch>
+        </p:blipFill>
+        <p:spPr>
+          <a:xfrm>
+            <a:off x="7861725" y="3757375"/>
+            <a:ext cx="3705875" cy="2779402"/>
+          </a:xfrm>
+          <a:prstGeom prst="rect">
+            <a:avLst/>
+          </a:prstGeom>
+          <a:noFill/>
+          <a:ln>
+            <a:noFill/>
+          </a:ln>
+        </p:spPr>
+      </p:pic>
+      <p:pic>
+        <p:nvPicPr>
+          <p:cNvPr id="287" name="Google Shape;287;p41"/>
+          <p:cNvPicPr preferRelativeResize="0"/>
+          <p:nvPr/>
+        </p:nvPicPr>
+        <p:blipFill>
+          <a:blip r:embed="rId6">
+            <a:alphaModFix/>
+          </a:blip>
+          <a:stretch>
+            <a:fillRect/>
+          </a:stretch>
+        </p:blipFill>
+        <p:spPr>
+          <a:xfrm>
+            <a:off x="7783950" y="1532350"/>
+            <a:ext cx="3705875" cy="2779406"/>
+          </a:xfrm>
+          <a:prstGeom prst="rect">
+            <a:avLst/>
+          </a:prstGeom>
+          <a:noFill/>
+          <a:ln>
+            <a:noFill/>
+          </a:ln>
+        </p:spPr>
+      </p:pic>
+      <p:pic>
+        <p:nvPicPr>
+          <p:cNvPr id="288" name="Google Shape;288;p41"/>
+          <p:cNvPicPr preferRelativeResize="0"/>
+          <p:nvPr/>
+        </p:nvPicPr>
+        <p:blipFill>
+          <a:blip r:embed="rId7">
+            <a:alphaModFix/>
+          </a:blip>
+          <a:stretch>
+            <a:fillRect/>
+          </a:stretch>
+        </p:blipFill>
+        <p:spPr>
+          <a:xfrm>
+            <a:off x="899050" y="3850350"/>
+            <a:ext cx="3513550" cy="2635163"/>
+          </a:xfrm>
+          <a:prstGeom prst="rect">
+            <a:avLst/>
+          </a:prstGeom>
+          <a:noFill/>
+          <a:ln>
+            <a:noFill/>
+          </a:ln>
+        </p:spPr>
+      </p:pic>
+      <p:pic>
+        <p:nvPicPr>
+          <p:cNvPr id="289" name="Google Shape;289;p41"/>
+          <p:cNvPicPr preferRelativeResize="0"/>
+          <p:nvPr/>
+        </p:nvPicPr>
+        <p:blipFill>
+          <a:blip r:embed="rId8">
+            <a:alphaModFix/>
+          </a:blip>
+          <a:stretch>
+            <a:fillRect/>
+          </a:stretch>
+        </p:blipFill>
+        <p:spPr>
+          <a:xfrm>
+            <a:off x="4242788" y="3782325"/>
+            <a:ext cx="3705875" cy="2779406"/>
+          </a:xfrm>
+          <a:prstGeom prst="rect">
+            <a:avLst/>
+          </a:prstGeom>
+          <a:noFill/>
+          <a:ln>
+            <a:noFill/>
+          </a:ln>
+        </p:spPr>
+      </p:pic>
+    </p:spTree>
+  </p:cSld>
+  <p:clrMapOvr>
+    <a:masterClrMapping/>
+  </p:clrMapOvr>
+</p:sld>
+</file>
+
+<file path=ppt/slides/slide16.xml><?xml version="1.0" encoding="utf-8"?>
+<p:sld xmlns:a="http://schemas.openxmlformats.org/drawingml/2006/main" xmlns:r="http://schemas.openxmlformats.org/officeDocument/2006/relationships" xmlns:mc="http://schemas.openxmlformats.org/markup-compatibility/2006" xmlns:mv="urn:schemas-microsoft-com:mac:vml" xmlns:p="http://schemas.openxmlformats.org/presentationml/2006/main" xmlns:c="http://schemas.openxmlformats.org/drawingml/2006/chart" xmlns:dgm="http://schemas.openxmlformats.org/drawingml/2006/diagram" xmlns:o="urn:schemas-microsoft-com:office:office" xmlns:v="urn:schemas-microsoft-com:vml" xmlns:pvml="urn:schemas-microsoft-com:office:powerpoint" xmlns:com="http://schemas.openxmlformats.org/drawingml/2006/compatibility" xmlns:p14="http://schemas.microsoft.com/office/powerpoint/2010/main" xmlns:p15="http://schemas.microsoft.com/office/powerpoint/2012/main" xmlns:ahyp="http://schemas.microsoft.com/office/drawing/2018/hyperlinkcolor">
+  <p:cSld>
+    <p:spTree>
+      <p:nvGrpSpPr>
+        <p:cNvPr id="293" name="Shape 293"/>
+        <p:cNvGrpSpPr/>
+        <p:nvPr/>
+      </p:nvGrpSpPr>
+      <p:grpSpPr>
+        <a:xfrm>
+          <a:off x="0" y="0"/>
+          <a:ext cx="0" cy="0"/>
+          <a:chOff x="0" y="0"/>
+          <a:chExt cx="0" cy="0"/>
+        </a:xfrm>
+      </p:grpSpPr>
+      <p:sp>
+        <p:nvSpPr>
+          <p:cNvPr id="294" name="Google Shape;294;p42"/>
+          <p:cNvSpPr txBox="1"/>
+          <p:nvPr/>
+        </p:nvSpPr>
+        <p:spPr>
+          <a:xfrm>
+            <a:off x="838080" y="365040"/>
+            <a:ext cx="10515300" cy="1325100"/>
+          </a:xfrm>
+          <a:prstGeom prst="rect">
+            <a:avLst/>
+          </a:prstGeom>
+          <a:noFill/>
+          <a:ln>
+            <a:noFill/>
+          </a:ln>
+        </p:spPr>
+        <p:txBody>
+          <a:bodyPr anchorCtr="0" anchor="ctr" bIns="45700" lIns="91425" spcFirstLastPara="1" rIns="91425" wrap="square" tIns="45700">
+            <a:noAutofit/>
+          </a:bodyPr>
+          <a:lstStyle/>
+          <a:p>
+            <a:pPr indent="0" lvl="0" marL="0" marR="0" rtl="0" algn="l">
+              <a:lnSpc>
+                <a:spcPct val="90000"/>
+              </a:lnSpc>
+              <a:spcBef>
+                <a:spcPts val="0"/>
+              </a:spcBef>
+              <a:spcAft>
+                <a:spcPts val="0"/>
+              </a:spcAft>
+              <a:buNone/>
+            </a:pPr>
+            <a:r>
+              <a:rPr lang="en-US" sz="2800">
+                <a:solidFill>
+                  <a:srgbClr val="004F9B"/>
+                </a:solidFill>
+                <a:latin typeface="Tahoma"/>
+                <a:ea typeface="Tahoma"/>
+                <a:cs typeface="Tahoma"/>
+                <a:sym typeface="Tahoma"/>
+              </a:rPr>
+              <a:t>Pros and Cons</a:t>
+            </a:r>
+            <a:endParaRPr b="0" sz="2800" strike="noStrike">
+              <a:solidFill>
+                <a:srgbClr val="000000"/>
+              </a:solidFill>
+              <a:latin typeface="Arial"/>
+              <a:ea typeface="Arial"/>
+              <a:cs typeface="Arial"/>
+              <a:sym typeface="Arial"/>
+            </a:endParaRPr>
+          </a:p>
+        </p:txBody>
+      </p:sp>
+      <p:sp>
+        <p:nvSpPr>
+          <p:cNvPr id="295" name="Google Shape;295;p42"/>
+          <p:cNvSpPr txBox="1"/>
+          <p:nvPr/>
+        </p:nvSpPr>
+        <p:spPr>
+          <a:xfrm>
+            <a:off x="838080" y="1825560"/>
+            <a:ext cx="10515300" cy="4350900"/>
+          </a:xfrm>
+          <a:prstGeom prst="rect">
+            <a:avLst/>
+          </a:prstGeom>
+          <a:noFill/>
+          <a:ln>
+            <a:noFill/>
+          </a:ln>
+        </p:spPr>
+        <p:txBody>
+          <a:bodyPr anchorCtr="0" anchor="t" bIns="45700" lIns="91425" spcFirstLastPara="1" rIns="91425" wrap="square" tIns="45700">
+            <a:noAutofit/>
+          </a:bodyPr>
+          <a:lstStyle/>
+          <a:p>
+            <a:pPr indent="0" lvl="0" marL="0" marR="0" rtl="0" algn="l">
+              <a:spcBef>
+                <a:spcPts val="0"/>
+              </a:spcBef>
+              <a:spcAft>
+                <a:spcPts val="0"/>
+              </a:spcAft>
+              <a:buNone/>
+            </a:pPr>
+            <a:r>
+              <a:t/>
+            </a:r>
+            <a:endParaRPr b="0" sz="2800" strike="noStrike">
+              <a:solidFill>
+                <a:srgbClr val="000000"/>
+              </a:solidFill>
+              <a:latin typeface="Tahoma"/>
+              <a:ea typeface="Tahoma"/>
+              <a:cs typeface="Tahoma"/>
+              <a:sym typeface="Tahoma"/>
+            </a:endParaRPr>
+          </a:p>
+        </p:txBody>
+      </p:sp>
+      <p:sp>
+        <p:nvSpPr>
+          <p:cNvPr id="296" name="Google Shape;296;p42"/>
+          <p:cNvSpPr txBox="1"/>
+          <p:nvPr/>
+        </p:nvSpPr>
+        <p:spPr>
+          <a:xfrm>
+            <a:off x="838355" y="1421985"/>
+            <a:ext cx="10515300" cy="4350900"/>
+          </a:xfrm>
+          <a:prstGeom prst="rect">
+            <a:avLst/>
+          </a:prstGeom>
+          <a:noFill/>
+          <a:ln>
+            <a:noFill/>
+          </a:ln>
+        </p:spPr>
+        <p:txBody>
+          <a:bodyPr anchorCtr="0" anchor="t" bIns="45700" lIns="91425" spcFirstLastPara="1" rIns="91425" wrap="square" tIns="45700">
+            <a:normAutofit/>
+          </a:bodyPr>
+          <a:lstStyle/>
+          <a:p>
+            <a:pPr indent="0" lvl="0" marL="0" marR="0" rtl="0" algn="l">
+              <a:spcBef>
+                <a:spcPts val="0"/>
+              </a:spcBef>
+              <a:spcAft>
+                <a:spcPts val="0"/>
+              </a:spcAft>
+              <a:buNone/>
+            </a:pPr>
+            <a:r>
+              <a:rPr lang="en-US" sz="2400">
+                <a:latin typeface="Tahoma"/>
+                <a:ea typeface="Tahoma"/>
+                <a:cs typeface="Tahoma"/>
+                <a:sym typeface="Tahoma"/>
+              </a:rPr>
+              <a:t>Pros:</a:t>
+            </a:r>
+            <a:endParaRPr sz="2400">
+              <a:latin typeface="Tahoma"/>
+              <a:ea typeface="Tahoma"/>
+              <a:cs typeface="Tahoma"/>
+              <a:sym typeface="Tahoma"/>
+            </a:endParaRPr>
+          </a:p>
+          <a:p>
+            <a:pPr indent="-355600" lvl="0" marL="457200" marR="0" rtl="0" algn="l">
+              <a:spcBef>
+                <a:spcPts val="0"/>
+              </a:spcBef>
+              <a:spcAft>
+                <a:spcPts val="0"/>
+              </a:spcAft>
+              <a:buSzPts val="2000"/>
+              <a:buFont typeface="Tahoma"/>
+              <a:buChar char="-"/>
+            </a:pPr>
+            <a:r>
+              <a:rPr lang="en-US" sz="2000">
+                <a:latin typeface="Tahoma"/>
+                <a:ea typeface="Tahoma"/>
+                <a:cs typeface="Tahoma"/>
+                <a:sym typeface="Tahoma"/>
+              </a:rPr>
+              <a:t>More robust to class imbalance</a:t>
+            </a:r>
+            <a:endParaRPr sz="2000">
+              <a:latin typeface="Tahoma"/>
+              <a:ea typeface="Tahoma"/>
+              <a:cs typeface="Tahoma"/>
+              <a:sym typeface="Tahoma"/>
+            </a:endParaRPr>
+          </a:p>
+          <a:p>
+            <a:pPr indent="-355600" lvl="0" marL="457200" marR="0" rtl="0" algn="l">
+              <a:spcBef>
+                <a:spcPts val="0"/>
+              </a:spcBef>
+              <a:spcAft>
+                <a:spcPts val="0"/>
+              </a:spcAft>
+              <a:buSzPts val="2000"/>
+              <a:buFont typeface="Tahoma"/>
+              <a:buChar char="-"/>
+            </a:pPr>
+            <a:r>
+              <a:rPr lang="en-US" sz="2000">
+                <a:latin typeface="Tahoma"/>
+                <a:ea typeface="Tahoma"/>
+                <a:cs typeface="Tahoma"/>
+                <a:sym typeface="Tahoma"/>
+              </a:rPr>
+              <a:t>One-shot classification model</a:t>
+            </a:r>
+            <a:endParaRPr sz="2000">
+              <a:latin typeface="Tahoma"/>
+              <a:ea typeface="Tahoma"/>
+              <a:cs typeface="Tahoma"/>
+              <a:sym typeface="Tahoma"/>
+            </a:endParaRPr>
+          </a:p>
+          <a:p>
+            <a:pPr indent="-355600" lvl="0" marL="457200" marR="0" rtl="0" algn="l">
+              <a:spcBef>
+                <a:spcPts val="0"/>
+              </a:spcBef>
+              <a:spcAft>
+                <a:spcPts val="0"/>
+              </a:spcAft>
+              <a:buSzPts val="2000"/>
+              <a:buFont typeface="Tahoma"/>
+              <a:buChar char="-"/>
+            </a:pPr>
+            <a:r>
+              <a:rPr lang="en-US" sz="2000">
+                <a:latin typeface="Tahoma"/>
+                <a:ea typeface="Tahoma"/>
+                <a:cs typeface="Tahoma"/>
+                <a:sym typeface="Tahoma"/>
+              </a:rPr>
+              <a:t>Generates embeddings that are used for unseen classes</a:t>
+            </a:r>
+            <a:endParaRPr sz="2000">
+              <a:latin typeface="Tahoma"/>
+              <a:ea typeface="Tahoma"/>
+              <a:cs typeface="Tahoma"/>
+              <a:sym typeface="Tahoma"/>
+            </a:endParaRPr>
+          </a:p>
+          <a:p>
+            <a:pPr indent="0" lvl="0" marL="0" marR="0" rtl="0" algn="l">
+              <a:spcBef>
+                <a:spcPts val="0"/>
+              </a:spcBef>
+              <a:spcAft>
+                <a:spcPts val="0"/>
+              </a:spcAft>
+              <a:buNone/>
+            </a:pPr>
+            <a:r>
+              <a:t/>
+            </a:r>
+            <a:endParaRPr sz="2000">
+              <a:latin typeface="Tahoma"/>
+              <a:ea typeface="Tahoma"/>
+              <a:cs typeface="Tahoma"/>
+              <a:sym typeface="Tahoma"/>
+            </a:endParaRPr>
+          </a:p>
+          <a:p>
+            <a:pPr indent="0" lvl="0" marL="0" marR="0" rtl="0" algn="l">
+              <a:spcBef>
+                <a:spcPts val="0"/>
+              </a:spcBef>
+              <a:spcAft>
+                <a:spcPts val="0"/>
+              </a:spcAft>
+              <a:buNone/>
+            </a:pPr>
+            <a:r>
+              <a:t/>
+            </a:r>
+            <a:endParaRPr sz="2000">
+              <a:latin typeface="Tahoma"/>
+              <a:ea typeface="Tahoma"/>
+              <a:cs typeface="Tahoma"/>
+              <a:sym typeface="Tahoma"/>
+            </a:endParaRPr>
+          </a:p>
+          <a:p>
+            <a:pPr indent="0" lvl="0" marL="0" rtl="0" algn="l">
+              <a:spcBef>
+                <a:spcPts val="0"/>
+              </a:spcBef>
+              <a:spcAft>
+                <a:spcPts val="0"/>
+              </a:spcAft>
+              <a:buNone/>
+            </a:pPr>
+            <a:r>
+              <a:rPr lang="en-US" sz="2400">
+                <a:solidFill>
+                  <a:schemeClr val="dk1"/>
+                </a:solidFill>
+                <a:latin typeface="Tahoma"/>
+                <a:ea typeface="Tahoma"/>
+                <a:cs typeface="Tahoma"/>
+                <a:sym typeface="Tahoma"/>
+              </a:rPr>
+              <a:t>Cons</a:t>
+            </a:r>
+            <a:r>
+              <a:rPr lang="en-US" sz="2400">
+                <a:solidFill>
+                  <a:schemeClr val="dk1"/>
+                </a:solidFill>
+                <a:latin typeface="Tahoma"/>
+                <a:ea typeface="Tahoma"/>
+                <a:cs typeface="Tahoma"/>
+                <a:sym typeface="Tahoma"/>
+              </a:rPr>
+              <a:t>:</a:t>
+            </a:r>
+            <a:endParaRPr sz="2400">
+              <a:solidFill>
+                <a:schemeClr val="dk1"/>
+              </a:solidFill>
+              <a:latin typeface="Tahoma"/>
+              <a:ea typeface="Tahoma"/>
+              <a:cs typeface="Tahoma"/>
+              <a:sym typeface="Tahoma"/>
+            </a:endParaRPr>
+          </a:p>
+          <a:p>
+            <a:pPr indent="-381000" lvl="0" marL="457200" rtl="0" algn="l">
+              <a:spcBef>
+                <a:spcPts val="0"/>
+              </a:spcBef>
+              <a:spcAft>
+                <a:spcPts val="0"/>
+              </a:spcAft>
+              <a:buClr>
+                <a:schemeClr val="dk1"/>
+              </a:buClr>
+              <a:buSzPts val="2400"/>
+              <a:buFont typeface="Tahoma"/>
+              <a:buChar char="-"/>
+            </a:pPr>
+            <a:r>
+              <a:rPr lang="en-US" sz="2000">
+                <a:solidFill>
+                  <a:schemeClr val="dk1"/>
+                </a:solidFill>
+                <a:latin typeface="Tahoma"/>
+                <a:ea typeface="Tahoma"/>
+                <a:cs typeface="Tahoma"/>
+                <a:sym typeface="Tahoma"/>
+              </a:rPr>
+              <a:t>Longer training time </a:t>
+            </a:r>
+            <a:endParaRPr sz="2000">
+              <a:solidFill>
+                <a:schemeClr val="dk1"/>
+              </a:solidFill>
+              <a:latin typeface="Tahoma"/>
+              <a:ea typeface="Tahoma"/>
+              <a:cs typeface="Tahoma"/>
+              <a:sym typeface="Tahoma"/>
+            </a:endParaRPr>
+          </a:p>
+          <a:p>
+            <a:pPr indent="-355600" lvl="0" marL="457200" rtl="0" algn="l">
+              <a:spcBef>
+                <a:spcPts val="0"/>
+              </a:spcBef>
+              <a:spcAft>
+                <a:spcPts val="0"/>
+              </a:spcAft>
+              <a:buClr>
+                <a:schemeClr val="dk1"/>
+              </a:buClr>
+              <a:buSzPts val="2000"/>
+              <a:buFont typeface="Tahoma"/>
+              <a:buChar char="-"/>
+            </a:pPr>
+            <a:r>
+              <a:rPr lang="en-US" sz="2000">
+                <a:solidFill>
+                  <a:schemeClr val="dk1"/>
+                </a:solidFill>
+                <a:latin typeface="Tahoma"/>
+                <a:ea typeface="Tahoma"/>
+                <a:cs typeface="Tahoma"/>
+                <a:sym typeface="Tahoma"/>
+              </a:rPr>
+              <a:t>Does not output probabilities but rather similarity metric</a:t>
+            </a:r>
+            <a:endParaRPr sz="2000">
+              <a:solidFill>
+                <a:schemeClr val="dk1"/>
+              </a:solidFill>
+              <a:latin typeface="Tahoma"/>
+              <a:ea typeface="Tahoma"/>
+              <a:cs typeface="Tahoma"/>
+              <a:sym typeface="Tahoma"/>
+            </a:endParaRPr>
+          </a:p>
+          <a:p>
+            <a:pPr indent="0" lvl="0" marL="0" marR="0" rtl="0" algn="l">
+              <a:spcBef>
+                <a:spcPts val="0"/>
+              </a:spcBef>
+              <a:spcAft>
+                <a:spcPts val="0"/>
+              </a:spcAft>
+              <a:buNone/>
+            </a:pPr>
+            <a:r>
+              <a:t/>
+            </a:r>
+            <a:endParaRPr sz="2400">
+              <a:latin typeface="Tahoma"/>
+              <a:ea typeface="Tahoma"/>
+              <a:cs typeface="Tahoma"/>
+              <a:sym typeface="Tahoma"/>
+            </a:endParaRPr>
+          </a:p>
+          <a:p>
+            <a:pPr indent="0" lvl="0" marL="0" marR="0" rtl="0" algn="l">
+              <a:spcBef>
+                <a:spcPts val="0"/>
+              </a:spcBef>
+              <a:spcAft>
+                <a:spcPts val="0"/>
+              </a:spcAft>
+              <a:buNone/>
+            </a:pPr>
+            <a:r>
+              <a:t/>
+            </a:r>
+            <a:endParaRPr sz="2400">
+              <a:latin typeface="Tahoma"/>
+              <a:ea typeface="Tahoma"/>
+              <a:cs typeface="Tahoma"/>
+              <a:sym typeface="Tahoma"/>
+            </a:endParaRPr>
+          </a:p>
+        </p:txBody>
+      </p:sp>
+      <p:sp>
+        <p:nvSpPr>
+          <p:cNvPr id="297" name="Google Shape;297;p42"/>
+          <p:cNvSpPr txBox="1"/>
+          <p:nvPr>
+            <p:ph idx="12" type="sldNum"/>
+          </p:nvPr>
+        </p:nvSpPr>
+        <p:spPr>
+          <a:xfrm>
+            <a:off x="11409045" y="6333134"/>
+            <a:ext cx="731700" cy="525000"/>
+          </a:xfrm>
+          <a:prstGeom prst="rect">
+            <a:avLst/>
+          </a:prstGeom>
+        </p:spPr>
+        <p:txBody>
+          <a:bodyPr anchorCtr="0" anchor="t" bIns="91425" lIns="91425" spcFirstLastPara="1" rIns="91425" wrap="square" tIns="91425">
+            <a:noAutofit/>
+          </a:bodyPr>
+          <a:lstStyle/>
+          <a:p>
+            <a:pPr indent="0" lvl="0" marL="0" rtl="0" algn="r">
+              <a:spcBef>
+                <a:spcPts val="0"/>
+              </a:spcBef>
+              <a:spcAft>
+                <a:spcPts val="0"/>
+              </a:spcAft>
+              <a:buNone/>
+            </a:pPr>
+            <a:fld id="{00000000-1234-1234-1234-123412341234}" type="slidenum">
+              <a:rPr lang="en-US"/>
+              <a:t>‹#›</a:t>
+            </a:fld>
+            <a:endParaRPr/>
+          </a:p>
+        </p:txBody>
+      </p:sp>
+    </p:spTree>
+  </p:cSld>
+  <p:clrMapOvr>
+    <a:masterClrMapping/>
+  </p:clrMapOvr>
+</p:sld>
+</file>
+
+<file path=ppt/slides/slide17.xml><?xml version="1.0" encoding="utf-8"?>
+<p:sld xmlns:a="http://schemas.openxmlformats.org/drawingml/2006/main" xmlns:r="http://schemas.openxmlformats.org/officeDocument/2006/relationships" xmlns:mc="http://schemas.openxmlformats.org/markup-compatibility/2006" xmlns:mv="urn:schemas-microsoft-com:mac:vml" xmlns:p="http://schemas.openxmlformats.org/presentationml/2006/main" xmlns:c="http://schemas.openxmlformats.org/drawingml/2006/chart" xmlns:dgm="http://schemas.openxmlformats.org/drawingml/2006/diagram" xmlns:o="urn:schemas-microsoft-com:office:office" xmlns:v="urn:schemas-microsoft-com:vml" xmlns:pvml="urn:schemas-microsoft-com:office:powerpoint" xmlns:com="http://schemas.openxmlformats.org/drawingml/2006/compatibility" xmlns:p14="http://schemas.microsoft.com/office/powerpoint/2010/main" xmlns:p15="http://schemas.microsoft.com/office/powerpoint/2012/main" xmlns:ahyp="http://schemas.microsoft.com/office/drawing/2018/hyperlinkcolor">
+  <p:cSld>
+    <p:spTree>
+      <p:nvGrpSpPr>
+        <p:cNvPr id="301" name="Shape 301"/>
+        <p:cNvGrpSpPr/>
+        <p:nvPr/>
+      </p:nvGrpSpPr>
+      <p:grpSpPr>
+        <a:xfrm>
+          <a:off x="0" y="0"/>
+          <a:ext cx="0" cy="0"/>
+          <a:chOff x="0" y="0"/>
+          <a:chExt cx="0" cy="0"/>
+        </a:xfrm>
+      </p:grpSpPr>
+      <p:sp>
+        <p:nvSpPr>
+          <p:cNvPr id="302" name="Google Shape;302;p43"/>
+          <p:cNvSpPr txBox="1"/>
+          <p:nvPr/>
+        </p:nvSpPr>
+        <p:spPr>
+          <a:xfrm>
+            <a:off x="5339528" y="2381200"/>
+            <a:ext cx="3344100" cy="1325100"/>
+          </a:xfrm>
+          <a:prstGeom prst="rect">
+            <a:avLst/>
+          </a:prstGeom>
+          <a:noFill/>
+          <a:ln>
+            <a:noFill/>
+          </a:ln>
+        </p:spPr>
+        <p:txBody>
+          <a:bodyPr anchorCtr="0" anchor="ctr" bIns="45700" lIns="91425" spcFirstLastPara="1" rIns="91425" wrap="square" tIns="45700">
+            <a:noAutofit/>
+          </a:bodyPr>
+          <a:lstStyle/>
+          <a:p>
+            <a:pPr indent="0" lvl="0" marL="0" marR="0" rtl="0" algn="l">
+              <a:lnSpc>
+                <a:spcPct val="90000"/>
+              </a:lnSpc>
+              <a:spcBef>
+                <a:spcPts val="0"/>
+              </a:spcBef>
+              <a:spcAft>
+                <a:spcPts val="0"/>
+              </a:spcAft>
+              <a:buNone/>
+            </a:pPr>
+            <a:r>
+              <a:rPr lang="en-US" sz="3500">
+                <a:solidFill>
+                  <a:srgbClr val="004F9B"/>
+                </a:solidFill>
+                <a:latin typeface="Tahoma"/>
+                <a:ea typeface="Tahoma"/>
+                <a:cs typeface="Tahoma"/>
+                <a:sym typeface="Tahoma"/>
+              </a:rPr>
+              <a:t>Questions </a:t>
+            </a:r>
+            <a:r>
+              <a:rPr lang="en-US" sz="3300">
+                <a:solidFill>
+                  <a:srgbClr val="004F9B"/>
+                </a:solidFill>
+                <a:latin typeface="Tahoma"/>
+                <a:ea typeface="Tahoma"/>
+                <a:cs typeface="Tahoma"/>
+                <a:sym typeface="Tahoma"/>
+              </a:rPr>
+              <a:t>?</a:t>
+            </a:r>
+            <a:endParaRPr b="0" sz="3300" strike="noStrike">
+              <a:solidFill>
+                <a:srgbClr val="000000"/>
+              </a:solidFill>
+              <a:latin typeface="Arial"/>
+              <a:ea typeface="Arial"/>
+              <a:cs typeface="Arial"/>
+              <a:sym typeface="Arial"/>
+            </a:endParaRPr>
+          </a:p>
+        </p:txBody>
+      </p:sp>
+      <p:sp>
+        <p:nvSpPr>
+          <p:cNvPr id="303" name="Google Shape;303;p43"/>
+          <p:cNvSpPr txBox="1"/>
+          <p:nvPr>
+            <p:ph idx="12" type="sldNum"/>
+          </p:nvPr>
+        </p:nvSpPr>
+        <p:spPr>
+          <a:xfrm>
+            <a:off x="11409045" y="6333134"/>
+            <a:ext cx="731700" cy="525000"/>
+          </a:xfrm>
+          <a:prstGeom prst="rect">
+            <a:avLst/>
+          </a:prstGeom>
+        </p:spPr>
+        <p:txBody>
+          <a:bodyPr anchorCtr="0" anchor="t" bIns="91425" lIns="91425" spcFirstLastPara="1" rIns="91425" wrap="square" tIns="91425">
+            <a:noAutofit/>
+          </a:bodyPr>
+          <a:lstStyle/>
+          <a:p>
+            <a:pPr indent="0" lvl="0" marL="0" rtl="0" algn="r">
+              <a:spcBef>
+                <a:spcPts val="0"/>
+              </a:spcBef>
+              <a:spcAft>
+                <a:spcPts val="0"/>
+              </a:spcAft>
+              <a:buNone/>
+            </a:pPr>
+            <a:fld id="{00000000-1234-1234-1234-123412341234}" type="slidenum">
+              <a:rPr lang="en-US"/>
+              <a:t>‹#›</a:t>
+            </a:fld>
+            <a:endParaRPr/>
+          </a:p>
+        </p:txBody>
+      </p:sp>
+    </p:spTree>
+  </p:cSld>
+  <p:clrMapOvr>
+    <a:masterClrMapping/>
+  </p:clrMapOvr>
+</p:sld>
+</file>
+
+<file path=ppt/slides/slide18.xml><?xml version="1.0" encoding="utf-8"?>
+<p:sld xmlns:a="http://schemas.openxmlformats.org/drawingml/2006/main" xmlns:r="http://schemas.openxmlformats.org/officeDocument/2006/relationships" xmlns:mc="http://schemas.openxmlformats.org/markup-compatibility/2006" xmlns:mv="urn:schemas-microsoft-com:mac:vml" xmlns:p="http://schemas.openxmlformats.org/presentationml/2006/main" xmlns:c="http://schemas.openxmlformats.org/drawingml/2006/chart" xmlns:dgm="http://schemas.openxmlformats.org/drawingml/2006/diagram" xmlns:o="urn:schemas-microsoft-com:office:office" xmlns:v="urn:schemas-microsoft-com:vml" xmlns:pvml="urn:schemas-microsoft-com:office:powerpoint" xmlns:com="http://schemas.openxmlformats.org/drawingml/2006/compatibility" xmlns:p14="http://schemas.microsoft.com/office/powerpoint/2010/main" xmlns:p15="http://schemas.microsoft.com/office/powerpoint/2012/main" xmlns:ahyp="http://schemas.microsoft.com/office/drawing/2018/hyperlinkcolor">
+  <p:cSld>
+    <p:spTree>
+      <p:nvGrpSpPr>
+        <p:cNvPr id="307" name="Shape 307"/>
+        <p:cNvGrpSpPr/>
+        <p:nvPr/>
+      </p:nvGrpSpPr>
+      <p:grpSpPr>
+        <a:xfrm>
+          <a:off x="0" y="0"/>
+          <a:ext cx="0" cy="0"/>
+          <a:chOff x="0" y="0"/>
+          <a:chExt cx="0" cy="0"/>
+        </a:xfrm>
+      </p:grpSpPr>
+      <p:sp>
+        <p:nvSpPr>
+          <p:cNvPr id="308" name="Google Shape;308;p44"/>
+          <p:cNvSpPr txBox="1"/>
+          <p:nvPr/>
+        </p:nvSpPr>
+        <p:spPr>
+          <a:xfrm>
+            <a:off x="5339528" y="2381200"/>
+            <a:ext cx="3344100" cy="1325100"/>
+          </a:xfrm>
+          <a:prstGeom prst="rect">
+            <a:avLst/>
+          </a:prstGeom>
+          <a:noFill/>
+          <a:ln>
+            <a:noFill/>
+          </a:ln>
+        </p:spPr>
+        <p:txBody>
+          <a:bodyPr anchorCtr="0" anchor="ctr" bIns="45700" lIns="91425" spcFirstLastPara="1" rIns="91425" wrap="square" tIns="45700">
+            <a:noAutofit/>
+          </a:bodyPr>
+          <a:lstStyle/>
+          <a:p>
+            <a:pPr indent="0" lvl="0" marL="0" marR="0" rtl="0" algn="l">
+              <a:lnSpc>
+                <a:spcPct val="90000"/>
+              </a:lnSpc>
+              <a:spcBef>
+                <a:spcPts val="0"/>
+              </a:spcBef>
+              <a:spcAft>
+                <a:spcPts val="0"/>
+              </a:spcAft>
+              <a:buNone/>
+            </a:pPr>
+            <a:r>
+              <a:rPr lang="en-US" sz="3500">
+                <a:solidFill>
+                  <a:srgbClr val="004F9B"/>
+                </a:solidFill>
+                <a:latin typeface="Tahoma"/>
+                <a:ea typeface="Tahoma"/>
+                <a:cs typeface="Tahoma"/>
+                <a:sym typeface="Tahoma"/>
+              </a:rPr>
+              <a:t>Thank you</a:t>
+            </a:r>
+            <a:endParaRPr b="0" sz="3300" strike="noStrike">
+              <a:solidFill>
+                <a:srgbClr val="000000"/>
+              </a:solidFill>
+              <a:latin typeface="Arial"/>
+              <a:ea typeface="Arial"/>
+              <a:cs typeface="Arial"/>
+              <a:sym typeface="Arial"/>
+            </a:endParaRPr>
+          </a:p>
+        </p:txBody>
+      </p:sp>
+      <p:sp>
+        <p:nvSpPr>
+          <p:cNvPr id="309" name="Google Shape;309;p44"/>
+          <p:cNvSpPr txBox="1"/>
+          <p:nvPr>
+            <p:ph idx="12" type="sldNum"/>
+          </p:nvPr>
+        </p:nvSpPr>
+        <p:spPr>
+          <a:xfrm>
+            <a:off x="11409045" y="6333134"/>
+            <a:ext cx="731700" cy="525000"/>
+          </a:xfrm>
+          <a:prstGeom prst="rect">
+            <a:avLst/>
+          </a:prstGeom>
+        </p:spPr>
+        <p:txBody>
+          <a:bodyPr anchorCtr="0" anchor="t" bIns="91425" lIns="91425" spcFirstLastPara="1" rIns="91425" wrap="square" tIns="91425">
+            <a:noAutofit/>
+          </a:bodyPr>
+          <a:lstStyle/>
+          <a:p>
+            <a:pPr indent="0" lvl="0" marL="0" rtl="0" algn="r">
+              <a:spcBef>
+                <a:spcPts val="0"/>
+              </a:spcBef>
+              <a:spcAft>
+                <a:spcPts val="0"/>
+              </a:spcAft>
+              <a:buNone/>
+            </a:pPr>
+            <a:fld id="{00000000-1234-1234-1234-123412341234}" type="slidenum">
+              <a:rPr lang="en-US"/>
+              <a:t>‹#›</a:t>
+            </a:fld>
+            <a:endParaRPr/>
+          </a:p>
+        </p:txBody>
+      </p:sp>
     </p:spTree>
   </p:cSld>
   <p:clrMapOvr>
@@ -14284,7 +20512,7 @@
   <p:cSld>
     <p:spTree>
       <p:nvGrpSpPr>
-        <p:cNvPr id="119" name="Shape 119"/>
+        <p:cNvPr id="146" name="Shape 146"/>
         <p:cNvGrpSpPr/>
         <p:nvPr/>
       </p:nvGrpSpPr>
@@ -14298,7 +20526,7 @@
       </p:grpSpPr>
       <p:sp>
         <p:nvSpPr>
-          <p:cNvPr id="120" name="Google Shape;120;p28"/>
+          <p:cNvPr id="147" name="Google Shape;147;p28"/>
           <p:cNvSpPr txBox="1"/>
           <p:nvPr/>
         </p:nvSpPr>
@@ -14359,7 +20587,7 @@
       </p:sp>
       <p:sp>
         <p:nvSpPr>
-          <p:cNvPr id="121" name="Google Shape;121;p28"/>
+          <p:cNvPr id="148" name="Google Shape;148;p28"/>
           <p:cNvSpPr txBox="1"/>
           <p:nvPr/>
         </p:nvSpPr>
@@ -14536,7 +20764,7 @@
       </p:sp>
       <p:pic>
         <p:nvPicPr>
-          <p:cNvPr id="122" name="Google Shape;122;p28"/>
+          <p:cNvPr id="149" name="Google Shape;149;p28"/>
           <p:cNvPicPr preferRelativeResize="0"/>
           <p:nvPr/>
         </p:nvPicPr>
@@ -14562,6 +20790,110 @@
           </a:ln>
         </p:spPr>
       </p:pic>
+      <p:sp>
+        <p:nvSpPr>
+          <p:cNvPr id="150" name="Google Shape;150;p28"/>
+          <p:cNvSpPr/>
+          <p:nvPr/>
+        </p:nvSpPr>
+        <p:spPr>
+          <a:xfrm>
+            <a:off x="381745" y="6555000"/>
+            <a:ext cx="3427200" cy="303000"/>
+          </a:xfrm>
+          <a:prstGeom prst="rect">
+            <a:avLst/>
+          </a:prstGeom>
+          <a:noFill/>
+          <a:ln cap="flat" cmpd="sng" w="9525">
+            <a:solidFill>
+              <a:schemeClr val="lt1"/>
+            </a:solidFill>
+            <a:prstDash val="solid"/>
+            <a:round/>
+            <a:headEnd len="sm" w="sm" type="none"/>
+            <a:tailEnd len="sm" w="sm" type="none"/>
+          </a:ln>
+        </p:spPr>
+        <p:txBody>
+          <a:bodyPr anchorCtr="0" anchor="t" bIns="45000" lIns="90000" spcFirstLastPara="1" rIns="90000" wrap="square" tIns="45000">
+            <a:noAutofit/>
+          </a:bodyPr>
+          <a:lstStyle/>
+          <a:p>
+            <a:pPr indent="0" lvl="0" marL="0" marR="0" rtl="0" algn="l">
+              <a:lnSpc>
+                <a:spcPct val="100000"/>
+              </a:lnSpc>
+              <a:spcBef>
+                <a:spcPts val="0"/>
+              </a:spcBef>
+              <a:spcAft>
+                <a:spcPts val="0"/>
+              </a:spcAft>
+              <a:buNone/>
+            </a:pPr>
+            <a:r>
+              <a:rPr b="0" i="0" lang="en-US" sz="1000" u="none" cap="none" strike="noStrike">
+                <a:solidFill>
+                  <a:srgbClr val="000000"/>
+                </a:solidFill>
+                <a:latin typeface="Arial"/>
+                <a:ea typeface="Arial"/>
+                <a:cs typeface="Arial"/>
+                <a:sym typeface="Arial"/>
+              </a:rPr>
+              <a:t>Similarity Learning using Artificial Neural Networks</a:t>
+            </a:r>
+            <a:endParaRPr b="0" i="0" sz="1000" u="none" cap="none" strike="noStrike">
+              <a:latin typeface="Arial"/>
+              <a:ea typeface="Arial"/>
+              <a:cs typeface="Arial"/>
+              <a:sym typeface="Arial"/>
+            </a:endParaRPr>
+          </a:p>
+        </p:txBody>
+      </p:sp>
+      <p:sp>
+        <p:nvSpPr>
+          <p:cNvPr id="151" name="Google Shape;151;p28"/>
+          <p:cNvSpPr txBox="1"/>
+          <p:nvPr>
+            <p:ph idx="12" type="sldNum"/>
+          </p:nvPr>
+        </p:nvSpPr>
+        <p:spPr>
+          <a:xfrm>
+            <a:off x="11409045" y="6333134"/>
+            <a:ext cx="731700" cy="525000"/>
+          </a:xfrm>
+          <a:prstGeom prst="rect">
+            <a:avLst/>
+          </a:prstGeom>
+        </p:spPr>
+        <p:txBody>
+          <a:bodyPr anchorCtr="0" anchor="t" bIns="91425" lIns="91425" spcFirstLastPara="1" rIns="91425" wrap="square" tIns="91425">
+            <a:noAutofit/>
+          </a:bodyPr>
+          <a:lstStyle/>
+          <a:p>
+            <a:pPr indent="0" lvl="0" marL="0" rtl="0" algn="r">
+              <a:spcBef>
+                <a:spcPts val="0"/>
+              </a:spcBef>
+              <a:spcAft>
+                <a:spcPts val="0"/>
+              </a:spcAft>
+              <a:buNone/>
+            </a:pPr>
+            <a:fld id="{00000000-1234-1234-1234-123412341234}" type="slidenum">
+              <a:rPr lang="en-US"/>
+              <a:t>‹#›</a:t>
+            </a:fld>
+            <a:endParaRPr/>
+          </a:p>
+        </p:txBody>
+      </p:sp>
     </p:spTree>
   </p:cSld>
   <p:clrMapOvr>
@@ -14575,7 +20907,7 @@
   <p:cSld>
     <p:spTree>
       <p:nvGrpSpPr>
-        <p:cNvPr id="126" name="Shape 126"/>
+        <p:cNvPr id="155" name="Shape 155"/>
         <p:cNvGrpSpPr/>
         <p:nvPr/>
       </p:nvGrpSpPr>
@@ -14589,7 +20921,7 @@
       </p:grpSpPr>
       <p:sp>
         <p:nvSpPr>
-          <p:cNvPr id="127" name="Google Shape;127;p29"/>
+          <p:cNvPr id="156" name="Google Shape;156;p29"/>
           <p:cNvSpPr txBox="1"/>
           <p:nvPr/>
         </p:nvSpPr>
@@ -14710,7 +21042,7 @@
       </p:sp>
       <p:sp>
         <p:nvSpPr>
-          <p:cNvPr id="128" name="Google Shape;128;p29"/>
+          <p:cNvPr id="157" name="Google Shape;157;p29"/>
           <p:cNvSpPr txBox="1"/>
           <p:nvPr/>
         </p:nvSpPr>
@@ -14958,7 +21290,7 @@
       </p:sp>
       <p:pic>
         <p:nvPicPr>
-          <p:cNvPr id="129" name="Google Shape;129;p29"/>
+          <p:cNvPr id="158" name="Google Shape;158;p29"/>
           <p:cNvPicPr preferRelativeResize="0"/>
           <p:nvPr/>
         </p:nvPicPr>
@@ -14983,6 +21315,46 @@
           </a:ln>
         </p:spPr>
       </p:pic>
+      <p:sp>
+        <p:nvSpPr>
+          <p:cNvPr id="159" name="Google Shape;159;p29"/>
+          <p:cNvSpPr txBox="1"/>
+          <p:nvPr>
+            <p:ph idx="12" type="sldNum"/>
+          </p:nvPr>
+        </p:nvSpPr>
+        <p:spPr>
+          <a:xfrm>
+            <a:off x="11409045" y="6333134"/>
+            <a:ext cx="731700" cy="525000"/>
+          </a:xfrm>
+          <a:prstGeom prst="rect">
+            <a:avLst/>
+          </a:prstGeom>
+        </p:spPr>
+        <p:txBody>
+          <a:bodyPr anchorCtr="0" anchor="t" bIns="91425" lIns="91425" spcFirstLastPara="1" rIns="91425" wrap="square" tIns="91425">
+            <a:noAutofit/>
+          </a:bodyPr>
+          <a:lstStyle/>
+          <a:p>
+            <a:pPr indent="0" lvl="0" marL="0" rtl="0" algn="r">
+              <a:spcBef>
+                <a:spcPts val="0"/>
+              </a:spcBef>
+              <a:spcAft>
+                <a:spcPts val="0"/>
+              </a:spcAft>
+              <a:buNone/>
+            </a:pPr>
+            <a:fld id="{00000000-1234-1234-1234-123412341234}" type="slidenum">
+              <a:rPr lang="en-US"/>
+              <a:t>‹#›</a:t>
+            </a:fld>
+            <a:endParaRPr/>
+          </a:p>
+        </p:txBody>
+      </p:sp>
     </p:spTree>
   </p:cSld>
   <p:clrMapOvr>
@@ -14996,7 +21368,7 @@
   <p:cSld>
     <p:spTree>
       <p:nvGrpSpPr>
-        <p:cNvPr id="133" name="Shape 133"/>
+        <p:cNvPr id="163" name="Shape 163"/>
         <p:cNvGrpSpPr/>
         <p:nvPr/>
       </p:nvGrpSpPr>
@@ -15010,7 +21382,7 @@
       </p:grpSpPr>
       <p:sp>
         <p:nvSpPr>
-          <p:cNvPr id="134" name="Google Shape;134;p30"/>
+          <p:cNvPr id="164" name="Google Shape;164;p30"/>
           <p:cNvSpPr txBox="1"/>
           <p:nvPr/>
         </p:nvSpPr>
@@ -15071,7 +21443,7 @@
       </p:sp>
       <p:sp>
         <p:nvSpPr>
-          <p:cNvPr id="135" name="Google Shape;135;p30"/>
+          <p:cNvPr id="165" name="Google Shape;165;p30"/>
           <p:cNvSpPr txBox="1"/>
           <p:nvPr/>
         </p:nvSpPr>
@@ -15257,7 +21629,7 @@
       </p:sp>
       <p:pic>
         <p:nvPicPr>
-          <p:cNvPr id="136" name="Google Shape;136;p30"/>
+          <p:cNvPr id="166" name="Google Shape;166;p30"/>
           <p:cNvPicPr preferRelativeResize="0"/>
           <p:nvPr/>
         </p:nvPicPr>
@@ -15285,7 +21657,7 @@
       </p:pic>
       <p:sp>
         <p:nvSpPr>
-          <p:cNvPr id="137" name="Google Shape;137;p30"/>
+          <p:cNvPr id="167" name="Google Shape;167;p30"/>
           <p:cNvSpPr txBox="1"/>
           <p:nvPr/>
         </p:nvSpPr>
@@ -15417,6 +21789,46 @@
           </a:p>
         </p:txBody>
       </p:sp>
+      <p:sp>
+        <p:nvSpPr>
+          <p:cNvPr id="168" name="Google Shape;168;p30"/>
+          <p:cNvSpPr txBox="1"/>
+          <p:nvPr>
+            <p:ph idx="12" type="sldNum"/>
+          </p:nvPr>
+        </p:nvSpPr>
+        <p:spPr>
+          <a:xfrm>
+            <a:off x="11409045" y="6333134"/>
+            <a:ext cx="731700" cy="525000"/>
+          </a:xfrm>
+          <a:prstGeom prst="rect">
+            <a:avLst/>
+          </a:prstGeom>
+        </p:spPr>
+        <p:txBody>
+          <a:bodyPr anchorCtr="0" anchor="t" bIns="91425" lIns="91425" spcFirstLastPara="1" rIns="91425" wrap="square" tIns="91425">
+            <a:noAutofit/>
+          </a:bodyPr>
+          <a:lstStyle/>
+          <a:p>
+            <a:pPr indent="0" lvl="0" marL="0" rtl="0" algn="r">
+              <a:spcBef>
+                <a:spcPts val="0"/>
+              </a:spcBef>
+              <a:spcAft>
+                <a:spcPts val="0"/>
+              </a:spcAft>
+              <a:buNone/>
+            </a:pPr>
+            <a:fld id="{00000000-1234-1234-1234-123412341234}" type="slidenum">
+              <a:rPr lang="en-US"/>
+              <a:t>‹#›</a:t>
+            </a:fld>
+            <a:endParaRPr/>
+          </a:p>
+        </p:txBody>
+      </p:sp>
     </p:spTree>
   </p:cSld>
   <p:clrMapOvr>
@@ -15430,7 +21842,7 @@
   <p:cSld>
     <p:spTree>
       <p:nvGrpSpPr>
-        <p:cNvPr id="141" name="Shape 141"/>
+        <p:cNvPr id="172" name="Shape 172"/>
         <p:cNvGrpSpPr/>
         <p:nvPr/>
       </p:nvGrpSpPr>
@@ -15444,7 +21856,7 @@
       </p:grpSpPr>
       <p:sp>
         <p:nvSpPr>
-          <p:cNvPr id="142" name="Google Shape;142;p31"/>
+          <p:cNvPr id="173" name="Google Shape;173;p31"/>
           <p:cNvSpPr txBox="1"/>
           <p:nvPr/>
         </p:nvSpPr>
@@ -15505,7 +21917,7 @@
       </p:sp>
       <p:sp>
         <p:nvSpPr>
-          <p:cNvPr id="143" name="Google Shape;143;p31"/>
+          <p:cNvPr id="174" name="Google Shape;174;p31"/>
           <p:cNvSpPr txBox="1"/>
           <p:nvPr/>
         </p:nvSpPr>
@@ -15797,6 +22209,46 @@
           </a:p>
         </p:txBody>
       </p:sp>
+      <p:sp>
+        <p:nvSpPr>
+          <p:cNvPr id="175" name="Google Shape;175;p31"/>
+          <p:cNvSpPr txBox="1"/>
+          <p:nvPr>
+            <p:ph idx="12" type="sldNum"/>
+          </p:nvPr>
+        </p:nvSpPr>
+        <p:spPr>
+          <a:xfrm>
+            <a:off x="11409045" y="6333134"/>
+            <a:ext cx="731700" cy="525000"/>
+          </a:xfrm>
+          <a:prstGeom prst="rect">
+            <a:avLst/>
+          </a:prstGeom>
+        </p:spPr>
+        <p:txBody>
+          <a:bodyPr anchorCtr="0" anchor="t" bIns="91425" lIns="91425" spcFirstLastPara="1" rIns="91425" wrap="square" tIns="91425">
+            <a:noAutofit/>
+          </a:bodyPr>
+          <a:lstStyle/>
+          <a:p>
+            <a:pPr indent="0" lvl="0" marL="0" rtl="0" algn="r">
+              <a:spcBef>
+                <a:spcPts val="0"/>
+              </a:spcBef>
+              <a:spcAft>
+                <a:spcPts val="0"/>
+              </a:spcAft>
+              <a:buNone/>
+            </a:pPr>
+            <a:fld id="{00000000-1234-1234-1234-123412341234}" type="slidenum">
+              <a:rPr lang="en-US"/>
+              <a:t>‹#›</a:t>
+            </a:fld>
+            <a:endParaRPr/>
+          </a:p>
+        </p:txBody>
+      </p:sp>
     </p:spTree>
   </p:cSld>
   <p:clrMapOvr>
@@ -15810,7 +22262,7 @@
   <p:cSld>
     <p:spTree>
       <p:nvGrpSpPr>
-        <p:cNvPr id="147" name="Shape 147"/>
+        <p:cNvPr id="179" name="Shape 179"/>
         <p:cNvGrpSpPr/>
         <p:nvPr/>
       </p:nvGrpSpPr>
@@ -15824,7 +22276,7 @@
       </p:grpSpPr>
       <p:sp>
         <p:nvSpPr>
-          <p:cNvPr id="148" name="Google Shape;148;p32"/>
+          <p:cNvPr id="180" name="Google Shape;180;p32"/>
           <p:cNvSpPr txBox="1"/>
           <p:nvPr/>
         </p:nvSpPr>
@@ -15885,7 +22337,7 @@
       </p:sp>
       <p:sp>
         <p:nvSpPr>
-          <p:cNvPr id="149" name="Google Shape;149;p32"/>
+          <p:cNvPr id="181" name="Google Shape;181;p32"/>
           <p:cNvSpPr/>
           <p:nvPr/>
         </p:nvSpPr>
@@ -16206,7 +22658,7 @@
       </p:sp>
       <p:pic>
         <p:nvPicPr>
-          <p:cNvPr id="150" name="Google Shape;150;p32"/>
+          <p:cNvPr id="182" name="Google Shape;182;p32"/>
           <p:cNvPicPr preferRelativeResize="0"/>
           <p:nvPr/>
         </p:nvPicPr>
@@ -16234,7 +22686,7 @@
       </p:pic>
       <p:sp>
         <p:nvSpPr>
-          <p:cNvPr id="151" name="Google Shape;151;p32"/>
+          <p:cNvPr id="183" name="Google Shape;183;p32"/>
           <p:cNvSpPr txBox="1"/>
           <p:nvPr/>
         </p:nvSpPr>
@@ -16354,6 +22806,46 @@
           </a:p>
         </p:txBody>
       </p:sp>
+      <p:sp>
+        <p:nvSpPr>
+          <p:cNvPr id="184" name="Google Shape;184;p32"/>
+          <p:cNvSpPr txBox="1"/>
+          <p:nvPr>
+            <p:ph idx="12" type="sldNum"/>
+          </p:nvPr>
+        </p:nvSpPr>
+        <p:spPr>
+          <a:xfrm>
+            <a:off x="11409045" y="6333134"/>
+            <a:ext cx="731700" cy="525000"/>
+          </a:xfrm>
+          <a:prstGeom prst="rect">
+            <a:avLst/>
+          </a:prstGeom>
+        </p:spPr>
+        <p:txBody>
+          <a:bodyPr anchorCtr="0" anchor="t" bIns="91425" lIns="91425" spcFirstLastPara="1" rIns="91425" wrap="square" tIns="91425">
+            <a:noAutofit/>
+          </a:bodyPr>
+          <a:lstStyle/>
+          <a:p>
+            <a:pPr indent="0" lvl="0" marL="0" rtl="0" algn="r">
+              <a:spcBef>
+                <a:spcPts val="0"/>
+              </a:spcBef>
+              <a:spcAft>
+                <a:spcPts val="0"/>
+              </a:spcAft>
+              <a:buNone/>
+            </a:pPr>
+            <a:fld id="{00000000-1234-1234-1234-123412341234}" type="slidenum">
+              <a:rPr lang="en-US"/>
+              <a:t>‹#›</a:t>
+            </a:fld>
+            <a:endParaRPr/>
+          </a:p>
+        </p:txBody>
+      </p:sp>
     </p:spTree>
   </p:cSld>
   <p:clrMapOvr>
@@ -16367,7 +22859,7 @@
   <p:cSld>
     <p:spTree>
       <p:nvGrpSpPr>
-        <p:cNvPr id="155" name="Shape 155"/>
+        <p:cNvPr id="188" name="Shape 188"/>
         <p:cNvGrpSpPr/>
         <p:nvPr/>
       </p:nvGrpSpPr>
@@ -16381,7 +22873,7 @@
       </p:grpSpPr>
       <p:sp>
         <p:nvSpPr>
-          <p:cNvPr id="156" name="Google Shape;156;p33"/>
+          <p:cNvPr id="189" name="Google Shape;189;p33"/>
           <p:cNvSpPr txBox="1"/>
           <p:nvPr/>
         </p:nvSpPr>
@@ -16454,7 +22946,7 @@
       </p:sp>
       <p:sp>
         <p:nvSpPr>
-          <p:cNvPr id="157" name="Google Shape;157;p33"/>
+          <p:cNvPr id="190" name="Google Shape;190;p33"/>
           <p:cNvSpPr txBox="1"/>
           <p:nvPr/>
         </p:nvSpPr>
@@ -16668,7 +23160,7 @@
       </p:sp>
       <p:pic>
         <p:nvPicPr>
-          <p:cNvPr id="158" name="Google Shape;158;p33"/>
+          <p:cNvPr id="191" name="Google Shape;191;p33"/>
           <p:cNvPicPr preferRelativeResize="0"/>
           <p:nvPr/>
         </p:nvPicPr>
@@ -16696,7 +23188,7 @@
       </p:pic>
       <p:pic>
         <p:nvPicPr>
-          <p:cNvPr id="159" name="Google Shape;159;p33"/>
+          <p:cNvPr id="192" name="Google Shape;192;p33"/>
           <p:cNvPicPr preferRelativeResize="0"/>
           <p:nvPr/>
         </p:nvPicPr>
@@ -16724,7 +23216,7 @@
       </p:pic>
       <p:sp>
         <p:nvSpPr>
-          <p:cNvPr id="160" name="Google Shape;160;p33"/>
+          <p:cNvPr id="193" name="Google Shape;193;p33"/>
           <p:cNvSpPr txBox="1"/>
           <p:nvPr/>
         </p:nvSpPr>
@@ -16825,7 +23317,7 @@
       </p:sp>
       <p:sp>
         <p:nvSpPr>
-          <p:cNvPr id="161" name="Google Shape;161;p33"/>
+          <p:cNvPr id="194" name="Google Shape;194;p33"/>
           <p:cNvSpPr txBox="1"/>
           <p:nvPr/>
         </p:nvSpPr>
@@ -16870,6 +23362,160 @@
               <a:t>Textures</a:t>
             </a:r>
             <a:endParaRPr sz="6000">
+              <a:latin typeface="Tahoma"/>
+              <a:ea typeface="Tahoma"/>
+              <a:cs typeface="Tahoma"/>
+              <a:sym typeface="Tahoma"/>
+            </a:endParaRPr>
+          </a:p>
+          <a:p>
+            <a:pPr indent="0" lvl="0" marL="0" marR="0" rtl="0" algn="l">
+              <a:spcBef>
+                <a:spcPts val="0"/>
+              </a:spcBef>
+              <a:spcAft>
+                <a:spcPts val="0"/>
+              </a:spcAft>
+              <a:buNone/>
+            </a:pPr>
+            <a:r>
+              <a:t/>
+            </a:r>
+            <a:endParaRPr b="0" sz="2400" strike="noStrike">
+              <a:solidFill>
+                <a:srgbClr val="000000"/>
+              </a:solidFill>
+              <a:latin typeface="Tahoma"/>
+              <a:ea typeface="Tahoma"/>
+              <a:cs typeface="Tahoma"/>
+              <a:sym typeface="Tahoma"/>
+            </a:endParaRPr>
+          </a:p>
+          <a:p>
+            <a:pPr indent="0" lvl="0" marL="0" marR="0" rtl="0" algn="l">
+              <a:spcBef>
+                <a:spcPts val="0"/>
+              </a:spcBef>
+              <a:spcAft>
+                <a:spcPts val="0"/>
+              </a:spcAft>
+              <a:buNone/>
+            </a:pPr>
+            <a:r>
+              <a:t/>
+            </a:r>
+            <a:endParaRPr b="0" sz="2400" strike="noStrike">
+              <a:solidFill>
+                <a:srgbClr val="000000"/>
+              </a:solidFill>
+              <a:latin typeface="Tahoma"/>
+              <a:ea typeface="Tahoma"/>
+              <a:cs typeface="Tahoma"/>
+              <a:sym typeface="Tahoma"/>
+            </a:endParaRPr>
+          </a:p>
+        </p:txBody>
+      </p:sp>
+      <p:sp>
+        <p:nvSpPr>
+          <p:cNvPr id="195" name="Google Shape;195;p33"/>
+          <p:cNvSpPr txBox="1"/>
+          <p:nvPr>
+            <p:ph idx="12" type="sldNum"/>
+          </p:nvPr>
+        </p:nvSpPr>
+        <p:spPr>
+          <a:xfrm>
+            <a:off x="11409045" y="6333134"/>
+            <a:ext cx="731700" cy="525000"/>
+          </a:xfrm>
+          <a:prstGeom prst="rect">
+            <a:avLst/>
+          </a:prstGeom>
+        </p:spPr>
+        <p:txBody>
+          <a:bodyPr anchorCtr="0" anchor="t" bIns="91425" lIns="91425" spcFirstLastPara="1" rIns="91425" wrap="square" tIns="91425">
+            <a:noAutofit/>
+          </a:bodyPr>
+          <a:lstStyle/>
+          <a:p>
+            <a:pPr indent="0" lvl="0" marL="0" rtl="0" algn="r">
+              <a:spcBef>
+                <a:spcPts val="0"/>
+              </a:spcBef>
+              <a:spcAft>
+                <a:spcPts val="0"/>
+              </a:spcAft>
+              <a:buNone/>
+            </a:pPr>
+            <a:fld id="{00000000-1234-1234-1234-123412341234}" type="slidenum">
+              <a:rPr lang="en-US"/>
+              <a:t>‹#›</a:t>
+            </a:fld>
+            <a:endParaRPr/>
+          </a:p>
+        </p:txBody>
+      </p:sp>
+      <p:sp>
+        <p:nvSpPr>
+          <p:cNvPr id="196" name="Google Shape;196;p33"/>
+          <p:cNvSpPr txBox="1"/>
+          <p:nvPr/>
+        </p:nvSpPr>
+        <p:spPr>
+          <a:xfrm>
+            <a:off x="1059475" y="6289300"/>
+            <a:ext cx="6414000" cy="222300"/>
+          </a:xfrm>
+          <a:prstGeom prst="rect">
+            <a:avLst/>
+          </a:prstGeom>
+          <a:noFill/>
+          <a:ln>
+            <a:noFill/>
+          </a:ln>
+        </p:spPr>
+        <p:txBody>
+          <a:bodyPr anchorCtr="0" anchor="t" bIns="45700" lIns="91425" spcFirstLastPara="1" rIns="91425" wrap="square" tIns="45700">
+            <a:normAutofit fontScale="25000" lnSpcReduction="20000"/>
+          </a:bodyPr>
+          <a:lstStyle/>
+          <a:p>
+            <a:pPr indent="0" lvl="0" marL="0" rtl="0" algn="l">
+              <a:lnSpc>
+                <a:spcPct val="90000"/>
+              </a:lnSpc>
+              <a:spcBef>
+                <a:spcPts val="499"/>
+              </a:spcBef>
+              <a:spcAft>
+                <a:spcPts val="0"/>
+              </a:spcAft>
+              <a:buNone/>
+            </a:pPr>
+            <a:r>
+              <a:rPr lang="en-US" sz="4400">
+                <a:latin typeface="Tahoma"/>
+                <a:ea typeface="Tahoma"/>
+                <a:cs typeface="Tahoma"/>
+                <a:sym typeface="Tahoma"/>
+              </a:rPr>
+              <a:t>Source: </a:t>
+            </a:r>
+            <a:r>
+              <a:rPr lang="en-US" sz="4400" u="sng">
+                <a:solidFill>
+                  <a:schemeClr val="hlink"/>
+                </a:solidFill>
+                <a:latin typeface="Tahoma"/>
+                <a:ea typeface="Tahoma"/>
+                <a:cs typeface="Tahoma"/>
+                <a:sym typeface="Tahoma"/>
+                <a:hlinkClick r:id="rId6"/>
+              </a:rPr>
+              <a:t>MVTEC AD Dataset</a:t>
+            </a:r>
+            <a:endParaRPr sz="4400">
               <a:latin typeface="Tahoma"/>
               <a:ea typeface="Tahoma"/>
               <a:cs typeface="Tahoma"/>
@@ -16937,7 +23583,7 @@
   <p:cSld>
     <p:spTree>
       <p:nvGrpSpPr>
-        <p:cNvPr id="165" name="Shape 165"/>
+        <p:cNvPr id="200" name="Shape 200"/>
         <p:cNvGrpSpPr/>
         <p:nvPr/>
       </p:nvGrpSpPr>
@@ -16951,7 +23597,7 @@
       </p:grpSpPr>
       <p:sp>
         <p:nvSpPr>
-          <p:cNvPr id="166" name="Google Shape;166;p34"/>
+          <p:cNvPr id="201" name="Google Shape;201;p34"/>
           <p:cNvSpPr txBox="1"/>
           <p:nvPr/>
         </p:nvSpPr>
@@ -17012,7 +23658,7 @@
       </p:sp>
       <p:sp>
         <p:nvSpPr>
-          <p:cNvPr id="167" name="Google Shape;167;p34"/>
+          <p:cNvPr id="202" name="Google Shape;202;p34"/>
           <p:cNvSpPr txBox="1"/>
           <p:nvPr/>
         </p:nvSpPr>
@@ -17062,7 +23708,7 @@
                 <a:cs typeface="Tahoma"/>
                 <a:sym typeface="Tahoma"/>
               </a:rPr>
-              <a:t>Images are resized to 105 * 105 *3(RGB)</a:t>
+              <a:t>Images are resized to 105 * 105 *1(Grayscale)</a:t>
             </a:r>
             <a:endParaRPr sz="2400">
               <a:solidFill>
@@ -17503,7 +24149,7 @@
       </p:sp>
       <p:pic>
         <p:nvPicPr>
-          <p:cNvPr id="168" name="Google Shape;168;p34"/>
+          <p:cNvPr id="203" name="Google Shape;203;p34"/>
           <p:cNvPicPr preferRelativeResize="0"/>
           <p:nvPr/>
         </p:nvPicPr>
@@ -17531,7 +24177,7 @@
       </p:pic>
       <p:sp>
         <p:nvSpPr>
-          <p:cNvPr id="169" name="Google Shape;169;p34"/>
+          <p:cNvPr id="204" name="Google Shape;204;p34"/>
           <p:cNvSpPr txBox="1"/>
           <p:nvPr/>
         </p:nvSpPr>
@@ -17632,7 +24278,7 @@
       </p:sp>
       <p:sp>
         <p:nvSpPr>
-          <p:cNvPr id="170" name="Google Shape;170;p34"/>
+          <p:cNvPr id="205" name="Google Shape;205;p34"/>
           <p:cNvSpPr txBox="1"/>
           <p:nvPr/>
         </p:nvSpPr>
@@ -17731,6 +24377,46 @@
           </a:p>
         </p:txBody>
       </p:sp>
+      <p:sp>
+        <p:nvSpPr>
+          <p:cNvPr id="206" name="Google Shape;206;p34"/>
+          <p:cNvSpPr txBox="1"/>
+          <p:nvPr>
+            <p:ph idx="12" type="sldNum"/>
+          </p:nvPr>
+        </p:nvSpPr>
+        <p:spPr>
+          <a:xfrm>
+            <a:off x="11409045" y="6333134"/>
+            <a:ext cx="731700" cy="525000"/>
+          </a:xfrm>
+          <a:prstGeom prst="rect">
+            <a:avLst/>
+          </a:prstGeom>
+        </p:spPr>
+        <p:txBody>
+          <a:bodyPr anchorCtr="0" anchor="t" bIns="91425" lIns="91425" spcFirstLastPara="1" rIns="91425" wrap="square" tIns="91425">
+            <a:noAutofit/>
+          </a:bodyPr>
+          <a:lstStyle/>
+          <a:p>
+            <a:pPr indent="0" lvl="0" marL="0" rtl="0" algn="r">
+              <a:spcBef>
+                <a:spcPts val="0"/>
+              </a:spcBef>
+              <a:spcAft>
+                <a:spcPts val="0"/>
+              </a:spcAft>
+              <a:buNone/>
+            </a:pPr>
+            <a:fld id="{00000000-1234-1234-1234-123412341234}" type="slidenum">
+              <a:rPr lang="en-US"/>
+              <a:t>‹#›</a:t>
+            </a:fld>
+            <a:endParaRPr/>
+          </a:p>
+        </p:txBody>
+      </p:sp>
     </p:spTree>
   </p:cSld>
   <p:clrMapOvr>
@@ -17744,7 +24430,7 @@
   <p:cSld>
     <p:spTree>
       <p:nvGrpSpPr>
-        <p:cNvPr id="174" name="Shape 174"/>
+        <p:cNvPr id="210" name="Shape 210"/>
         <p:cNvGrpSpPr/>
         <p:nvPr/>
       </p:nvGrpSpPr>
@@ -17758,14 +24444,14 @@
       </p:grpSpPr>
       <p:sp>
         <p:nvSpPr>
-          <p:cNvPr id="175" name="Google Shape;175;p35"/>
+          <p:cNvPr id="211" name="Google Shape;211;p35"/>
           <p:cNvSpPr txBox="1"/>
           <p:nvPr/>
         </p:nvSpPr>
         <p:spPr>
           <a:xfrm>
             <a:off x="838080" y="365040"/>
-            <a:ext cx="10515240" cy="1325160"/>
+            <a:ext cx="10515300" cy="1325100"/>
           </a:xfrm>
           <a:prstGeom prst="rect">
             <a:avLst/>
@@ -17794,18 +24480,6 @@
               <a:buNone/>
             </a:pPr>
             <a:r>
-              <a:rPr b="0" lang="en-US" sz="2800" strike="noStrike">
-                <a:solidFill>
-                  <a:srgbClr val="004F9B"/>
-                </a:solidFill>
-                <a:latin typeface="Tahoma"/>
-                <a:ea typeface="Tahoma"/>
-                <a:cs typeface="Tahoma"/>
-                <a:sym typeface="Tahoma"/>
-              </a:rPr>
-              <a:t>Design </a:t>
-            </a:r>
-            <a:r>
               <a:rPr lang="en-US" sz="2800">
                 <a:solidFill>
                   <a:srgbClr val="004F9B"/>
@@ -17815,7 +24489,7 @@
                 <a:cs typeface="Tahoma"/>
                 <a:sym typeface="Tahoma"/>
               </a:rPr>
-              <a:t>choices</a:t>
+              <a:t>Convnet Architecture</a:t>
             </a:r>
             <a:endParaRPr b="0" sz="2800" strike="noStrike">
               <a:solidFill>
@@ -17831,13 +24505,13 @@
       </p:sp>
       <p:sp>
         <p:nvSpPr>
-          <p:cNvPr id="176" name="Google Shape;176;p35"/>
+          <p:cNvPr id="212" name="Google Shape;212;p35"/>
           <p:cNvSpPr txBox="1"/>
           <p:nvPr/>
         </p:nvSpPr>
         <p:spPr>
           <a:xfrm>
-            <a:off x="838380" y="1841010"/>
+            <a:off x="936693" y="1396985"/>
             <a:ext cx="10515300" cy="4350900"/>
           </a:xfrm>
           <a:prstGeom prst="rect">
@@ -17854,7 +24528,7 @@
           </a:bodyPr>
           <a:lstStyle/>
           <a:p>
-            <a:pPr indent="-228240" lvl="0" marL="228600" marR="0" rtl="0" algn="l">
+            <a:pPr indent="0" lvl="0" marL="457200" marR="0" rtl="0" algn="l">
               <a:lnSpc>
                 <a:spcPct val="90000"/>
               </a:lnSpc>
@@ -17864,23 +24538,232 @@
               <a:spcAft>
                 <a:spcPts val="0"/>
               </a:spcAft>
-              <a:buClr>
-                <a:srgbClr val="000000"/>
-              </a:buClr>
-              <a:buSzPts val="2800"/>
-              <a:buFont typeface="Arial"/>
-              <a:buChar char="•"/>
+              <a:buNone/>
             </a:pPr>
             <a:r>
-              <a:rPr lang="en-US" sz="2800">
-                <a:latin typeface="Tahoma"/>
-                <a:ea typeface="Tahoma"/>
-                <a:cs typeface="Tahoma"/>
-                <a:sym typeface="Tahoma"/>
-              </a:rPr>
-              <a:t>Architecture</a:t>
+              <a:t/>
             </a:r>
             <a:endParaRPr b="0" i="0" sz="2400" u="none" cap="none" strike="noStrike">
+              <a:solidFill>
+                <a:srgbClr val="000000"/>
+              </a:solidFill>
+              <a:latin typeface="Tahoma"/>
+              <a:ea typeface="Tahoma"/>
+              <a:cs typeface="Tahoma"/>
+              <a:sym typeface="Tahoma"/>
+            </a:endParaRPr>
+          </a:p>
+          <a:p>
+            <a:pPr indent="0" lvl="0" marL="0" marR="0" rtl="0" algn="l">
+              <a:spcBef>
+                <a:spcPts val="0"/>
+              </a:spcBef>
+              <a:spcAft>
+                <a:spcPts val="0"/>
+              </a:spcAft>
+              <a:buNone/>
+            </a:pPr>
+            <a:r>
+              <a:t/>
+            </a:r>
+            <a:endParaRPr b="0" sz="2400" strike="noStrike">
+              <a:solidFill>
+                <a:srgbClr val="000000"/>
+              </a:solidFill>
+              <a:latin typeface="Tahoma"/>
+              <a:ea typeface="Tahoma"/>
+              <a:cs typeface="Tahoma"/>
+              <a:sym typeface="Tahoma"/>
+            </a:endParaRPr>
+          </a:p>
+        </p:txBody>
+      </p:sp>
+      <p:pic>
+        <p:nvPicPr>
+          <p:cNvPr id="213" name="Google Shape;213;p35"/>
+          <p:cNvPicPr preferRelativeResize="0"/>
+          <p:nvPr/>
+        </p:nvPicPr>
+        <p:blipFill>
+          <a:blip r:embed="rId3">
+            <a:alphaModFix/>
+          </a:blip>
+          <a:stretch>
+            <a:fillRect/>
+          </a:stretch>
+        </p:blipFill>
+        <p:spPr>
+          <a:xfrm>
+            <a:off x="1698550" y="2168188"/>
+            <a:ext cx="8991600" cy="3933825"/>
+          </a:xfrm>
+          <a:prstGeom prst="rect">
+            <a:avLst/>
+          </a:prstGeom>
+          <a:noFill/>
+          <a:ln>
+            <a:noFill/>
+          </a:ln>
+        </p:spPr>
+      </p:pic>
+      <p:sp>
+        <p:nvSpPr>
+          <p:cNvPr id="214" name="Google Shape;214;p35"/>
+          <p:cNvSpPr txBox="1"/>
+          <p:nvPr>
+            <p:ph idx="12" type="sldNum"/>
+          </p:nvPr>
+        </p:nvSpPr>
+        <p:spPr>
+          <a:xfrm>
+            <a:off x="11409045" y="6333134"/>
+            <a:ext cx="731700" cy="525000"/>
+          </a:xfrm>
+          <a:prstGeom prst="rect">
+            <a:avLst/>
+          </a:prstGeom>
+        </p:spPr>
+        <p:txBody>
+          <a:bodyPr anchorCtr="0" anchor="t" bIns="91425" lIns="91425" spcFirstLastPara="1" rIns="91425" wrap="square" tIns="91425">
+            <a:noAutofit/>
+          </a:bodyPr>
+          <a:lstStyle/>
+          <a:p>
+            <a:pPr indent="0" lvl="0" marL="0" rtl="0" algn="r">
+              <a:spcBef>
+                <a:spcPts val="0"/>
+              </a:spcBef>
+              <a:spcAft>
+                <a:spcPts val="0"/>
+              </a:spcAft>
+              <a:buNone/>
+            </a:pPr>
+            <a:fld id="{00000000-1234-1234-1234-123412341234}" type="slidenum">
+              <a:rPr lang="en-US"/>
+              <a:t>‹#›</a:t>
+            </a:fld>
+            <a:endParaRPr/>
+          </a:p>
+        </p:txBody>
+      </p:sp>
+      <p:sp>
+        <p:nvSpPr>
+          <p:cNvPr id="215" name="Google Shape;215;p35"/>
+          <p:cNvSpPr txBox="1"/>
+          <p:nvPr/>
+        </p:nvSpPr>
+        <p:spPr>
+          <a:xfrm>
+            <a:off x="355250" y="1233450"/>
+            <a:ext cx="3000000" cy="400200"/>
+          </a:xfrm>
+          <a:prstGeom prst="rect">
+            <a:avLst/>
+          </a:prstGeom>
+          <a:noFill/>
+          <a:ln>
+            <a:noFill/>
+          </a:ln>
+        </p:spPr>
+        <p:txBody>
+          <a:bodyPr anchorCtr="0" anchor="t" bIns="91425" lIns="91425" spcFirstLastPara="1" rIns="91425" wrap="square" tIns="91425">
+            <a:spAutoFit/>
+          </a:bodyPr>
+          <a:lstStyle/>
+          <a:p>
+            <a:pPr indent="0" lvl="0" marL="0" rtl="0" algn="l">
+              <a:spcBef>
+                <a:spcPts val="0"/>
+              </a:spcBef>
+              <a:spcAft>
+                <a:spcPts val="0"/>
+              </a:spcAft>
+              <a:buNone/>
+            </a:pPr>
+            <a:r>
+              <a:t/>
+            </a:r>
+            <a:endParaRPr/>
+          </a:p>
+        </p:txBody>
+      </p:sp>
+      <p:sp>
+        <p:nvSpPr>
+          <p:cNvPr id="216" name="Google Shape;216;p35"/>
+          <p:cNvSpPr txBox="1"/>
+          <p:nvPr/>
+        </p:nvSpPr>
+        <p:spPr>
+          <a:xfrm>
+            <a:off x="783175" y="6259700"/>
+            <a:ext cx="10668900" cy="222300"/>
+          </a:xfrm>
+          <a:prstGeom prst="rect">
+            <a:avLst/>
+          </a:prstGeom>
+          <a:noFill/>
+          <a:ln>
+            <a:noFill/>
+          </a:ln>
+        </p:spPr>
+        <p:txBody>
+          <a:bodyPr anchorCtr="0" anchor="t" bIns="45700" lIns="91425" spcFirstLastPara="1" rIns="91425" wrap="square" tIns="45700">
+            <a:normAutofit fontScale="25000" lnSpcReduction="20000"/>
+          </a:bodyPr>
+          <a:lstStyle/>
+          <a:p>
+            <a:pPr indent="0" lvl="0" marL="0" rtl="0" algn="l">
+              <a:spcBef>
+                <a:spcPts val="0"/>
+              </a:spcBef>
+              <a:spcAft>
+                <a:spcPts val="0"/>
+              </a:spcAft>
+              <a:buClr>
+                <a:schemeClr val="dk1"/>
+              </a:buClr>
+              <a:buSzPts val="275"/>
+              <a:buFont typeface="Arial"/>
+              <a:buNone/>
+            </a:pPr>
+            <a:r>
+              <a:rPr lang="en-US" sz="4600">
+                <a:solidFill>
+                  <a:schemeClr val="dk1"/>
+                </a:solidFill>
+              </a:rPr>
+              <a:t>Source: </a:t>
+            </a:r>
+            <a:r>
+              <a:rPr lang="en-US" sz="4600" u="sng">
+                <a:solidFill>
+                  <a:schemeClr val="hlink"/>
+                </a:solidFill>
+                <a:hlinkClick r:id="rId4"/>
+              </a:rPr>
+              <a:t>Software used</a:t>
+            </a:r>
+            <a:endParaRPr sz="7600">
+              <a:latin typeface="Tahoma"/>
+              <a:ea typeface="Tahoma"/>
+              <a:cs typeface="Tahoma"/>
+              <a:sym typeface="Tahoma"/>
+            </a:endParaRPr>
+          </a:p>
+          <a:p>
+            <a:pPr indent="0" lvl="0" marL="0" marR="0" rtl="0" algn="l">
+              <a:spcBef>
+                <a:spcPts val="0"/>
+              </a:spcBef>
+              <a:spcAft>
+                <a:spcPts val="0"/>
+              </a:spcAft>
+              <a:buNone/>
+            </a:pPr>
+            <a:r>
+              <a:t/>
+            </a:r>
+            <a:endParaRPr b="0" sz="2400" strike="noStrike">
               <a:solidFill>
                 <a:srgbClr val="000000"/>
               </a:solidFill>
@@ -17924,9 +24807,9 @@
 </file>
 
 <file path=ppt/theme/theme1.xml><?xml version="1.0" encoding="utf-8"?>
-<a:theme xmlns:a="http://schemas.openxmlformats.org/drawingml/2006/main" xmlns:r="http://schemas.openxmlformats.org/officeDocument/2006/relationships">
+<a:theme xmlns:a="http://schemas.openxmlformats.org/drawingml/2006/main" xmlns:r="http://schemas.openxmlformats.org/officeDocument/2006/relationships" name="Office Theme">
   <a:themeElements>
-    <a:clrScheme name="Default">
+    <a:clrScheme name="Office">
       <a:dk1>
         <a:srgbClr val="000000"/>
       </a:dk1>
@@ -17934,34 +24817,34 @@
         <a:srgbClr val="FFFFFF"/>
       </a:lt1>
       <a:dk2>
-        <a:srgbClr val="158158"/>
+        <a:srgbClr val="44546A"/>
       </a:dk2>
       <a:lt2>
-        <a:srgbClr val="F3F3F3"/>
+        <a:srgbClr val="E7E6E6"/>
       </a:lt2>
       <a:accent1>
-        <a:srgbClr val="058DC7"/>
+        <a:srgbClr val="5B9BD5"/>
       </a:accent1>
       <a:accent2>
-        <a:srgbClr val="50B432"/>
+        <a:srgbClr val="ED7D31"/>
       </a:accent2>
       <a:accent3>
-        <a:srgbClr val="ED561B"/>
+        <a:srgbClr val="A5A5A5"/>
       </a:accent3>
       <a:accent4>
-        <a:srgbClr val="EDEF00"/>
+        <a:srgbClr val="FFC000"/>
       </a:accent4>
       <a:accent5>
-        <a:srgbClr val="24CBE5"/>
+        <a:srgbClr val="4472C4"/>
       </a:accent5>
       <a:accent6>
-        <a:srgbClr val="64E572"/>
+        <a:srgbClr val="70AD47"/>
       </a:accent6>
       <a:hlink>
-        <a:srgbClr val="2200CC"/>
+        <a:srgbClr val="0563C1"/>
       </a:hlink>
       <a:folHlink>
-        <a:srgbClr val="551A8B"/>
+        <a:srgbClr val="954F72"/>
       </a:folHlink>
     </a:clrScheme>
     <a:fontScheme name="Office">
@@ -18482,9 +25365,9 @@
 </file>
 
 <file path=ppt/theme/theme3.xml><?xml version="1.0" encoding="utf-8"?>
-<a:theme xmlns:a="http://schemas.openxmlformats.org/drawingml/2006/main" xmlns:r="http://schemas.openxmlformats.org/officeDocument/2006/relationships" name="Office Theme">
+<a:theme xmlns:a="http://schemas.openxmlformats.org/drawingml/2006/main" xmlns:r="http://schemas.openxmlformats.org/officeDocument/2006/relationships">
   <a:themeElements>
-    <a:clrScheme name="Office">
+    <a:clrScheme name="Default">
       <a:dk1>
         <a:srgbClr val="000000"/>
       </a:dk1>
@@ -18492,34 +25375,34 @@
         <a:srgbClr val="FFFFFF"/>
       </a:lt1>
       <a:dk2>
-        <a:srgbClr val="44546A"/>
+        <a:srgbClr val="158158"/>
       </a:dk2>
       <a:lt2>
-        <a:srgbClr val="E7E6E6"/>
+        <a:srgbClr val="F3F3F3"/>
       </a:lt2>
       <a:accent1>
-        <a:srgbClr val="5B9BD5"/>
+        <a:srgbClr val="058DC7"/>
       </a:accent1>
       <a:accent2>
-        <a:srgbClr val="ED7D31"/>
+        <a:srgbClr val="50B432"/>
       </a:accent2>
       <a:accent3>
-        <a:srgbClr val="A5A5A5"/>
+        <a:srgbClr val="ED561B"/>
       </a:accent3>
       <a:accent4>
-        <a:srgbClr val="FFC000"/>
+        <a:srgbClr val="EDEF00"/>
       </a:accent4>
       <a:accent5>
-        <a:srgbClr val="4472C4"/>
+        <a:srgbClr val="24CBE5"/>
       </a:accent5>
       <a:accent6>
-        <a:srgbClr val="70AD47"/>
+        <a:srgbClr val="64E572"/>
       </a:accent6>
       <a:hlink>
-        <a:srgbClr val="0563C1"/>
+        <a:srgbClr val="2200CC"/>
       </a:hlink>
       <a:folHlink>
-        <a:srgbClr val="954F72"/>
+        <a:srgbClr val="551A8B"/>
       </a:folHlink>
     </a:clrScheme>
     <a:fontScheme name="Office">
